--- a/分享PPT/k8s分享课题.pptx
+++ b/分享PPT/k8s分享课题.pptx
@@ -11819,7 +11819,7 @@
                 <a:cs typeface="+mn-ea"/>
                 <a:sym typeface="+mn-lt"/>
               </a:rPr>
-              <a:t>通信场景</a:t>
+              <a:t>服务发现</a:t>
             </a:r>
             <a:endParaRPr kumimoji="0" lang="zh-CN" altLang="en-US" sz="7200" b="0" i="0" u="none" strike="noStrike" kern="1200" cap="none" spc="0" normalizeH="0" baseline="0" noProof="0" dirty="0">
               <a:ln>
@@ -12454,7 +12454,7 @@
                   <a:cs typeface="+mn-ea"/>
                   <a:sym typeface="+mn-lt"/>
                 </a:rPr>
-                <a:t>四大通信场景</a:t>
+                <a:t>常见通信场景</a:t>
               </a:r>
               <a:endParaRPr kumimoji="0" lang="zh-CN" altLang="en-US" sz="3200" b="0" i="0" u="none" strike="noStrike" kern="1200" cap="none" spc="0" normalizeH="0" baseline="0" noProof="0" dirty="0">
                 <a:ln>
@@ -22869,7 +22869,7 @@
                 <a:cs typeface="+mn-ea"/>
                 <a:sym typeface="+mn-lt"/>
               </a:rPr>
-              <a:t>k8s(pv pvc)</a:t>
+              <a:t>k8s(ConfigMap)</a:t>
             </a:r>
             <a:endParaRPr kumimoji="0" lang="en-US" altLang="zh-CN" sz="7200" b="0" i="0" u="none" strike="noStrike" kern="1200" cap="none" spc="0" normalizeH="0" baseline="0" noProof="0" dirty="0">
               <a:ln>
@@ -27462,7 +27462,7 @@
         </p:nvSpPr>
         <p:spPr>
           <a:xfrm>
-            <a:off x="5182667" y="834798"/>
+            <a:off x="5182667" y="1064668"/>
             <a:ext cx="2747764" cy="521970"/>
           </a:xfrm>
           <a:prstGeom prst="rect">
@@ -27547,7 +27547,7 @@
         </p:nvSpPr>
         <p:spPr>
           <a:xfrm>
-            <a:off x="5182870" y="1491615"/>
+            <a:off x="5182870" y="1703705"/>
             <a:ext cx="3097530" cy="521970"/>
           </a:xfrm>
           <a:prstGeom prst="rect">
@@ -27663,7 +27663,7 @@
         </p:nvSpPr>
         <p:spPr>
           <a:xfrm>
-            <a:off x="5182870" y="2178685"/>
+            <a:off x="5182870" y="2342515"/>
             <a:ext cx="3930650" cy="521970"/>
           </a:xfrm>
           <a:prstGeom prst="rect">
@@ -27779,7 +27779,7 @@
         </p:nvSpPr>
         <p:spPr>
           <a:xfrm>
-            <a:off x="5182870" y="3872865"/>
+            <a:off x="5182870" y="4137025"/>
             <a:ext cx="2845435" cy="521970"/>
           </a:xfrm>
           <a:prstGeom prst="rect">
@@ -27895,8 +27895,8 @@
         </p:nvSpPr>
         <p:spPr>
           <a:xfrm>
-            <a:off x="5182870" y="5175250"/>
-            <a:ext cx="2846070" cy="521970"/>
+            <a:off x="5182870" y="5333365"/>
+            <a:ext cx="5023485" cy="521970"/>
           </a:xfrm>
           <a:prstGeom prst="rect">
             <a:avLst/>
@@ -27969,7 +27969,39 @@
                 <a:cs typeface="+mn-ea"/>
                 <a:sym typeface="+mn-lt"/>
               </a:rPr>
-              <a:t>k8s(pv pvc)</a:t>
+              <a:t>k8s(ConfigMap</a:t>
+            </a:r>
+            <a:r>
+              <a:rPr kumimoji="0" lang="zh-CN" altLang="en-US" sz="2800" b="0" i="0" u="none" strike="noStrike" kern="1200" cap="none" spc="0" normalizeH="0" baseline="0" noProof="0" dirty="0">
+                <a:ln>
+                  <a:noFill/>
+                </a:ln>
+                <a:solidFill>
+                  <a:srgbClr val="F8F8F8"/>
+                </a:solidFill>
+                <a:effectLst/>
+                <a:uLnTx/>
+                <a:uFillTx/>
+                <a:cs typeface="+mn-ea"/>
+                <a:sym typeface="+mn-lt"/>
+              </a:rPr>
+              <a:t>、</a:t>
+            </a:r>
+            <a:r>
+              <a:rPr kumimoji="0" lang="en-US" altLang="zh-CN" sz="2800" b="0" i="0" u="none" strike="noStrike" kern="1200" cap="none" spc="0" normalizeH="0" baseline="0" noProof="0" dirty="0">
+                <a:ln>
+                  <a:noFill/>
+                </a:ln>
+                <a:solidFill>
+                  <a:srgbClr val="F8F8F8"/>
+                </a:solidFill>
+                <a:effectLst/>
+                <a:uLnTx/>
+                <a:uFillTx/>
+                <a:cs typeface="+mn-ea"/>
+                <a:sym typeface="+mn-lt"/>
+              </a:rPr>
+              <a:t>pv&amp;pvc)</a:t>
             </a:r>
             <a:endParaRPr kumimoji="0" lang="en-US" altLang="zh-CN" sz="2800" b="0" i="0" u="none" strike="noStrike" kern="1200" cap="none" spc="0" normalizeH="0" baseline="0" noProof="0" dirty="0">
               <a:ln>
@@ -28050,7 +28082,7 @@
         </p:nvSpPr>
         <p:spPr>
           <a:xfrm>
-            <a:off x="5182870" y="4505325"/>
+            <a:off x="5182870" y="4735195"/>
             <a:ext cx="3569335" cy="521970"/>
           </a:xfrm>
           <a:prstGeom prst="rect">
@@ -28166,7 +28198,7 @@
         </p:nvSpPr>
         <p:spPr>
           <a:xfrm>
-            <a:off x="5182870" y="2769870"/>
+            <a:off x="5182870" y="2940685"/>
             <a:ext cx="2846070" cy="521970"/>
           </a:xfrm>
           <a:prstGeom prst="rect">
@@ -28282,7 +28314,7 @@
         </p:nvSpPr>
         <p:spPr>
           <a:xfrm>
-            <a:off x="5182235" y="3333750"/>
+            <a:off x="5182870" y="3538855"/>
             <a:ext cx="2900045" cy="521970"/>
           </a:xfrm>
           <a:prstGeom prst="rect">
@@ -28372,9 +28404,109 @@
                 <a:cs typeface="+mn-ea"/>
                 <a:sym typeface="+mn-lt"/>
               </a:rPr>
-              <a:t>通信场景</a:t>
+              <a:t>服务发现</a:t>
             </a:r>
             <a:endParaRPr kumimoji="0" lang="zh-CN" altLang="en-US" sz="2800" b="0" i="0" u="none" strike="noStrike" kern="1200" cap="none" spc="0" normalizeH="0" baseline="0" noProof="0" dirty="0">
+              <a:ln>
+                <a:noFill/>
+              </a:ln>
+              <a:solidFill>
+                <a:srgbClr val="F8F8F8"/>
+              </a:solidFill>
+              <a:effectLst/>
+              <a:uLnTx/>
+              <a:uFillTx/>
+              <a:cs typeface="+mn-ea"/>
+              <a:sym typeface="+mn-lt"/>
+            </a:endParaRPr>
+          </a:p>
+        </p:txBody>
+      </p:sp>
+      <p:sp>
+        <p:nvSpPr>
+          <p:cNvPr id="10" name="矩形 9"/>
+          <p:cNvSpPr/>
+          <p:nvPr/>
+        </p:nvSpPr>
+        <p:spPr>
+          <a:xfrm>
+            <a:off x="5225415" y="5931535"/>
+            <a:ext cx="3660775" cy="521970"/>
+          </a:xfrm>
+          <a:prstGeom prst="rect">
+            <a:avLst/>
+          </a:prstGeom>
+        </p:spPr>
+        <p:txBody>
+          <a:bodyPr vert="horz" wrap="square">
+            <a:spAutoFit/>
+          </a:bodyPr>
+          <a:p>
+            <a:pPr marL="0" marR="0" lvl="0" indent="0" algn="dist" defTabSz="914400" rtl="0" eaLnBrk="1" fontAlgn="auto" latinLnBrk="0" hangingPunct="1">
+              <a:lnSpc>
+                <a:spcPct val="100000"/>
+              </a:lnSpc>
+              <a:spcBef>
+                <a:spcPts val="0"/>
+              </a:spcBef>
+              <a:spcAft>
+                <a:spcPts val="0"/>
+              </a:spcAft>
+              <a:buClrTx/>
+              <a:buSzTx/>
+              <a:buFontTx/>
+              <a:buNone/>
+              <a:defRPr/>
+            </a:pPr>
+            <a:r>
+              <a:rPr kumimoji="0" lang="en-US" altLang="zh-CN" sz="2800" b="0" i="0" u="none" strike="noStrike" kern="1200" cap="none" spc="0" normalizeH="0" baseline="0" noProof="0" dirty="0">
+                <a:ln>
+                  <a:noFill/>
+                </a:ln>
+                <a:solidFill>
+                  <a:srgbClr val="F8F8F8"/>
+                </a:solidFill>
+                <a:effectLst/>
+                <a:uLnTx/>
+                <a:uFillTx/>
+                <a:cs typeface="+mn-ea"/>
+                <a:sym typeface="+mn-lt"/>
+              </a:rPr>
+              <a:t>09</a:t>
+            </a:r>
+            <a:r>
+              <a:rPr kumimoji="0" lang="zh-CN" altLang="en-US" sz="2800" b="0" i="0" u="none" strike="noStrike" kern="1200" cap="none" spc="0" normalizeH="0" baseline="0" noProof="0" dirty="0">
+                <a:ln>
+                  <a:noFill/>
+                </a:ln>
+                <a:solidFill>
+                  <a:srgbClr val="F8F8F8"/>
+                </a:solidFill>
+                <a:effectLst/>
+                <a:uLnTx/>
+                <a:uFillTx/>
+                <a:cs typeface="+mn-ea"/>
+                <a:sym typeface="+mn-lt"/>
+              </a:rPr>
+              <a:t>、</a:t>
+            </a:r>
+            <a:r>
+              <a:rPr kumimoji="0" lang="en-US" altLang="zh-CN" sz="2800" b="0" i="0" u="none" strike="noStrike" kern="1200" cap="none" spc="0" normalizeH="0" baseline="0" noProof="0" dirty="0">
+                <a:ln>
+                  <a:noFill/>
+                </a:ln>
+                <a:solidFill>
+                  <a:srgbClr val="F8F8F8"/>
+                </a:solidFill>
+                <a:effectLst/>
+                <a:uLnTx/>
+                <a:uFillTx/>
+                <a:cs typeface="+mn-ea"/>
+                <a:sym typeface="+mn-lt"/>
+              </a:rPr>
+              <a:t>k8s(Servicemesh)</a:t>
+            </a:r>
+            <a:endParaRPr kumimoji="0" lang="en-US" altLang="zh-CN" sz="2800" b="0" i="0" u="none" strike="noStrike" kern="1200" cap="none" spc="0" normalizeH="0" baseline="0" noProof="0" dirty="0">
               <a:ln>
                 <a:noFill/>
               </a:ln>
@@ -28933,7 +29065,7 @@
         </p:nvSpPr>
         <p:spPr>
           <a:xfrm>
-            <a:off x="6395830" y="3428850"/>
+            <a:off x="6552675" y="3244700"/>
             <a:ext cx="3537602" cy="368300"/>
           </a:xfrm>
           <a:prstGeom prst="rect">
@@ -29002,176 +29134,6 @@
                 </a:gsLst>
                 <a:lin ang="10800000" scaled="0"/>
               </a:gradFill>
-              <a:effectLst/>
-              <a:uLnTx/>
-              <a:uFillTx/>
-              <a:cs typeface="+mn-ea"/>
-              <a:sym typeface="+mn-lt"/>
-            </a:endParaRPr>
-          </a:p>
-        </p:txBody>
-      </p:sp>
-      <p:sp>
-        <p:nvSpPr>
-          <p:cNvPr id="16" name="矩形 15"/>
-          <p:cNvSpPr/>
-          <p:nvPr/>
-        </p:nvSpPr>
-        <p:spPr>
-          <a:xfrm>
-            <a:off x="5961665" y="4755215"/>
-            <a:ext cx="2016225" cy="368300"/>
-          </a:xfrm>
-          <a:prstGeom prst="rect">
-            <a:avLst/>
-          </a:prstGeom>
-        </p:spPr>
-        <p:txBody>
-          <a:bodyPr vert="horz" wrap="square">
-            <a:spAutoFit/>
-          </a:bodyPr>
-          <a:lstStyle/>
-          <a:p>
-            <a:pPr marL="0" marR="0" lvl="0" indent="0" algn="dist" defTabSz="914400" rtl="0" eaLnBrk="1" fontAlgn="auto" latinLnBrk="0" hangingPunct="1">
-              <a:lnSpc>
-                <a:spcPct val="100000"/>
-              </a:lnSpc>
-              <a:spcBef>
-                <a:spcPts val="0"/>
-              </a:spcBef>
-              <a:spcAft>
-                <a:spcPts val="0"/>
-              </a:spcAft>
-              <a:buClrTx/>
-              <a:buSzTx/>
-              <a:buFontTx/>
-              <a:buNone/>
-              <a:defRPr/>
-            </a:pPr>
-            <a:r>
-              <a:rPr kumimoji="0" lang="zh-CN" altLang="en-US" sz="1800" b="0" i="0" u="none" strike="noStrike" kern="1200" cap="none" spc="0" normalizeH="0" baseline="0" noProof="0" dirty="0">
-                <a:ln>
-                  <a:noFill/>
-                </a:ln>
-                <a:solidFill>
-                  <a:srgbClr val="F8F8F8"/>
-                </a:solidFill>
-                <a:effectLst/>
-                <a:uLnTx/>
-                <a:uFillTx/>
-                <a:cs typeface="+mn-ea"/>
-                <a:sym typeface="+mn-lt"/>
-              </a:rPr>
-              <a:t>分享者：</a:t>
-            </a:r>
-            <a:r>
-              <a:rPr kumimoji="0" lang="en-US" altLang="zh-CN" sz="1800" b="0" i="0" u="none" strike="noStrike" kern="1200" cap="none" spc="0" normalizeH="0" baseline="0" noProof="0" dirty="0">
-                <a:ln>
-                  <a:noFill/>
-                </a:ln>
-                <a:solidFill>
-                  <a:srgbClr val="F8F8F8"/>
-                </a:solidFill>
-                <a:effectLst/>
-                <a:uLnTx/>
-                <a:uFillTx/>
-                <a:cs typeface="+mn-ea"/>
-                <a:sym typeface="+mn-lt"/>
-              </a:rPr>
-              <a:t>SHOUZHI</a:t>
-            </a:r>
-            <a:endParaRPr kumimoji="0" lang="en-US" altLang="zh-CN" sz="1800" b="0" i="0" u="none" strike="noStrike" kern="1200" cap="none" spc="0" normalizeH="0" baseline="0" noProof="0" dirty="0">
-              <a:ln>
-                <a:noFill/>
-              </a:ln>
-              <a:solidFill>
-                <a:srgbClr val="F8F8F8"/>
-              </a:solidFill>
-              <a:effectLst/>
-              <a:uLnTx/>
-              <a:uFillTx/>
-              <a:cs typeface="+mn-ea"/>
-              <a:sym typeface="+mn-lt"/>
-            </a:endParaRPr>
-          </a:p>
-        </p:txBody>
-      </p:sp>
-      <p:sp>
-        <p:nvSpPr>
-          <p:cNvPr id="17" name="矩形 16"/>
-          <p:cNvSpPr/>
-          <p:nvPr/>
-        </p:nvSpPr>
-        <p:spPr>
-          <a:xfrm>
-            <a:off x="8491325" y="4755215"/>
-            <a:ext cx="2016225" cy="369332"/>
-          </a:xfrm>
-          <a:prstGeom prst="rect">
-            <a:avLst/>
-          </a:prstGeom>
-        </p:spPr>
-        <p:txBody>
-          <a:bodyPr vert="horz" wrap="square">
-            <a:spAutoFit/>
-          </a:bodyPr>
-          <a:lstStyle/>
-          <a:p>
-            <a:pPr marL="0" marR="0" lvl="0" indent="0" algn="dist" defTabSz="914400" rtl="0" eaLnBrk="1" fontAlgn="auto" latinLnBrk="0" hangingPunct="1">
-              <a:lnSpc>
-                <a:spcPct val="100000"/>
-              </a:lnSpc>
-              <a:spcBef>
-                <a:spcPts val="0"/>
-              </a:spcBef>
-              <a:spcAft>
-                <a:spcPts val="0"/>
-              </a:spcAft>
-              <a:buClrTx/>
-              <a:buSzTx/>
-              <a:buFontTx/>
-              <a:buNone/>
-              <a:defRPr/>
-            </a:pPr>
-            <a:r>
-              <a:rPr kumimoji="0" lang="zh-CN" altLang="en-US" sz="1800" b="0" i="0" u="none" strike="noStrike" kern="1200" cap="none" spc="0" normalizeH="0" baseline="0" noProof="0" dirty="0">
-                <a:ln>
-                  <a:noFill/>
-                </a:ln>
-                <a:solidFill>
-                  <a:srgbClr val="F8F8F8"/>
-                </a:solidFill>
-                <a:effectLst/>
-                <a:uLnTx/>
-                <a:uFillTx/>
-                <a:cs typeface="+mn-ea"/>
-                <a:sym typeface="+mn-lt"/>
-              </a:rPr>
-              <a:t>时间：</a:t>
-            </a:r>
-            <a:r>
-              <a:rPr kumimoji="0" lang="en-US" altLang="zh-CN" sz="1800" b="0" i="0" u="none" strike="noStrike" kern="1200" cap="none" spc="0" normalizeH="0" baseline="0" noProof="0" dirty="0">
-                <a:ln>
-                  <a:noFill/>
-                </a:ln>
-                <a:solidFill>
-                  <a:srgbClr val="F8F8F8"/>
-                </a:solidFill>
-                <a:effectLst/>
-                <a:uLnTx/>
-                <a:uFillTx/>
-                <a:cs typeface="+mn-ea"/>
-                <a:sym typeface="+mn-lt"/>
-              </a:rPr>
-              <a:t>XXXX</a:t>
-            </a:r>
-            <a:endParaRPr kumimoji="0" lang="zh-CN" altLang="en-US" sz="1800" b="0" i="0" u="none" strike="noStrike" kern="1200" cap="none" spc="0" normalizeH="0" baseline="0" noProof="0" dirty="0">
-              <a:ln>
-                <a:noFill/>
-              </a:ln>
-              <a:solidFill>
-                <a:srgbClr val="F8F8F8"/>
-              </a:solidFill>
               <a:effectLst/>
               <a:uLnTx/>
               <a:uFillTx/>
@@ -42696,7 +42658,7 @@
                 <a:uFillTx/>
                 <a:cs typeface="+mn-ea"/>
                 <a:sym typeface="+mn-lt"/>
-                <a:hlinkClick r:id="rId3" tooltip="" action="ppaction://hlinkfile"/>
+                <a:hlinkClick r:id="rId3" action="ppaction://hlinkfile"/>
               </a:rPr>
               <a:t>二进制</a:t>
             </a:r>
@@ -42766,7 +42728,7 @@
                 <a:uFillTx/>
                 <a:cs typeface="+mn-ea"/>
                 <a:sym typeface="+mn-lt"/>
-                <a:hlinkClick r:id="rId4" tooltip="" action="ppaction://hlinkfile"/>
+                <a:hlinkClick r:id="rId4" action="ppaction://hlinkfile"/>
               </a:rPr>
               <a:t>Kubeadmin</a:t>
             </a:r>
@@ -42836,7 +42798,7 @@
                 <a:uFillTx/>
                 <a:cs typeface="+mn-ea"/>
                 <a:sym typeface="+mn-lt"/>
-                <a:hlinkClick r:id="rId5" tooltip="" action="ppaction://hlinkfile"/>
+                <a:hlinkClick r:id="rId5" action="ppaction://hlinkfile"/>
               </a:rPr>
               <a:t>Kubespray文档待完善</a:t>
             </a:r>

--- a/分享PPT/k8s分享课题.pptx
+++ b/分享PPT/k8s分享课题.pptx
@@ -27,7 +27,7 @@
     <p:sldId id="308" r:id="rId20"/>
     <p:sldId id="285" r:id="rId21"/>
     <p:sldId id="309" r:id="rId22"/>
-    <p:sldId id="286" r:id="rId23"/>
+    <p:sldId id="341" r:id="rId23"/>
     <p:sldId id="289" r:id="rId24"/>
   </p:sldIdLst>
   <p:sldSz cx="12192000" cy="6858000"/>
@@ -25188,7 +25188,7 @@
         </p:nvGrpSpPr>
         <p:grpSpPr bwMode="auto">
           <a:xfrm rot="5400000">
-            <a:off x="4969346" y="1051390"/>
+            <a:off x="5169371" y="1052025"/>
             <a:ext cx="2620089" cy="2278128"/>
             <a:chOff x="5803301" y="1948401"/>
             <a:chExt cx="2164994" cy="1905223"/>
@@ -25651,7 +25651,7 @@
         </p:nvSpPr>
         <p:spPr>
           <a:xfrm>
-            <a:off x="4938625" y="1386222"/>
+            <a:off x="5138650" y="1386857"/>
             <a:ext cx="2713761" cy="1629410"/>
           </a:xfrm>
           <a:prstGeom prst="rect">
@@ -25777,8 +25777,8 @@
         </p:nvSpPr>
         <p:spPr>
           <a:xfrm>
-            <a:off x="3174831" y="3628854"/>
-            <a:ext cx="6582065" cy="2300605"/>
+            <a:off x="949960" y="3500755"/>
+            <a:ext cx="11059795" cy="2300605"/>
           </a:xfrm>
           <a:prstGeom prst="rect">
             <a:avLst/>
@@ -25918,7 +25918,71 @@
                 <a:cs typeface="+mn-ea"/>
                 <a:sym typeface="+mn-lt"/>
               </a:rPr>
-              <a:t>k8s(ConfigMap)</a:t>
+              <a:t>k8s(ConfigMap</a:t>
+            </a:r>
+            <a:r>
+              <a:rPr lang="zh-CN" altLang="en-US" sz="7200" noProof="0" dirty="0">
+                <a:ln>
+                  <a:noFill/>
+                </a:ln>
+                <a:solidFill>
+                  <a:srgbClr val="F8F8F8"/>
+                </a:solidFill>
+                <a:effectLst/>
+                <a:uLnTx/>
+                <a:uFillTx/>
+                <a:cs typeface="+mn-ea"/>
+                <a:sym typeface="+mn-lt"/>
+              </a:rPr>
+              <a:t>、</a:t>
+            </a:r>
+            <a:r>
+              <a:rPr lang="en-US" altLang="zh-CN" sz="7200" noProof="0" dirty="0">
+                <a:ln>
+                  <a:noFill/>
+                </a:ln>
+                <a:solidFill>
+                  <a:srgbClr val="F8F8F8"/>
+                </a:solidFill>
+                <a:effectLst/>
+                <a:uLnTx/>
+                <a:uFillTx/>
+                <a:cs typeface="+mn-ea"/>
+                <a:sym typeface="+mn-lt"/>
+              </a:rPr>
+              <a:t>pv</a:t>
+            </a:r>
+            <a:r>
+              <a:rPr lang="zh-CN" altLang="en-US" sz="7200" noProof="0" dirty="0">
+                <a:ln>
+                  <a:noFill/>
+                </a:ln>
+                <a:solidFill>
+                  <a:srgbClr val="F8F8F8"/>
+                </a:solidFill>
+                <a:effectLst/>
+                <a:uLnTx/>
+                <a:uFillTx/>
+                <a:cs typeface="+mn-ea"/>
+                <a:sym typeface="+mn-lt"/>
+              </a:rPr>
+              <a:t>、</a:t>
+            </a:r>
+            <a:r>
+              <a:rPr lang="en-US" altLang="zh-CN" sz="7200" noProof="0" dirty="0">
+                <a:ln>
+                  <a:noFill/>
+                </a:ln>
+                <a:solidFill>
+                  <a:srgbClr val="F8F8F8"/>
+                </a:solidFill>
+                <a:effectLst/>
+                <a:uLnTx/>
+                <a:uFillTx/>
+                <a:cs typeface="+mn-ea"/>
+                <a:sym typeface="+mn-lt"/>
+              </a:rPr>
+              <a:t>pvc)</a:t>
             </a:r>
             <a:endParaRPr kumimoji="0" lang="en-US" altLang="zh-CN" sz="7200" b="0" i="0" u="none" strike="noStrike" kern="1200" cap="none" spc="0" normalizeH="0" baseline="0" noProof="0" dirty="0">
               <a:ln>
@@ -27441,56 +27505,191 @@
           <a:chExt cx="0" cy="0"/>
         </a:xfrm>
       </p:grpSpPr>
+      <p:pic>
+        <p:nvPicPr>
+          <p:cNvPr id="15" name="图片 14"/>
+          <p:cNvPicPr>
+            <a:picLocks noChangeAspect="1"/>
+          </p:cNvPicPr>
+          <p:nvPr/>
+        </p:nvPicPr>
+        <p:blipFill>
+          <a:blip r:embed="rId1">
+            <a:extLst>
+              <a:ext uri="{28A0092B-C50C-407E-A947-70E740481C1C}">
+                <a14:useLocalDpi xmlns:a14="http://schemas.microsoft.com/office/drawing/2010/main" val="0"/>
+              </a:ext>
+            </a:extLst>
+          </a:blip>
+          <a:srcRect/>
+          <a:stretch>
+            <a:fillRect/>
+          </a:stretch>
+        </p:blipFill>
+        <p:spPr>
+          <a:xfrm flipH="1">
+            <a:off x="2255653" y="233769"/>
+            <a:ext cx="9936347" cy="6624231"/>
+          </a:xfrm>
+          <a:prstGeom prst="rect">
+            <a:avLst/>
+          </a:prstGeom>
+        </p:spPr>
+      </p:pic>
+      <p:pic>
+        <p:nvPicPr>
+          <p:cNvPr id="16" name="图片 15"/>
+          <p:cNvPicPr>
+            <a:picLocks noChangeAspect="1"/>
+          </p:cNvPicPr>
+          <p:nvPr/>
+        </p:nvPicPr>
+        <p:blipFill>
+          <a:blip r:embed="rId2">
+            <a:alphaModFix amt="20000"/>
+            <a:extLst>
+              <a:ext uri="{28A0092B-C50C-407E-A947-70E740481C1C}">
+                <a14:useLocalDpi xmlns:a14="http://schemas.microsoft.com/office/drawing/2010/main" val="0"/>
+              </a:ext>
+            </a:extLst>
+          </a:blip>
+          <a:srcRect/>
+          <a:stretch>
+            <a:fillRect/>
+          </a:stretch>
+        </p:blipFill>
+        <p:spPr>
+          <a:xfrm>
+            <a:off x="-1" y="1441581"/>
+            <a:ext cx="12192002" cy="5953284"/>
+          </a:xfrm>
+          <a:prstGeom prst="rect">
+            <a:avLst/>
+          </a:prstGeom>
+        </p:spPr>
+      </p:pic>
       <p:sp>
         <p:nvSpPr>
-          <p:cNvPr id="25" name="等腰三角形 24"/>
-          <p:cNvSpPr>
-            <a:spLocks noChangeAspect="1"/>
-          </p:cNvSpPr>
-          <p:nvPr/>
+          <p:cNvPr id="14" name="2"/>
+          <p:cNvSpPr txBox="1"/>
+          <p:nvPr>
+            <p:custDataLst>
+              <p:tags r:id="rId3"/>
+            </p:custDataLst>
+          </p:nvPr>
         </p:nvSpPr>
         <p:spPr>
           <a:xfrm>
-            <a:off x="7452900" y="1980478"/>
-            <a:ext cx="4320000" cy="3724138"/>
+            <a:off x="949960" y="3500755"/>
+            <a:ext cx="11059795" cy="2300605"/>
           </a:xfrm>
-          <a:prstGeom prst="triangle">
+          <a:prstGeom prst="rect">
             <a:avLst/>
           </a:prstGeom>
-          <a:gradFill>
-            <a:gsLst>
-              <a:gs pos="21000">
-                <a:srgbClr val="B15D0A"/>
-              </a:gs>
-              <a:gs pos="76000">
-                <a:srgbClr val="260659"/>
-              </a:gs>
-            </a:gsLst>
-            <a:lin ang="2700000" scaled="0"/>
-          </a:gradFill>
-          <a:ln>
-            <a:noFill/>
-          </a:ln>
+          <a:noFill/>
         </p:spPr>
-        <p:style>
-          <a:lnRef idx="2">
-            <a:schemeClr val="accent1">
-              <a:shade val="50000"/>
-            </a:schemeClr>
-          </a:lnRef>
-          <a:fillRef idx="1">
-            <a:schemeClr val="accent1"/>
-          </a:fillRef>
-          <a:effectRef idx="0">
-            <a:schemeClr val="accent1"/>
-          </a:effectRef>
-          <a:fontRef idx="minor">
-            <a:schemeClr val="lt1"/>
-          </a:fontRef>
-        </p:style>
         <p:txBody>
-          <a:bodyPr rtlCol="0" anchor="ctr"/>
-          <a:lstStyle/>
+          <a:bodyPr wrap="square" lIns="86005" tIns="43002" rIns="86005" bIns="43002">
+            <a:spAutoFit/>
+          </a:bodyPr>
+          <a:lstStyle>
+            <a:lvl1pPr>
+              <a:defRPr>
+                <a:solidFill>
+                  <a:schemeClr val="tx1"/>
+                </a:solidFill>
+                <a:latin typeface="Calibri" panose="020F0502020204030204" pitchFamily="34" charset="0"/>
+              </a:defRPr>
+            </a:lvl1pPr>
+            <a:lvl2pPr marL="742950" indent="-285750">
+              <a:defRPr>
+                <a:solidFill>
+                  <a:schemeClr val="tx1"/>
+                </a:solidFill>
+                <a:latin typeface="Calibri" panose="020F0502020204030204" pitchFamily="34" charset="0"/>
+              </a:defRPr>
+            </a:lvl2pPr>
+            <a:lvl3pPr marL="1143000" indent="-228600">
+              <a:defRPr>
+                <a:solidFill>
+                  <a:schemeClr val="tx1"/>
+                </a:solidFill>
+                <a:latin typeface="Calibri" panose="020F0502020204030204" pitchFamily="34" charset="0"/>
+              </a:defRPr>
+            </a:lvl3pPr>
+            <a:lvl4pPr marL="1600200" indent="-228600">
+              <a:defRPr>
+                <a:solidFill>
+                  <a:schemeClr val="tx1"/>
+                </a:solidFill>
+                <a:latin typeface="Calibri" panose="020F0502020204030204" pitchFamily="34" charset="0"/>
+              </a:defRPr>
+            </a:lvl4pPr>
+            <a:lvl5pPr marL="2057400" indent="-228600">
+              <a:defRPr>
+                <a:solidFill>
+                  <a:schemeClr val="tx1"/>
+                </a:solidFill>
+                <a:latin typeface="Calibri" panose="020F0502020204030204" pitchFamily="34" charset="0"/>
+              </a:defRPr>
+            </a:lvl5pPr>
+            <a:lvl6pPr marL="2514600" indent="-228600" defTabSz="913130" fontAlgn="base">
+              <a:spcBef>
+                <a:spcPct val="0"/>
+              </a:spcBef>
+              <a:spcAft>
+                <a:spcPct val="0"/>
+              </a:spcAft>
+              <a:defRPr>
+                <a:solidFill>
+                  <a:schemeClr val="tx1"/>
+                </a:solidFill>
+                <a:latin typeface="Calibri" panose="020F0502020204030204" pitchFamily="34" charset="0"/>
+              </a:defRPr>
+            </a:lvl6pPr>
+            <a:lvl7pPr marL="2971800" indent="-228600" defTabSz="913130" fontAlgn="base">
+              <a:spcBef>
+                <a:spcPct val="0"/>
+              </a:spcBef>
+              <a:spcAft>
+                <a:spcPct val="0"/>
+              </a:spcAft>
+              <a:defRPr>
+                <a:solidFill>
+                  <a:schemeClr val="tx1"/>
+                </a:solidFill>
+                <a:latin typeface="Calibri" panose="020F0502020204030204" pitchFamily="34" charset="0"/>
+              </a:defRPr>
+            </a:lvl7pPr>
+            <a:lvl8pPr marL="3429000" indent="-228600" defTabSz="913130" fontAlgn="base">
+              <a:spcBef>
+                <a:spcPct val="0"/>
+              </a:spcBef>
+              <a:spcAft>
+                <a:spcPct val="0"/>
+              </a:spcAft>
+              <a:defRPr>
+                <a:solidFill>
+                  <a:schemeClr val="tx1"/>
+                </a:solidFill>
+                <a:latin typeface="Calibri" panose="020F0502020204030204" pitchFamily="34" charset="0"/>
+              </a:defRPr>
+            </a:lvl8pPr>
+            <a:lvl9pPr marL="3886200" indent="-228600" defTabSz="913130" fontAlgn="base">
+              <a:spcBef>
+                <a:spcPct val="0"/>
+              </a:spcBef>
+              <a:spcAft>
+                <a:spcPct val="0"/>
+              </a:spcAft>
+              <a:defRPr>
+                <a:solidFill>
+                  <a:schemeClr val="tx1"/>
+                </a:solidFill>
+                <a:latin typeface="Calibri" panose="020F0502020204030204" pitchFamily="34" charset="0"/>
+              </a:defRPr>
+            </a:lvl9pPr>
+          </a:lstStyle>
           <a:p>
             <a:pPr marL="0" marR="0" lvl="0" indent="0" algn="ctr" defTabSz="914400" rtl="0" eaLnBrk="1" fontAlgn="auto" latinLnBrk="0" hangingPunct="1">
               <a:lnSpc>
@@ -27508,12 +27707,60 @@
               <a:buNone/>
               <a:defRPr/>
             </a:pPr>
-            <a:endParaRPr kumimoji="0" lang="zh-CN" altLang="en-US" sz="1800" b="0" i="0" u="none" strike="noStrike" kern="1200" cap="none" spc="0" normalizeH="0" baseline="0" noProof="0">
+            <a:r>
+              <a:rPr lang="en-US" altLang="zh-CN" sz="7200" noProof="0" dirty="0">
+                <a:ln>
+                  <a:noFill/>
+                </a:ln>
+                <a:solidFill>
+                  <a:srgbClr val="F8F8F8"/>
+                </a:solidFill>
+                <a:effectLst/>
+                <a:uLnTx/>
+                <a:uFillTx/>
+                <a:cs typeface="+mn-ea"/>
+                <a:sym typeface="+mn-lt"/>
+              </a:rPr>
+              <a:t>k8s(Servicemesh</a:t>
+            </a:r>
+            <a:r>
+              <a:rPr lang="zh-CN" altLang="en-US" sz="7200" noProof="0" dirty="0">
+                <a:ln>
+                  <a:noFill/>
+                </a:ln>
+                <a:solidFill>
+                  <a:srgbClr val="F8F8F8"/>
+                </a:solidFill>
+                <a:effectLst/>
+                <a:uLnTx/>
+                <a:uFillTx/>
+                <a:cs typeface="+mn-ea"/>
+                <a:sym typeface="+mn-lt"/>
+              </a:rPr>
+              <a:t>后续</a:t>
+            </a:r>
+            <a:r>
+              <a:rPr lang="en-US" altLang="zh-CN" sz="7200" noProof="0" dirty="0">
+                <a:ln>
+                  <a:noFill/>
+                </a:ln>
+                <a:solidFill>
+                  <a:srgbClr val="F8F8F8"/>
+                </a:solidFill>
+                <a:effectLst/>
+                <a:uLnTx/>
+                <a:uFillTx/>
+                <a:cs typeface="+mn-ea"/>
+                <a:sym typeface="+mn-lt"/>
+              </a:rPr>
+              <a:t>)</a:t>
+            </a:r>
+            <a:endParaRPr kumimoji="0" lang="en-US" altLang="zh-CN" sz="7200" b="0" i="0" u="none" strike="noStrike" kern="1200" cap="none" spc="0" normalizeH="0" baseline="0" noProof="0" dirty="0">
               <a:ln>
                 <a:noFill/>
               </a:ln>
               <a:solidFill>
-                <a:prstClr val="white"/>
+                <a:srgbClr val="F8F8F8"/>
               </a:solidFill>
               <a:effectLst/>
               <a:uLnTx/>
@@ -27522,58 +27769,6 @@
               <a:sym typeface="+mn-lt"/>
             </a:endParaRPr>
           </a:p>
-        </p:txBody>
-      </p:sp>
-      <p:sp>
-        <p:nvSpPr>
-          <p:cNvPr id="26" name="等腰三角形 25"/>
-          <p:cNvSpPr>
-            <a:spLocks noChangeAspect="1"/>
-          </p:cNvSpPr>
-          <p:nvPr/>
-        </p:nvSpPr>
-        <p:spPr>
-          <a:xfrm>
-            <a:off x="8108541" y="1980478"/>
-            <a:ext cx="3008718" cy="2593723"/>
-          </a:xfrm>
-          <a:prstGeom prst="triangle">
-            <a:avLst/>
-          </a:prstGeom>
-          <a:gradFill>
-            <a:gsLst>
-              <a:gs pos="21000">
-                <a:srgbClr val="B15D0A"/>
-              </a:gs>
-              <a:gs pos="76000">
-                <a:srgbClr val="260659"/>
-              </a:gs>
-            </a:gsLst>
-            <a:lin ang="2700000" scaled="0"/>
-          </a:gradFill>
-          <a:ln>
-            <a:noFill/>
-          </a:ln>
-        </p:spPr>
-        <p:style>
-          <a:lnRef idx="2">
-            <a:schemeClr val="accent1">
-              <a:shade val="50000"/>
-            </a:schemeClr>
-          </a:lnRef>
-          <a:fillRef idx="1">
-            <a:schemeClr val="accent1"/>
-          </a:fillRef>
-          <a:effectRef idx="0">
-            <a:schemeClr val="accent1"/>
-          </a:effectRef>
-          <a:fontRef idx="minor">
-            <a:schemeClr val="lt1"/>
-          </a:fontRef>
-        </p:style>
-        <p:txBody>
-          <a:bodyPr rtlCol="0" anchor="ctr"/>
-          <a:lstStyle/>
           <a:p>
             <a:pPr marL="0" marR="0" lvl="0" indent="0" algn="ctr" defTabSz="914400" rtl="0" eaLnBrk="1" fontAlgn="auto" latinLnBrk="0" hangingPunct="1">
               <a:lnSpc>
@@ -27591,2583 +27786,23 @@
               <a:buNone/>
               <a:defRPr/>
             </a:pPr>
-            <a:endParaRPr kumimoji="0" lang="zh-CN" altLang="en-US" sz="1800" b="0" i="0" u="none" strike="noStrike" kern="1200" cap="none" spc="0" normalizeH="0" baseline="0" noProof="0">
+            <a:endParaRPr kumimoji="0" lang="zh-CN" altLang="en-US" sz="7200" b="0" i="0" u="none" strike="noStrike" kern="1200" cap="none" spc="0" normalizeH="0" baseline="0" noProof="0" dirty="0">
               <a:ln>
                 <a:noFill/>
               </a:ln>
               <a:solidFill>
-                <a:prstClr val="white"/>
+                <a:srgbClr val="F8F8F8"/>
               </a:solidFill>
               <a:effectLst/>
               <a:uLnTx/>
               <a:uFillTx/>
+              <a:latin typeface="+mn-lt"/>
               <a:cs typeface="+mn-ea"/>
               <a:sym typeface="+mn-lt"/>
             </a:endParaRPr>
           </a:p>
         </p:txBody>
       </p:sp>
-      <p:sp>
-        <p:nvSpPr>
-          <p:cNvPr id="29" name="等腰三角形 28"/>
-          <p:cNvSpPr>
-            <a:spLocks noChangeAspect="1"/>
-          </p:cNvSpPr>
-          <p:nvPr/>
-        </p:nvSpPr>
-        <p:spPr>
-          <a:xfrm>
-            <a:off x="8737239" y="1980478"/>
-            <a:ext cx="1751323" cy="1509761"/>
-          </a:xfrm>
-          <a:prstGeom prst="triangle">
-            <a:avLst/>
-          </a:prstGeom>
-          <a:gradFill>
-            <a:gsLst>
-              <a:gs pos="21000">
-                <a:srgbClr val="B15D0A"/>
-              </a:gs>
-              <a:gs pos="76000">
-                <a:srgbClr val="260659"/>
-              </a:gs>
-            </a:gsLst>
-            <a:lin ang="2700000" scaled="0"/>
-          </a:gradFill>
-          <a:ln>
-            <a:noFill/>
-          </a:ln>
-        </p:spPr>
-        <p:style>
-          <a:lnRef idx="2">
-            <a:schemeClr val="accent1">
-              <a:shade val="50000"/>
-            </a:schemeClr>
-          </a:lnRef>
-          <a:fillRef idx="1">
-            <a:schemeClr val="accent1"/>
-          </a:fillRef>
-          <a:effectRef idx="0">
-            <a:schemeClr val="accent1"/>
-          </a:effectRef>
-          <a:fontRef idx="minor">
-            <a:schemeClr val="lt1"/>
-          </a:fontRef>
-        </p:style>
-        <p:txBody>
-          <a:bodyPr rtlCol="0" anchor="ctr"/>
-          <a:lstStyle/>
-          <a:p>
-            <a:pPr marL="0" marR="0" lvl="0" indent="0" algn="ctr" defTabSz="914400" rtl="0" eaLnBrk="1" fontAlgn="auto" latinLnBrk="0" hangingPunct="1">
-              <a:lnSpc>
-                <a:spcPct val="100000"/>
-              </a:lnSpc>
-              <a:spcBef>
-                <a:spcPts val="0"/>
-              </a:spcBef>
-              <a:spcAft>
-                <a:spcPts val="0"/>
-              </a:spcAft>
-              <a:buClrTx/>
-              <a:buSzTx/>
-              <a:buFontTx/>
-              <a:buNone/>
-              <a:defRPr/>
-            </a:pPr>
-            <a:endParaRPr kumimoji="0" lang="zh-CN" altLang="en-US" sz="1800" b="0" i="0" u="none" strike="noStrike" kern="1200" cap="none" spc="0" normalizeH="0" baseline="0" noProof="0">
-              <a:ln>
-                <a:noFill/>
-              </a:ln>
-              <a:solidFill>
-                <a:prstClr val="white"/>
-              </a:solidFill>
-              <a:effectLst/>
-              <a:uLnTx/>
-              <a:uFillTx/>
-              <a:cs typeface="+mn-ea"/>
-              <a:sym typeface="+mn-lt"/>
-            </a:endParaRPr>
-          </a:p>
-        </p:txBody>
-      </p:sp>
-      <p:cxnSp>
-        <p:nvCxnSpPr>
-          <p:cNvPr id="32" name="肘形连接符 16"/>
-          <p:cNvCxnSpPr/>
-          <p:nvPr/>
-        </p:nvCxnSpPr>
-        <p:spPr>
-          <a:xfrm rot="16200000" flipV="1">
-            <a:off x="6654229" y="856068"/>
-            <a:ext cx="445972" cy="3312610"/>
-          </a:xfrm>
-          <a:prstGeom prst="bentConnector2">
-            <a:avLst/>
-          </a:prstGeom>
-          <a:ln w="19050">
-            <a:solidFill>
-              <a:schemeClr val="bg1">
-                <a:lumMod val="95000"/>
-              </a:schemeClr>
-            </a:solidFill>
-          </a:ln>
-        </p:spPr>
-        <p:style>
-          <a:lnRef idx="1">
-            <a:schemeClr val="accent1"/>
-          </a:lnRef>
-          <a:fillRef idx="0">
-            <a:schemeClr val="accent1"/>
-          </a:fillRef>
-          <a:effectRef idx="0">
-            <a:schemeClr val="accent1"/>
-          </a:effectRef>
-          <a:fontRef idx="minor">
-            <a:schemeClr val="tx1"/>
-          </a:fontRef>
-        </p:style>
-      </p:cxnSp>
-      <p:cxnSp>
-        <p:nvCxnSpPr>
-          <p:cNvPr id="35" name="肘形连接符 17"/>
-          <p:cNvCxnSpPr/>
-          <p:nvPr/>
-        </p:nvCxnSpPr>
-        <p:spPr>
-          <a:xfrm rot="16200000" flipV="1">
-            <a:off x="6390540" y="2370223"/>
-            <a:ext cx="433349" cy="2772608"/>
-          </a:xfrm>
-          <a:prstGeom prst="bentConnector2">
-            <a:avLst/>
-          </a:prstGeom>
-          <a:ln w="19050">
-            <a:solidFill>
-              <a:schemeClr val="bg1">
-                <a:lumMod val="95000"/>
-              </a:schemeClr>
-            </a:solidFill>
-          </a:ln>
-        </p:spPr>
-        <p:style>
-          <a:lnRef idx="1">
-            <a:schemeClr val="accent1"/>
-          </a:lnRef>
-          <a:fillRef idx="0">
-            <a:schemeClr val="accent1"/>
-          </a:fillRef>
-          <a:effectRef idx="0">
-            <a:schemeClr val="accent1"/>
-          </a:effectRef>
-          <a:fontRef idx="minor">
-            <a:schemeClr val="tx1"/>
-          </a:fontRef>
-        </p:style>
-      </p:cxnSp>
-      <p:cxnSp>
-        <p:nvCxnSpPr>
-          <p:cNvPr id="38" name="肘形连接符 18"/>
-          <p:cNvCxnSpPr/>
-          <p:nvPr/>
-        </p:nvCxnSpPr>
-        <p:spPr>
-          <a:xfrm rot="16200000" flipV="1">
-            <a:off x="6126851" y="3887377"/>
-            <a:ext cx="420726" cy="2232608"/>
-          </a:xfrm>
-          <a:prstGeom prst="bentConnector2">
-            <a:avLst/>
-          </a:prstGeom>
-          <a:ln w="19050">
-            <a:solidFill>
-              <a:schemeClr val="bg1">
-                <a:lumMod val="95000"/>
-              </a:schemeClr>
-            </a:solidFill>
-          </a:ln>
-        </p:spPr>
-        <p:style>
-          <a:lnRef idx="1">
-            <a:schemeClr val="accent1"/>
-          </a:lnRef>
-          <a:fillRef idx="0">
-            <a:schemeClr val="accent1"/>
-          </a:fillRef>
-          <a:effectRef idx="0">
-            <a:schemeClr val="accent1"/>
-          </a:effectRef>
-          <a:fontRef idx="minor">
-            <a:schemeClr val="tx1"/>
-          </a:fontRef>
-        </p:style>
-      </p:cxnSp>
-      <p:sp>
-        <p:nvSpPr>
-          <p:cNvPr id="39" name="Freeform 217"/>
-          <p:cNvSpPr>
-            <a:spLocks noChangeAspect="1" noEditPoints="1"/>
-          </p:cNvSpPr>
-          <p:nvPr/>
-        </p:nvSpPr>
-        <p:spPr bwMode="auto">
-          <a:xfrm>
-            <a:off x="9369217" y="3791805"/>
-            <a:ext cx="389764" cy="396000"/>
-          </a:xfrm>
-          <a:custGeom>
-            <a:avLst/>
-            <a:gdLst>
-              <a:gd name="T0" fmla="*/ 49 w 125"/>
-              <a:gd name="T1" fmla="*/ 16 h 127"/>
-              <a:gd name="T2" fmla="*/ 36 w 125"/>
-              <a:gd name="T3" fmla="*/ 18 h 127"/>
-              <a:gd name="T4" fmla="*/ 25 w 125"/>
-              <a:gd name="T5" fmla="*/ 26 h 127"/>
-              <a:gd name="T6" fmla="*/ 18 w 125"/>
-              <a:gd name="T7" fmla="*/ 37 h 127"/>
-              <a:gd name="T8" fmla="*/ 15 w 125"/>
-              <a:gd name="T9" fmla="*/ 50 h 127"/>
-              <a:gd name="T10" fmla="*/ 18 w 125"/>
-              <a:gd name="T11" fmla="*/ 64 h 127"/>
-              <a:gd name="T12" fmla="*/ 25 w 125"/>
-              <a:gd name="T13" fmla="*/ 75 h 127"/>
-              <a:gd name="T14" fmla="*/ 36 w 125"/>
-              <a:gd name="T15" fmla="*/ 81 h 127"/>
-              <a:gd name="T16" fmla="*/ 49 w 125"/>
-              <a:gd name="T17" fmla="*/ 85 h 127"/>
-              <a:gd name="T18" fmla="*/ 63 w 125"/>
-              <a:gd name="T19" fmla="*/ 81 h 127"/>
-              <a:gd name="T20" fmla="*/ 73 w 125"/>
-              <a:gd name="T21" fmla="*/ 75 h 127"/>
-              <a:gd name="T22" fmla="*/ 81 w 125"/>
-              <a:gd name="T23" fmla="*/ 64 h 127"/>
-              <a:gd name="T24" fmla="*/ 84 w 125"/>
-              <a:gd name="T25" fmla="*/ 50 h 127"/>
-              <a:gd name="T26" fmla="*/ 81 w 125"/>
-              <a:gd name="T27" fmla="*/ 37 h 127"/>
-              <a:gd name="T28" fmla="*/ 73 w 125"/>
-              <a:gd name="T29" fmla="*/ 26 h 127"/>
-              <a:gd name="T30" fmla="*/ 63 w 125"/>
-              <a:gd name="T31" fmla="*/ 18 h 127"/>
-              <a:gd name="T32" fmla="*/ 49 w 125"/>
-              <a:gd name="T33" fmla="*/ 16 h 127"/>
-              <a:gd name="T34" fmla="*/ 49 w 125"/>
-              <a:gd name="T35" fmla="*/ 0 h 127"/>
-              <a:gd name="T36" fmla="*/ 68 w 125"/>
-              <a:gd name="T37" fmla="*/ 4 h 127"/>
-              <a:gd name="T38" fmla="*/ 85 w 125"/>
-              <a:gd name="T39" fmla="*/ 16 h 127"/>
-              <a:gd name="T40" fmla="*/ 95 w 125"/>
-              <a:gd name="T41" fmla="*/ 31 h 127"/>
-              <a:gd name="T42" fmla="*/ 99 w 125"/>
-              <a:gd name="T43" fmla="*/ 50 h 127"/>
-              <a:gd name="T44" fmla="*/ 97 w 125"/>
-              <a:gd name="T45" fmla="*/ 64 h 127"/>
-              <a:gd name="T46" fmla="*/ 91 w 125"/>
-              <a:gd name="T47" fmla="*/ 77 h 127"/>
-              <a:gd name="T48" fmla="*/ 91 w 125"/>
-              <a:gd name="T49" fmla="*/ 78 h 127"/>
-              <a:gd name="T50" fmla="*/ 122 w 125"/>
-              <a:gd name="T51" fmla="*/ 109 h 127"/>
-              <a:gd name="T52" fmla="*/ 124 w 125"/>
-              <a:gd name="T53" fmla="*/ 113 h 127"/>
-              <a:gd name="T54" fmla="*/ 125 w 125"/>
-              <a:gd name="T55" fmla="*/ 116 h 127"/>
-              <a:gd name="T56" fmla="*/ 124 w 125"/>
-              <a:gd name="T57" fmla="*/ 120 h 127"/>
-              <a:gd name="T58" fmla="*/ 122 w 125"/>
-              <a:gd name="T59" fmla="*/ 123 h 127"/>
-              <a:gd name="T60" fmla="*/ 119 w 125"/>
-              <a:gd name="T61" fmla="*/ 126 h 127"/>
-              <a:gd name="T62" fmla="*/ 115 w 125"/>
-              <a:gd name="T63" fmla="*/ 127 h 127"/>
-              <a:gd name="T64" fmla="*/ 111 w 125"/>
-              <a:gd name="T65" fmla="*/ 126 h 127"/>
-              <a:gd name="T66" fmla="*/ 107 w 125"/>
-              <a:gd name="T67" fmla="*/ 123 h 127"/>
-              <a:gd name="T68" fmla="*/ 77 w 125"/>
-              <a:gd name="T69" fmla="*/ 93 h 127"/>
-              <a:gd name="T70" fmla="*/ 76 w 125"/>
-              <a:gd name="T71" fmla="*/ 92 h 127"/>
-              <a:gd name="T72" fmla="*/ 64 w 125"/>
-              <a:gd name="T73" fmla="*/ 98 h 127"/>
-              <a:gd name="T74" fmla="*/ 49 w 125"/>
-              <a:gd name="T75" fmla="*/ 101 h 127"/>
-              <a:gd name="T76" fmla="*/ 30 w 125"/>
-              <a:gd name="T77" fmla="*/ 97 h 127"/>
-              <a:gd name="T78" fmla="*/ 14 w 125"/>
-              <a:gd name="T79" fmla="*/ 85 h 127"/>
-              <a:gd name="T80" fmla="*/ 4 w 125"/>
-              <a:gd name="T81" fmla="*/ 69 h 127"/>
-              <a:gd name="T82" fmla="*/ 0 w 125"/>
-              <a:gd name="T83" fmla="*/ 50 h 127"/>
-              <a:gd name="T84" fmla="*/ 4 w 125"/>
-              <a:gd name="T85" fmla="*/ 31 h 127"/>
-              <a:gd name="T86" fmla="*/ 14 w 125"/>
-              <a:gd name="T87" fmla="*/ 16 h 127"/>
-              <a:gd name="T88" fmla="*/ 30 w 125"/>
-              <a:gd name="T89" fmla="*/ 4 h 127"/>
-              <a:gd name="T90" fmla="*/ 49 w 125"/>
-              <a:gd name="T91" fmla="*/ 0 h 127"/>
-            </a:gdLst>
-            <a:ahLst/>
-            <a:cxnLst>
-              <a:cxn ang="0">
-                <a:pos x="T0" y="T1"/>
-              </a:cxn>
-              <a:cxn ang="0">
-                <a:pos x="T2" y="T3"/>
-              </a:cxn>
-              <a:cxn ang="0">
-                <a:pos x="T4" y="T5"/>
-              </a:cxn>
-              <a:cxn ang="0">
-                <a:pos x="T6" y="T7"/>
-              </a:cxn>
-              <a:cxn ang="0">
-                <a:pos x="T8" y="T9"/>
-              </a:cxn>
-              <a:cxn ang="0">
-                <a:pos x="T10" y="T11"/>
-              </a:cxn>
-              <a:cxn ang="0">
-                <a:pos x="T12" y="T13"/>
-              </a:cxn>
-              <a:cxn ang="0">
-                <a:pos x="T14" y="T15"/>
-              </a:cxn>
-              <a:cxn ang="0">
-                <a:pos x="T16" y="T17"/>
-              </a:cxn>
-              <a:cxn ang="0">
-                <a:pos x="T18" y="T19"/>
-              </a:cxn>
-              <a:cxn ang="0">
-                <a:pos x="T20" y="T21"/>
-              </a:cxn>
-              <a:cxn ang="0">
-                <a:pos x="T22" y="T23"/>
-              </a:cxn>
-              <a:cxn ang="0">
-                <a:pos x="T24" y="T25"/>
-              </a:cxn>
-              <a:cxn ang="0">
-                <a:pos x="T26" y="T27"/>
-              </a:cxn>
-              <a:cxn ang="0">
-                <a:pos x="T28" y="T29"/>
-              </a:cxn>
-              <a:cxn ang="0">
-                <a:pos x="T30" y="T31"/>
-              </a:cxn>
-              <a:cxn ang="0">
-                <a:pos x="T32" y="T33"/>
-              </a:cxn>
-              <a:cxn ang="0">
-                <a:pos x="T34" y="T35"/>
-              </a:cxn>
-              <a:cxn ang="0">
-                <a:pos x="T36" y="T37"/>
-              </a:cxn>
-              <a:cxn ang="0">
-                <a:pos x="T38" y="T39"/>
-              </a:cxn>
-              <a:cxn ang="0">
-                <a:pos x="T40" y="T41"/>
-              </a:cxn>
-              <a:cxn ang="0">
-                <a:pos x="T42" y="T43"/>
-              </a:cxn>
-              <a:cxn ang="0">
-                <a:pos x="T44" y="T45"/>
-              </a:cxn>
-              <a:cxn ang="0">
-                <a:pos x="T46" y="T47"/>
-              </a:cxn>
-              <a:cxn ang="0">
-                <a:pos x="T48" y="T49"/>
-              </a:cxn>
-              <a:cxn ang="0">
-                <a:pos x="T50" y="T51"/>
-              </a:cxn>
-              <a:cxn ang="0">
-                <a:pos x="T52" y="T53"/>
-              </a:cxn>
-              <a:cxn ang="0">
-                <a:pos x="T54" y="T55"/>
-              </a:cxn>
-              <a:cxn ang="0">
-                <a:pos x="T56" y="T57"/>
-              </a:cxn>
-              <a:cxn ang="0">
-                <a:pos x="T58" y="T59"/>
-              </a:cxn>
-              <a:cxn ang="0">
-                <a:pos x="T60" y="T61"/>
-              </a:cxn>
-              <a:cxn ang="0">
-                <a:pos x="T62" y="T63"/>
-              </a:cxn>
-              <a:cxn ang="0">
-                <a:pos x="T64" y="T65"/>
-              </a:cxn>
-              <a:cxn ang="0">
-                <a:pos x="T66" y="T67"/>
-              </a:cxn>
-              <a:cxn ang="0">
-                <a:pos x="T68" y="T69"/>
-              </a:cxn>
-              <a:cxn ang="0">
-                <a:pos x="T70" y="T71"/>
-              </a:cxn>
-              <a:cxn ang="0">
-                <a:pos x="T72" y="T73"/>
-              </a:cxn>
-              <a:cxn ang="0">
-                <a:pos x="T74" y="T75"/>
-              </a:cxn>
-              <a:cxn ang="0">
-                <a:pos x="T76" y="T77"/>
-              </a:cxn>
-              <a:cxn ang="0">
-                <a:pos x="T78" y="T79"/>
-              </a:cxn>
-              <a:cxn ang="0">
-                <a:pos x="T80" y="T81"/>
-              </a:cxn>
-              <a:cxn ang="0">
-                <a:pos x="T82" y="T83"/>
-              </a:cxn>
-              <a:cxn ang="0">
-                <a:pos x="T84" y="T85"/>
-              </a:cxn>
-              <a:cxn ang="0">
-                <a:pos x="T86" y="T87"/>
-              </a:cxn>
-              <a:cxn ang="0">
-                <a:pos x="T88" y="T89"/>
-              </a:cxn>
-              <a:cxn ang="0">
-                <a:pos x="T90" y="T91"/>
-              </a:cxn>
-            </a:cxnLst>
-            <a:rect l="0" t="0" r="r" b="b"/>
-            <a:pathLst>
-              <a:path w="125" h="127">
-                <a:moveTo>
-                  <a:pt x="49" y="16"/>
-                </a:moveTo>
-                <a:lnTo>
-                  <a:pt x="36" y="18"/>
-                </a:lnTo>
-                <a:lnTo>
-                  <a:pt x="25" y="26"/>
-                </a:lnTo>
-                <a:lnTo>
-                  <a:pt x="18" y="37"/>
-                </a:lnTo>
-                <a:lnTo>
-                  <a:pt x="15" y="50"/>
-                </a:lnTo>
-                <a:lnTo>
-                  <a:pt x="18" y="64"/>
-                </a:lnTo>
-                <a:lnTo>
-                  <a:pt x="25" y="75"/>
-                </a:lnTo>
-                <a:lnTo>
-                  <a:pt x="36" y="81"/>
-                </a:lnTo>
-                <a:lnTo>
-                  <a:pt x="49" y="85"/>
-                </a:lnTo>
-                <a:lnTo>
-                  <a:pt x="63" y="81"/>
-                </a:lnTo>
-                <a:lnTo>
-                  <a:pt x="73" y="75"/>
-                </a:lnTo>
-                <a:lnTo>
-                  <a:pt x="81" y="64"/>
-                </a:lnTo>
-                <a:lnTo>
-                  <a:pt x="84" y="50"/>
-                </a:lnTo>
-                <a:lnTo>
-                  <a:pt x="81" y="37"/>
-                </a:lnTo>
-                <a:lnTo>
-                  <a:pt x="73" y="26"/>
-                </a:lnTo>
-                <a:lnTo>
-                  <a:pt x="63" y="18"/>
-                </a:lnTo>
-                <a:lnTo>
-                  <a:pt x="49" y="16"/>
-                </a:lnTo>
-                <a:close/>
-                <a:moveTo>
-                  <a:pt x="49" y="0"/>
-                </a:moveTo>
-                <a:lnTo>
-                  <a:pt x="68" y="4"/>
-                </a:lnTo>
-                <a:lnTo>
-                  <a:pt x="85" y="16"/>
-                </a:lnTo>
-                <a:lnTo>
-                  <a:pt x="95" y="31"/>
-                </a:lnTo>
-                <a:lnTo>
-                  <a:pt x="99" y="50"/>
-                </a:lnTo>
-                <a:lnTo>
-                  <a:pt x="97" y="64"/>
-                </a:lnTo>
-                <a:lnTo>
-                  <a:pt x="91" y="77"/>
-                </a:lnTo>
-                <a:lnTo>
-                  <a:pt x="91" y="78"/>
-                </a:lnTo>
-                <a:lnTo>
-                  <a:pt x="122" y="109"/>
-                </a:lnTo>
-                <a:lnTo>
-                  <a:pt x="124" y="113"/>
-                </a:lnTo>
-                <a:lnTo>
-                  <a:pt x="125" y="116"/>
-                </a:lnTo>
-                <a:lnTo>
-                  <a:pt x="124" y="120"/>
-                </a:lnTo>
-                <a:lnTo>
-                  <a:pt x="122" y="123"/>
-                </a:lnTo>
-                <a:lnTo>
-                  <a:pt x="119" y="126"/>
-                </a:lnTo>
-                <a:lnTo>
-                  <a:pt x="115" y="127"/>
-                </a:lnTo>
-                <a:lnTo>
-                  <a:pt x="111" y="126"/>
-                </a:lnTo>
-                <a:lnTo>
-                  <a:pt x="107" y="123"/>
-                </a:lnTo>
-                <a:lnTo>
-                  <a:pt x="77" y="93"/>
-                </a:lnTo>
-                <a:lnTo>
-                  <a:pt x="76" y="92"/>
-                </a:lnTo>
-                <a:lnTo>
-                  <a:pt x="64" y="98"/>
-                </a:lnTo>
-                <a:lnTo>
-                  <a:pt x="49" y="101"/>
-                </a:lnTo>
-                <a:lnTo>
-                  <a:pt x="30" y="97"/>
-                </a:lnTo>
-                <a:lnTo>
-                  <a:pt x="14" y="85"/>
-                </a:lnTo>
-                <a:lnTo>
-                  <a:pt x="4" y="69"/>
-                </a:lnTo>
-                <a:lnTo>
-                  <a:pt x="0" y="50"/>
-                </a:lnTo>
-                <a:lnTo>
-                  <a:pt x="4" y="31"/>
-                </a:lnTo>
-                <a:lnTo>
-                  <a:pt x="14" y="16"/>
-                </a:lnTo>
-                <a:lnTo>
-                  <a:pt x="30" y="4"/>
-                </a:lnTo>
-                <a:lnTo>
-                  <a:pt x="49" y="0"/>
-                </a:lnTo>
-                <a:close/>
-              </a:path>
-            </a:pathLst>
-          </a:custGeom>
-          <a:solidFill>
-            <a:schemeClr val="bg1"/>
-          </a:solidFill>
-          <a:ln w="0">
-            <a:noFill/>
-            <a:prstDash val="solid"/>
-            <a:round/>
-          </a:ln>
-        </p:spPr>
-        <p:txBody>
-          <a:bodyPr vert="horz" wrap="square" lIns="91440" tIns="45720" rIns="91440" bIns="45720" numCol="1" anchor="t" anchorCtr="0" compatLnSpc="1"/>
-          <a:lstStyle/>
-          <a:p>
-            <a:pPr marL="0" marR="0" lvl="0" indent="0" algn="l" defTabSz="914400" rtl="0" eaLnBrk="1" fontAlgn="auto" latinLnBrk="0" hangingPunct="1">
-              <a:lnSpc>
-                <a:spcPct val="100000"/>
-              </a:lnSpc>
-              <a:spcBef>
-                <a:spcPts val="0"/>
-              </a:spcBef>
-              <a:spcAft>
-                <a:spcPts val="0"/>
-              </a:spcAft>
-              <a:buClrTx/>
-              <a:buSzTx/>
-              <a:buFontTx/>
-              <a:buNone/>
-              <a:defRPr/>
-            </a:pPr>
-            <a:endParaRPr kumimoji="0" lang="zh-CN" altLang="en-US" sz="1800" b="0" i="0" u="none" strike="noStrike" kern="1200" cap="none" spc="0" normalizeH="0" baseline="0" noProof="0">
-              <a:ln>
-                <a:noFill/>
-              </a:ln>
-              <a:solidFill>
-                <a:prstClr val="black"/>
-              </a:solidFill>
-              <a:effectLst/>
-              <a:uLnTx/>
-              <a:uFillTx/>
-              <a:cs typeface="+mn-ea"/>
-              <a:sym typeface="+mn-lt"/>
-            </a:endParaRPr>
-          </a:p>
-        </p:txBody>
-      </p:sp>
-      <p:sp>
-        <p:nvSpPr>
-          <p:cNvPr id="40" name="Freeform 218"/>
-          <p:cNvSpPr>
-            <a:spLocks noChangeAspect="1" noEditPoints="1"/>
-          </p:cNvSpPr>
-          <p:nvPr/>
-        </p:nvSpPr>
-        <p:spPr bwMode="auto">
-          <a:xfrm>
-            <a:off x="9375758" y="2709728"/>
-            <a:ext cx="376683" cy="396000"/>
-          </a:xfrm>
-          <a:custGeom>
-            <a:avLst/>
-            <a:gdLst>
-              <a:gd name="T0" fmla="*/ 61 w 117"/>
-              <a:gd name="T1" fmla="*/ 38 h 123"/>
-              <a:gd name="T2" fmla="*/ 72 w 117"/>
-              <a:gd name="T3" fmla="*/ 43 h 123"/>
-              <a:gd name="T4" fmla="*/ 76 w 117"/>
-              <a:gd name="T5" fmla="*/ 47 h 123"/>
-              <a:gd name="T6" fmla="*/ 63 w 117"/>
-              <a:gd name="T7" fmla="*/ 62 h 123"/>
-              <a:gd name="T8" fmla="*/ 61 w 117"/>
-              <a:gd name="T9" fmla="*/ 59 h 123"/>
-              <a:gd name="T10" fmla="*/ 54 w 117"/>
-              <a:gd name="T11" fmla="*/ 57 h 123"/>
-              <a:gd name="T12" fmla="*/ 49 w 117"/>
-              <a:gd name="T13" fmla="*/ 59 h 123"/>
-              <a:gd name="T14" fmla="*/ 24 w 117"/>
-              <a:gd name="T15" fmla="*/ 83 h 123"/>
-              <a:gd name="T16" fmla="*/ 20 w 117"/>
-              <a:gd name="T17" fmla="*/ 88 h 123"/>
-              <a:gd name="T18" fmla="*/ 20 w 117"/>
-              <a:gd name="T19" fmla="*/ 94 h 123"/>
-              <a:gd name="T20" fmla="*/ 24 w 117"/>
-              <a:gd name="T21" fmla="*/ 100 h 123"/>
-              <a:gd name="T22" fmla="*/ 27 w 117"/>
-              <a:gd name="T23" fmla="*/ 102 h 123"/>
-              <a:gd name="T24" fmla="*/ 33 w 117"/>
-              <a:gd name="T25" fmla="*/ 104 h 123"/>
-              <a:gd name="T26" fmla="*/ 38 w 117"/>
-              <a:gd name="T27" fmla="*/ 102 h 123"/>
-              <a:gd name="T28" fmla="*/ 51 w 117"/>
-              <a:gd name="T29" fmla="*/ 91 h 123"/>
-              <a:gd name="T30" fmla="*/ 58 w 117"/>
-              <a:gd name="T31" fmla="*/ 88 h 123"/>
-              <a:gd name="T32" fmla="*/ 65 w 117"/>
-              <a:gd name="T33" fmla="*/ 91 h 123"/>
-              <a:gd name="T34" fmla="*/ 67 w 117"/>
-              <a:gd name="T35" fmla="*/ 97 h 123"/>
-              <a:gd name="T36" fmla="*/ 65 w 117"/>
-              <a:gd name="T37" fmla="*/ 104 h 123"/>
-              <a:gd name="T38" fmla="*/ 45 w 117"/>
-              <a:gd name="T39" fmla="*/ 121 h 123"/>
-              <a:gd name="T40" fmla="*/ 33 w 117"/>
-              <a:gd name="T41" fmla="*/ 123 h 123"/>
-              <a:gd name="T42" fmla="*/ 11 w 117"/>
-              <a:gd name="T43" fmla="*/ 114 h 123"/>
-              <a:gd name="T44" fmla="*/ 3 w 117"/>
-              <a:gd name="T45" fmla="*/ 102 h 123"/>
-              <a:gd name="T46" fmla="*/ 3 w 117"/>
-              <a:gd name="T47" fmla="*/ 79 h 123"/>
-              <a:gd name="T48" fmla="*/ 32 w 117"/>
-              <a:gd name="T49" fmla="*/ 47 h 123"/>
-              <a:gd name="T50" fmla="*/ 54 w 117"/>
-              <a:gd name="T51" fmla="*/ 38 h 123"/>
-              <a:gd name="T52" fmla="*/ 97 w 117"/>
-              <a:gd name="T53" fmla="*/ 3 h 123"/>
-              <a:gd name="T54" fmla="*/ 108 w 117"/>
-              <a:gd name="T55" fmla="*/ 9 h 123"/>
-              <a:gd name="T56" fmla="*/ 117 w 117"/>
-              <a:gd name="T57" fmla="*/ 32 h 123"/>
-              <a:gd name="T58" fmla="*/ 108 w 117"/>
-              <a:gd name="T59" fmla="*/ 54 h 123"/>
-              <a:gd name="T60" fmla="*/ 75 w 117"/>
-              <a:gd name="T61" fmla="*/ 83 h 123"/>
-              <a:gd name="T62" fmla="*/ 63 w 117"/>
-              <a:gd name="T63" fmla="*/ 85 h 123"/>
-              <a:gd name="T64" fmla="*/ 42 w 117"/>
-              <a:gd name="T65" fmla="*/ 76 h 123"/>
-              <a:gd name="T66" fmla="*/ 54 w 117"/>
-              <a:gd name="T67" fmla="*/ 62 h 123"/>
-              <a:gd name="T68" fmla="*/ 58 w 117"/>
-              <a:gd name="T69" fmla="*/ 64 h 123"/>
-              <a:gd name="T70" fmla="*/ 63 w 117"/>
-              <a:gd name="T71" fmla="*/ 66 h 123"/>
-              <a:gd name="T72" fmla="*/ 70 w 117"/>
-              <a:gd name="T73" fmla="*/ 64 h 123"/>
-              <a:gd name="T74" fmla="*/ 95 w 117"/>
-              <a:gd name="T75" fmla="*/ 41 h 123"/>
-              <a:gd name="T76" fmla="*/ 97 w 117"/>
-              <a:gd name="T77" fmla="*/ 36 h 123"/>
-              <a:gd name="T78" fmla="*/ 97 w 117"/>
-              <a:gd name="T79" fmla="*/ 29 h 123"/>
-              <a:gd name="T80" fmla="*/ 95 w 117"/>
-              <a:gd name="T81" fmla="*/ 24 h 123"/>
-              <a:gd name="T82" fmla="*/ 91 w 117"/>
-              <a:gd name="T83" fmla="*/ 21 h 123"/>
-              <a:gd name="T84" fmla="*/ 86 w 117"/>
-              <a:gd name="T85" fmla="*/ 19 h 123"/>
-              <a:gd name="T86" fmla="*/ 79 w 117"/>
-              <a:gd name="T87" fmla="*/ 21 h 123"/>
-              <a:gd name="T88" fmla="*/ 67 w 117"/>
-              <a:gd name="T89" fmla="*/ 32 h 123"/>
-              <a:gd name="T90" fmla="*/ 61 w 117"/>
-              <a:gd name="T91" fmla="*/ 34 h 123"/>
-              <a:gd name="T92" fmla="*/ 54 w 117"/>
-              <a:gd name="T93" fmla="*/ 32 h 123"/>
-              <a:gd name="T94" fmla="*/ 51 w 117"/>
-              <a:gd name="T95" fmla="*/ 25 h 123"/>
-              <a:gd name="T96" fmla="*/ 54 w 117"/>
-              <a:gd name="T97" fmla="*/ 19 h 123"/>
-              <a:gd name="T98" fmla="*/ 74 w 117"/>
-              <a:gd name="T99" fmla="*/ 3 h 123"/>
-            </a:gdLst>
-            <a:ahLst/>
-            <a:cxnLst>
-              <a:cxn ang="0">
-                <a:pos x="T0" y="T1"/>
-              </a:cxn>
-              <a:cxn ang="0">
-                <a:pos x="T2" y="T3"/>
-              </a:cxn>
-              <a:cxn ang="0">
-                <a:pos x="T4" y="T5"/>
-              </a:cxn>
-              <a:cxn ang="0">
-                <a:pos x="T6" y="T7"/>
-              </a:cxn>
-              <a:cxn ang="0">
-                <a:pos x="T8" y="T9"/>
-              </a:cxn>
-              <a:cxn ang="0">
-                <a:pos x="T10" y="T11"/>
-              </a:cxn>
-              <a:cxn ang="0">
-                <a:pos x="T12" y="T13"/>
-              </a:cxn>
-              <a:cxn ang="0">
-                <a:pos x="T14" y="T15"/>
-              </a:cxn>
-              <a:cxn ang="0">
-                <a:pos x="T16" y="T17"/>
-              </a:cxn>
-              <a:cxn ang="0">
-                <a:pos x="T18" y="T19"/>
-              </a:cxn>
-              <a:cxn ang="0">
-                <a:pos x="T20" y="T21"/>
-              </a:cxn>
-              <a:cxn ang="0">
-                <a:pos x="T22" y="T23"/>
-              </a:cxn>
-              <a:cxn ang="0">
-                <a:pos x="T24" y="T25"/>
-              </a:cxn>
-              <a:cxn ang="0">
-                <a:pos x="T26" y="T27"/>
-              </a:cxn>
-              <a:cxn ang="0">
-                <a:pos x="T28" y="T29"/>
-              </a:cxn>
-              <a:cxn ang="0">
-                <a:pos x="T30" y="T31"/>
-              </a:cxn>
-              <a:cxn ang="0">
-                <a:pos x="T32" y="T33"/>
-              </a:cxn>
-              <a:cxn ang="0">
-                <a:pos x="T34" y="T35"/>
-              </a:cxn>
-              <a:cxn ang="0">
-                <a:pos x="T36" y="T37"/>
-              </a:cxn>
-              <a:cxn ang="0">
-                <a:pos x="T38" y="T39"/>
-              </a:cxn>
-              <a:cxn ang="0">
-                <a:pos x="T40" y="T41"/>
-              </a:cxn>
-              <a:cxn ang="0">
-                <a:pos x="T42" y="T43"/>
-              </a:cxn>
-              <a:cxn ang="0">
-                <a:pos x="T44" y="T45"/>
-              </a:cxn>
-              <a:cxn ang="0">
-                <a:pos x="T46" y="T47"/>
-              </a:cxn>
-              <a:cxn ang="0">
-                <a:pos x="T48" y="T49"/>
-              </a:cxn>
-              <a:cxn ang="0">
-                <a:pos x="T50" y="T51"/>
-              </a:cxn>
-              <a:cxn ang="0">
-                <a:pos x="T52" y="T53"/>
-              </a:cxn>
-              <a:cxn ang="0">
-                <a:pos x="T54" y="T55"/>
-              </a:cxn>
-              <a:cxn ang="0">
-                <a:pos x="T56" y="T57"/>
-              </a:cxn>
-              <a:cxn ang="0">
-                <a:pos x="T58" y="T59"/>
-              </a:cxn>
-              <a:cxn ang="0">
-                <a:pos x="T60" y="T61"/>
-              </a:cxn>
-              <a:cxn ang="0">
-                <a:pos x="T62" y="T63"/>
-              </a:cxn>
-              <a:cxn ang="0">
-                <a:pos x="T64" y="T65"/>
-              </a:cxn>
-              <a:cxn ang="0">
-                <a:pos x="T66" y="T67"/>
-              </a:cxn>
-              <a:cxn ang="0">
-                <a:pos x="T68" y="T69"/>
-              </a:cxn>
-              <a:cxn ang="0">
-                <a:pos x="T70" y="T71"/>
-              </a:cxn>
-              <a:cxn ang="0">
-                <a:pos x="T72" y="T73"/>
-              </a:cxn>
-              <a:cxn ang="0">
-                <a:pos x="T74" y="T75"/>
-              </a:cxn>
-              <a:cxn ang="0">
-                <a:pos x="T76" y="T77"/>
-              </a:cxn>
-              <a:cxn ang="0">
-                <a:pos x="T78" y="T79"/>
-              </a:cxn>
-              <a:cxn ang="0">
-                <a:pos x="T80" y="T81"/>
-              </a:cxn>
-              <a:cxn ang="0">
-                <a:pos x="T82" y="T83"/>
-              </a:cxn>
-              <a:cxn ang="0">
-                <a:pos x="T84" y="T85"/>
-              </a:cxn>
-              <a:cxn ang="0">
-                <a:pos x="T86" y="T87"/>
-              </a:cxn>
-              <a:cxn ang="0">
-                <a:pos x="T88" y="T89"/>
-              </a:cxn>
-              <a:cxn ang="0">
-                <a:pos x="T90" y="T91"/>
-              </a:cxn>
-              <a:cxn ang="0">
-                <a:pos x="T92" y="T93"/>
-              </a:cxn>
-              <a:cxn ang="0">
-                <a:pos x="T94" y="T95"/>
-              </a:cxn>
-              <a:cxn ang="0">
-                <a:pos x="T96" y="T97"/>
-              </a:cxn>
-              <a:cxn ang="0">
-                <a:pos x="T98" y="T99"/>
-              </a:cxn>
-            </a:cxnLst>
-            <a:rect l="0" t="0" r="r" b="b"/>
-            <a:pathLst>
-              <a:path w="117" h="123">
-                <a:moveTo>
-                  <a:pt x="54" y="38"/>
-                </a:moveTo>
-                <a:lnTo>
-                  <a:pt x="61" y="38"/>
-                </a:lnTo>
-                <a:lnTo>
-                  <a:pt x="66" y="41"/>
-                </a:lnTo>
-                <a:lnTo>
-                  <a:pt x="72" y="43"/>
-                </a:lnTo>
-                <a:lnTo>
-                  <a:pt x="75" y="45"/>
-                </a:lnTo>
-                <a:lnTo>
-                  <a:pt x="76" y="47"/>
-                </a:lnTo>
-                <a:lnTo>
-                  <a:pt x="78" y="47"/>
-                </a:lnTo>
-                <a:lnTo>
-                  <a:pt x="63" y="62"/>
-                </a:lnTo>
-                <a:lnTo>
-                  <a:pt x="62" y="60"/>
-                </a:lnTo>
-                <a:lnTo>
-                  <a:pt x="61" y="59"/>
-                </a:lnTo>
-                <a:lnTo>
-                  <a:pt x="57" y="58"/>
-                </a:lnTo>
-                <a:lnTo>
-                  <a:pt x="54" y="57"/>
-                </a:lnTo>
-                <a:lnTo>
-                  <a:pt x="51" y="58"/>
-                </a:lnTo>
-                <a:lnTo>
-                  <a:pt x="49" y="59"/>
-                </a:lnTo>
-                <a:lnTo>
-                  <a:pt x="46" y="60"/>
-                </a:lnTo>
-                <a:lnTo>
-                  <a:pt x="24" y="83"/>
-                </a:lnTo>
-                <a:lnTo>
-                  <a:pt x="21" y="85"/>
-                </a:lnTo>
-                <a:lnTo>
-                  <a:pt x="20" y="88"/>
-                </a:lnTo>
-                <a:lnTo>
-                  <a:pt x="20" y="91"/>
-                </a:lnTo>
-                <a:lnTo>
-                  <a:pt x="20" y="94"/>
-                </a:lnTo>
-                <a:lnTo>
-                  <a:pt x="21" y="97"/>
-                </a:lnTo>
-                <a:lnTo>
-                  <a:pt x="24" y="100"/>
-                </a:lnTo>
-                <a:lnTo>
-                  <a:pt x="24" y="100"/>
-                </a:lnTo>
-                <a:lnTo>
-                  <a:pt x="27" y="102"/>
-                </a:lnTo>
-                <a:lnTo>
-                  <a:pt x="31" y="104"/>
-                </a:lnTo>
-                <a:lnTo>
-                  <a:pt x="33" y="104"/>
-                </a:lnTo>
-                <a:lnTo>
-                  <a:pt x="36" y="104"/>
-                </a:lnTo>
-                <a:lnTo>
-                  <a:pt x="38" y="102"/>
-                </a:lnTo>
-                <a:lnTo>
-                  <a:pt x="41" y="100"/>
-                </a:lnTo>
-                <a:lnTo>
-                  <a:pt x="51" y="91"/>
-                </a:lnTo>
-                <a:lnTo>
-                  <a:pt x="54" y="89"/>
-                </a:lnTo>
-                <a:lnTo>
-                  <a:pt x="58" y="88"/>
-                </a:lnTo>
-                <a:lnTo>
-                  <a:pt x="61" y="89"/>
-                </a:lnTo>
-                <a:lnTo>
-                  <a:pt x="65" y="91"/>
-                </a:lnTo>
-                <a:lnTo>
-                  <a:pt x="66" y="94"/>
-                </a:lnTo>
-                <a:lnTo>
-                  <a:pt x="67" y="97"/>
-                </a:lnTo>
-                <a:lnTo>
-                  <a:pt x="66" y="101"/>
-                </a:lnTo>
-                <a:lnTo>
-                  <a:pt x="65" y="104"/>
-                </a:lnTo>
-                <a:lnTo>
-                  <a:pt x="55" y="114"/>
-                </a:lnTo>
-                <a:lnTo>
-                  <a:pt x="45" y="121"/>
-                </a:lnTo>
-                <a:lnTo>
-                  <a:pt x="33" y="123"/>
-                </a:lnTo>
-                <a:lnTo>
-                  <a:pt x="33" y="123"/>
-                </a:lnTo>
-                <a:lnTo>
-                  <a:pt x="21" y="121"/>
-                </a:lnTo>
-                <a:lnTo>
-                  <a:pt x="11" y="114"/>
-                </a:lnTo>
-                <a:lnTo>
-                  <a:pt x="10" y="113"/>
-                </a:lnTo>
-                <a:lnTo>
-                  <a:pt x="3" y="102"/>
-                </a:lnTo>
-                <a:lnTo>
-                  <a:pt x="0" y="91"/>
-                </a:lnTo>
-                <a:lnTo>
-                  <a:pt x="3" y="79"/>
-                </a:lnTo>
-                <a:lnTo>
-                  <a:pt x="10" y="70"/>
-                </a:lnTo>
-                <a:lnTo>
-                  <a:pt x="32" y="47"/>
-                </a:lnTo>
-                <a:lnTo>
-                  <a:pt x="42" y="40"/>
-                </a:lnTo>
-                <a:lnTo>
-                  <a:pt x="54" y="38"/>
-                </a:lnTo>
-                <a:close/>
-                <a:moveTo>
-                  <a:pt x="86" y="0"/>
-                </a:moveTo>
-                <a:lnTo>
-                  <a:pt x="97" y="3"/>
-                </a:lnTo>
-                <a:lnTo>
-                  <a:pt x="107" y="9"/>
-                </a:lnTo>
-                <a:lnTo>
-                  <a:pt x="108" y="9"/>
-                </a:lnTo>
-                <a:lnTo>
-                  <a:pt x="114" y="20"/>
-                </a:lnTo>
-                <a:lnTo>
-                  <a:pt x="117" y="32"/>
-                </a:lnTo>
-                <a:lnTo>
-                  <a:pt x="114" y="43"/>
-                </a:lnTo>
-                <a:lnTo>
-                  <a:pt x="108" y="54"/>
-                </a:lnTo>
-                <a:lnTo>
-                  <a:pt x="86" y="76"/>
-                </a:lnTo>
-                <a:lnTo>
-                  <a:pt x="75" y="83"/>
-                </a:lnTo>
-                <a:lnTo>
-                  <a:pt x="63" y="85"/>
-                </a:lnTo>
-                <a:lnTo>
-                  <a:pt x="63" y="85"/>
-                </a:lnTo>
-                <a:lnTo>
-                  <a:pt x="51" y="83"/>
-                </a:lnTo>
-                <a:lnTo>
-                  <a:pt x="42" y="76"/>
-                </a:lnTo>
-                <a:lnTo>
-                  <a:pt x="41" y="75"/>
-                </a:lnTo>
-                <a:lnTo>
-                  <a:pt x="54" y="62"/>
-                </a:lnTo>
-                <a:lnTo>
-                  <a:pt x="55" y="63"/>
-                </a:lnTo>
-                <a:lnTo>
-                  <a:pt x="58" y="64"/>
-                </a:lnTo>
-                <a:lnTo>
-                  <a:pt x="61" y="66"/>
-                </a:lnTo>
-                <a:lnTo>
-                  <a:pt x="63" y="66"/>
-                </a:lnTo>
-                <a:lnTo>
-                  <a:pt x="67" y="66"/>
-                </a:lnTo>
-                <a:lnTo>
-                  <a:pt x="70" y="64"/>
-                </a:lnTo>
-                <a:lnTo>
-                  <a:pt x="72" y="63"/>
-                </a:lnTo>
-                <a:lnTo>
-                  <a:pt x="95" y="41"/>
-                </a:lnTo>
-                <a:lnTo>
-                  <a:pt x="96" y="38"/>
-                </a:lnTo>
-                <a:lnTo>
-                  <a:pt x="97" y="36"/>
-                </a:lnTo>
-                <a:lnTo>
-                  <a:pt x="97" y="32"/>
-                </a:lnTo>
-                <a:lnTo>
-                  <a:pt x="97" y="29"/>
-                </a:lnTo>
-                <a:lnTo>
-                  <a:pt x="96" y="26"/>
-                </a:lnTo>
-                <a:lnTo>
-                  <a:pt x="95" y="24"/>
-                </a:lnTo>
-                <a:lnTo>
-                  <a:pt x="93" y="22"/>
-                </a:lnTo>
-                <a:lnTo>
-                  <a:pt x="91" y="21"/>
-                </a:lnTo>
-                <a:lnTo>
-                  <a:pt x="88" y="20"/>
-                </a:lnTo>
-                <a:lnTo>
-                  <a:pt x="86" y="19"/>
-                </a:lnTo>
-                <a:lnTo>
-                  <a:pt x="82" y="20"/>
-                </a:lnTo>
-                <a:lnTo>
-                  <a:pt x="79" y="21"/>
-                </a:lnTo>
-                <a:lnTo>
-                  <a:pt x="76" y="22"/>
-                </a:lnTo>
-                <a:lnTo>
-                  <a:pt x="67" y="32"/>
-                </a:lnTo>
-                <a:lnTo>
-                  <a:pt x="65" y="34"/>
-                </a:lnTo>
-                <a:lnTo>
-                  <a:pt x="61" y="34"/>
-                </a:lnTo>
-                <a:lnTo>
-                  <a:pt x="57" y="34"/>
-                </a:lnTo>
-                <a:lnTo>
-                  <a:pt x="54" y="32"/>
-                </a:lnTo>
-                <a:lnTo>
-                  <a:pt x="51" y="29"/>
-                </a:lnTo>
-                <a:lnTo>
-                  <a:pt x="51" y="25"/>
-                </a:lnTo>
-                <a:lnTo>
-                  <a:pt x="51" y="21"/>
-                </a:lnTo>
-                <a:lnTo>
-                  <a:pt x="54" y="19"/>
-                </a:lnTo>
-                <a:lnTo>
-                  <a:pt x="63" y="9"/>
-                </a:lnTo>
-                <a:lnTo>
-                  <a:pt x="74" y="3"/>
-                </a:lnTo>
-                <a:lnTo>
-                  <a:pt x="86" y="0"/>
-                </a:lnTo>
-                <a:close/>
-              </a:path>
-            </a:pathLst>
-          </a:custGeom>
-          <a:solidFill>
-            <a:schemeClr val="bg1"/>
-          </a:solidFill>
-          <a:ln w="0">
-            <a:noFill/>
-            <a:prstDash val="solid"/>
-            <a:round/>
-          </a:ln>
-        </p:spPr>
-        <p:txBody>
-          <a:bodyPr vert="horz" wrap="square" lIns="91440" tIns="45720" rIns="91440" bIns="45720" numCol="1" anchor="t" anchorCtr="0" compatLnSpc="1"/>
-          <a:lstStyle/>
-          <a:p>
-            <a:pPr marL="0" marR="0" lvl="0" indent="0" algn="l" defTabSz="914400" rtl="0" eaLnBrk="1" fontAlgn="auto" latinLnBrk="0" hangingPunct="1">
-              <a:lnSpc>
-                <a:spcPct val="100000"/>
-              </a:lnSpc>
-              <a:spcBef>
-                <a:spcPts val="0"/>
-              </a:spcBef>
-              <a:spcAft>
-                <a:spcPts val="0"/>
-              </a:spcAft>
-              <a:buClrTx/>
-              <a:buSzTx/>
-              <a:buFontTx/>
-              <a:buNone/>
-              <a:defRPr/>
-            </a:pPr>
-            <a:endParaRPr kumimoji="0" lang="zh-CN" altLang="en-US" sz="1800" b="0" i="0" u="none" strike="noStrike" kern="1200" cap="none" spc="0" normalizeH="0" baseline="0" noProof="0">
-              <a:ln>
-                <a:noFill/>
-              </a:ln>
-              <a:solidFill>
-                <a:prstClr val="black"/>
-              </a:solidFill>
-              <a:effectLst/>
-              <a:uLnTx/>
-              <a:uFillTx/>
-              <a:cs typeface="+mn-ea"/>
-              <a:sym typeface="+mn-lt"/>
-            </a:endParaRPr>
-          </a:p>
-        </p:txBody>
-      </p:sp>
-      <p:sp>
-        <p:nvSpPr>
-          <p:cNvPr id="41" name="Freeform 219"/>
-          <p:cNvSpPr>
-            <a:spLocks noChangeAspect="1" noEditPoints="1"/>
-          </p:cNvSpPr>
-          <p:nvPr/>
-        </p:nvSpPr>
-        <p:spPr bwMode="auto">
-          <a:xfrm>
-            <a:off x="9409753" y="4949734"/>
-            <a:ext cx="308693" cy="396000"/>
-          </a:xfrm>
-          <a:custGeom>
-            <a:avLst/>
-            <a:gdLst>
-              <a:gd name="T0" fmla="*/ 49 w 99"/>
-              <a:gd name="T1" fmla="*/ 17 h 127"/>
-              <a:gd name="T2" fmla="*/ 36 w 99"/>
-              <a:gd name="T3" fmla="*/ 21 h 127"/>
-              <a:gd name="T4" fmla="*/ 26 w 99"/>
-              <a:gd name="T5" fmla="*/ 31 h 127"/>
-              <a:gd name="T6" fmla="*/ 22 w 99"/>
-              <a:gd name="T7" fmla="*/ 46 h 127"/>
-              <a:gd name="T8" fmla="*/ 26 w 99"/>
-              <a:gd name="T9" fmla="*/ 60 h 127"/>
-              <a:gd name="T10" fmla="*/ 36 w 99"/>
-              <a:gd name="T11" fmla="*/ 69 h 127"/>
-              <a:gd name="T12" fmla="*/ 49 w 99"/>
-              <a:gd name="T13" fmla="*/ 73 h 127"/>
-              <a:gd name="T14" fmla="*/ 64 w 99"/>
-              <a:gd name="T15" fmla="*/ 69 h 127"/>
-              <a:gd name="T16" fmla="*/ 74 w 99"/>
-              <a:gd name="T17" fmla="*/ 60 h 127"/>
-              <a:gd name="T18" fmla="*/ 78 w 99"/>
-              <a:gd name="T19" fmla="*/ 46 h 127"/>
-              <a:gd name="T20" fmla="*/ 74 w 99"/>
-              <a:gd name="T21" fmla="*/ 31 h 127"/>
-              <a:gd name="T22" fmla="*/ 64 w 99"/>
-              <a:gd name="T23" fmla="*/ 21 h 127"/>
-              <a:gd name="T24" fmla="*/ 49 w 99"/>
-              <a:gd name="T25" fmla="*/ 17 h 127"/>
-              <a:gd name="T26" fmla="*/ 49 w 99"/>
-              <a:gd name="T27" fmla="*/ 0 h 127"/>
-              <a:gd name="T28" fmla="*/ 69 w 99"/>
-              <a:gd name="T29" fmla="*/ 4 h 127"/>
-              <a:gd name="T30" fmla="*/ 85 w 99"/>
-              <a:gd name="T31" fmla="*/ 14 h 127"/>
-              <a:gd name="T32" fmla="*/ 95 w 99"/>
-              <a:gd name="T33" fmla="*/ 30 h 127"/>
-              <a:gd name="T34" fmla="*/ 99 w 99"/>
-              <a:gd name="T35" fmla="*/ 50 h 127"/>
-              <a:gd name="T36" fmla="*/ 99 w 99"/>
-              <a:gd name="T37" fmla="*/ 55 h 127"/>
-              <a:gd name="T38" fmla="*/ 97 w 99"/>
-              <a:gd name="T39" fmla="*/ 72 h 127"/>
-              <a:gd name="T40" fmla="*/ 89 w 99"/>
-              <a:gd name="T41" fmla="*/ 89 h 127"/>
-              <a:gd name="T42" fmla="*/ 80 w 99"/>
-              <a:gd name="T43" fmla="*/ 102 h 127"/>
-              <a:gd name="T44" fmla="*/ 69 w 99"/>
-              <a:gd name="T45" fmla="*/ 113 h 127"/>
-              <a:gd name="T46" fmla="*/ 60 w 99"/>
-              <a:gd name="T47" fmla="*/ 120 h 127"/>
-              <a:gd name="T48" fmla="*/ 53 w 99"/>
-              <a:gd name="T49" fmla="*/ 126 h 127"/>
-              <a:gd name="T50" fmla="*/ 51 w 99"/>
-              <a:gd name="T51" fmla="*/ 127 h 127"/>
-              <a:gd name="T52" fmla="*/ 48 w 99"/>
-              <a:gd name="T53" fmla="*/ 126 h 127"/>
-              <a:gd name="T54" fmla="*/ 43 w 99"/>
-              <a:gd name="T55" fmla="*/ 122 h 127"/>
-              <a:gd name="T56" fmla="*/ 34 w 99"/>
-              <a:gd name="T57" fmla="*/ 115 h 127"/>
-              <a:gd name="T58" fmla="*/ 25 w 99"/>
-              <a:gd name="T59" fmla="*/ 106 h 127"/>
-              <a:gd name="T60" fmla="*/ 15 w 99"/>
-              <a:gd name="T61" fmla="*/ 94 h 127"/>
-              <a:gd name="T62" fmla="*/ 8 w 99"/>
-              <a:gd name="T63" fmla="*/ 80 h 127"/>
-              <a:gd name="T64" fmla="*/ 2 w 99"/>
-              <a:gd name="T65" fmla="*/ 65 h 127"/>
-              <a:gd name="T66" fmla="*/ 1 w 99"/>
-              <a:gd name="T67" fmla="*/ 58 h 127"/>
-              <a:gd name="T68" fmla="*/ 0 w 99"/>
-              <a:gd name="T69" fmla="*/ 50 h 127"/>
-              <a:gd name="T70" fmla="*/ 4 w 99"/>
-              <a:gd name="T71" fmla="*/ 30 h 127"/>
-              <a:gd name="T72" fmla="*/ 14 w 99"/>
-              <a:gd name="T73" fmla="*/ 14 h 127"/>
-              <a:gd name="T74" fmla="*/ 30 w 99"/>
-              <a:gd name="T75" fmla="*/ 4 h 127"/>
-              <a:gd name="T76" fmla="*/ 49 w 99"/>
-              <a:gd name="T77" fmla="*/ 0 h 127"/>
-            </a:gdLst>
-            <a:ahLst/>
-            <a:cxnLst>
-              <a:cxn ang="0">
-                <a:pos x="T0" y="T1"/>
-              </a:cxn>
-              <a:cxn ang="0">
-                <a:pos x="T2" y="T3"/>
-              </a:cxn>
-              <a:cxn ang="0">
-                <a:pos x="T4" y="T5"/>
-              </a:cxn>
-              <a:cxn ang="0">
-                <a:pos x="T6" y="T7"/>
-              </a:cxn>
-              <a:cxn ang="0">
-                <a:pos x="T8" y="T9"/>
-              </a:cxn>
-              <a:cxn ang="0">
-                <a:pos x="T10" y="T11"/>
-              </a:cxn>
-              <a:cxn ang="0">
-                <a:pos x="T12" y="T13"/>
-              </a:cxn>
-              <a:cxn ang="0">
-                <a:pos x="T14" y="T15"/>
-              </a:cxn>
-              <a:cxn ang="0">
-                <a:pos x="T16" y="T17"/>
-              </a:cxn>
-              <a:cxn ang="0">
-                <a:pos x="T18" y="T19"/>
-              </a:cxn>
-              <a:cxn ang="0">
-                <a:pos x="T20" y="T21"/>
-              </a:cxn>
-              <a:cxn ang="0">
-                <a:pos x="T22" y="T23"/>
-              </a:cxn>
-              <a:cxn ang="0">
-                <a:pos x="T24" y="T25"/>
-              </a:cxn>
-              <a:cxn ang="0">
-                <a:pos x="T26" y="T27"/>
-              </a:cxn>
-              <a:cxn ang="0">
-                <a:pos x="T28" y="T29"/>
-              </a:cxn>
-              <a:cxn ang="0">
-                <a:pos x="T30" y="T31"/>
-              </a:cxn>
-              <a:cxn ang="0">
-                <a:pos x="T32" y="T33"/>
-              </a:cxn>
-              <a:cxn ang="0">
-                <a:pos x="T34" y="T35"/>
-              </a:cxn>
-              <a:cxn ang="0">
-                <a:pos x="T36" y="T37"/>
-              </a:cxn>
-              <a:cxn ang="0">
-                <a:pos x="T38" y="T39"/>
-              </a:cxn>
-              <a:cxn ang="0">
-                <a:pos x="T40" y="T41"/>
-              </a:cxn>
-              <a:cxn ang="0">
-                <a:pos x="T42" y="T43"/>
-              </a:cxn>
-              <a:cxn ang="0">
-                <a:pos x="T44" y="T45"/>
-              </a:cxn>
-              <a:cxn ang="0">
-                <a:pos x="T46" y="T47"/>
-              </a:cxn>
-              <a:cxn ang="0">
-                <a:pos x="T48" y="T49"/>
-              </a:cxn>
-              <a:cxn ang="0">
-                <a:pos x="T50" y="T51"/>
-              </a:cxn>
-              <a:cxn ang="0">
-                <a:pos x="T52" y="T53"/>
-              </a:cxn>
-              <a:cxn ang="0">
-                <a:pos x="T54" y="T55"/>
-              </a:cxn>
-              <a:cxn ang="0">
-                <a:pos x="T56" y="T57"/>
-              </a:cxn>
-              <a:cxn ang="0">
-                <a:pos x="T58" y="T59"/>
-              </a:cxn>
-              <a:cxn ang="0">
-                <a:pos x="T60" y="T61"/>
-              </a:cxn>
-              <a:cxn ang="0">
-                <a:pos x="T62" y="T63"/>
-              </a:cxn>
-              <a:cxn ang="0">
-                <a:pos x="T64" y="T65"/>
-              </a:cxn>
-              <a:cxn ang="0">
-                <a:pos x="T66" y="T67"/>
-              </a:cxn>
-              <a:cxn ang="0">
-                <a:pos x="T68" y="T69"/>
-              </a:cxn>
-              <a:cxn ang="0">
-                <a:pos x="T70" y="T71"/>
-              </a:cxn>
-              <a:cxn ang="0">
-                <a:pos x="T72" y="T73"/>
-              </a:cxn>
-              <a:cxn ang="0">
-                <a:pos x="T74" y="T75"/>
-              </a:cxn>
-              <a:cxn ang="0">
-                <a:pos x="T76" y="T77"/>
-              </a:cxn>
-            </a:cxnLst>
-            <a:rect l="0" t="0" r="r" b="b"/>
-            <a:pathLst>
-              <a:path w="99" h="127">
-                <a:moveTo>
-                  <a:pt x="49" y="17"/>
-                </a:moveTo>
-                <a:lnTo>
-                  <a:pt x="36" y="21"/>
-                </a:lnTo>
-                <a:lnTo>
-                  <a:pt x="26" y="31"/>
-                </a:lnTo>
-                <a:lnTo>
-                  <a:pt x="22" y="46"/>
-                </a:lnTo>
-                <a:lnTo>
-                  <a:pt x="26" y="60"/>
-                </a:lnTo>
-                <a:lnTo>
-                  <a:pt x="36" y="69"/>
-                </a:lnTo>
-                <a:lnTo>
-                  <a:pt x="49" y="73"/>
-                </a:lnTo>
-                <a:lnTo>
-                  <a:pt x="64" y="69"/>
-                </a:lnTo>
-                <a:lnTo>
-                  <a:pt x="74" y="60"/>
-                </a:lnTo>
-                <a:lnTo>
-                  <a:pt x="78" y="46"/>
-                </a:lnTo>
-                <a:lnTo>
-                  <a:pt x="74" y="31"/>
-                </a:lnTo>
-                <a:lnTo>
-                  <a:pt x="64" y="21"/>
-                </a:lnTo>
-                <a:lnTo>
-                  <a:pt x="49" y="17"/>
-                </a:lnTo>
-                <a:close/>
-                <a:moveTo>
-                  <a:pt x="49" y="0"/>
-                </a:moveTo>
-                <a:lnTo>
-                  <a:pt x="69" y="4"/>
-                </a:lnTo>
-                <a:lnTo>
-                  <a:pt x="85" y="14"/>
-                </a:lnTo>
-                <a:lnTo>
-                  <a:pt x="95" y="30"/>
-                </a:lnTo>
-                <a:lnTo>
-                  <a:pt x="99" y="50"/>
-                </a:lnTo>
-                <a:lnTo>
-                  <a:pt x="99" y="55"/>
-                </a:lnTo>
-                <a:lnTo>
-                  <a:pt x="97" y="72"/>
-                </a:lnTo>
-                <a:lnTo>
-                  <a:pt x="89" y="89"/>
-                </a:lnTo>
-                <a:lnTo>
-                  <a:pt x="80" y="102"/>
-                </a:lnTo>
-                <a:lnTo>
-                  <a:pt x="69" y="113"/>
-                </a:lnTo>
-                <a:lnTo>
-                  <a:pt x="60" y="120"/>
-                </a:lnTo>
-                <a:lnTo>
-                  <a:pt x="53" y="126"/>
-                </a:lnTo>
-                <a:lnTo>
-                  <a:pt x="51" y="127"/>
-                </a:lnTo>
-                <a:lnTo>
-                  <a:pt x="48" y="126"/>
-                </a:lnTo>
-                <a:lnTo>
-                  <a:pt x="43" y="122"/>
-                </a:lnTo>
-                <a:lnTo>
-                  <a:pt x="34" y="115"/>
-                </a:lnTo>
-                <a:lnTo>
-                  <a:pt x="25" y="106"/>
-                </a:lnTo>
-                <a:lnTo>
-                  <a:pt x="15" y="94"/>
-                </a:lnTo>
-                <a:lnTo>
-                  <a:pt x="8" y="80"/>
-                </a:lnTo>
-                <a:lnTo>
-                  <a:pt x="2" y="65"/>
-                </a:lnTo>
-                <a:lnTo>
-                  <a:pt x="1" y="58"/>
-                </a:lnTo>
-                <a:lnTo>
-                  <a:pt x="0" y="50"/>
-                </a:lnTo>
-                <a:lnTo>
-                  <a:pt x="4" y="30"/>
-                </a:lnTo>
-                <a:lnTo>
-                  <a:pt x="14" y="14"/>
-                </a:lnTo>
-                <a:lnTo>
-                  <a:pt x="30" y="4"/>
-                </a:lnTo>
-                <a:lnTo>
-                  <a:pt x="49" y="0"/>
-                </a:lnTo>
-                <a:close/>
-              </a:path>
-            </a:pathLst>
-          </a:custGeom>
-          <a:solidFill>
-            <a:schemeClr val="bg1"/>
-          </a:solidFill>
-          <a:ln w="0">
-            <a:noFill/>
-            <a:prstDash val="solid"/>
-            <a:round/>
-          </a:ln>
-        </p:spPr>
-        <p:txBody>
-          <a:bodyPr vert="horz" wrap="square" lIns="91440" tIns="45720" rIns="91440" bIns="45720" numCol="1" anchor="t" anchorCtr="0" compatLnSpc="1"/>
-          <a:lstStyle/>
-          <a:p>
-            <a:pPr marL="0" marR="0" lvl="0" indent="0" algn="l" defTabSz="914400" rtl="0" eaLnBrk="1" fontAlgn="auto" latinLnBrk="0" hangingPunct="1">
-              <a:lnSpc>
-                <a:spcPct val="100000"/>
-              </a:lnSpc>
-              <a:spcBef>
-                <a:spcPts val="0"/>
-              </a:spcBef>
-              <a:spcAft>
-                <a:spcPts val="0"/>
-              </a:spcAft>
-              <a:buClrTx/>
-              <a:buSzTx/>
-              <a:buFontTx/>
-              <a:buNone/>
-              <a:defRPr/>
-            </a:pPr>
-            <a:endParaRPr kumimoji="0" lang="zh-CN" altLang="en-US" sz="1800" b="0" i="0" u="none" strike="noStrike" kern="1200" cap="none" spc="0" normalizeH="0" baseline="0" noProof="0">
-              <a:ln>
-                <a:noFill/>
-              </a:ln>
-              <a:solidFill>
-                <a:prstClr val="black"/>
-              </a:solidFill>
-              <a:effectLst/>
-              <a:uLnTx/>
-              <a:uFillTx/>
-              <a:cs typeface="+mn-ea"/>
-              <a:sym typeface="+mn-lt"/>
-            </a:endParaRPr>
-          </a:p>
-        </p:txBody>
-      </p:sp>
-      <p:sp>
-        <p:nvSpPr>
-          <p:cNvPr id="42" name="Google Shape;86;p19"/>
-          <p:cNvSpPr txBox="1"/>
-          <p:nvPr/>
-        </p:nvSpPr>
-        <p:spPr>
-          <a:xfrm>
-            <a:off x="2167500" y="1826403"/>
-            <a:ext cx="3004211" cy="434269"/>
-          </a:xfrm>
-          <a:prstGeom prst="rect">
-            <a:avLst/>
-          </a:prstGeom>
-          <a:noFill/>
-          <a:ln>
-            <a:noFill/>
-          </a:ln>
-        </p:spPr>
-        <p:txBody>
-          <a:bodyPr spcFirstLastPara="1" wrap="square" lIns="91425" tIns="45700" rIns="91425" bIns="45700" anchor="t" anchorCtr="0">
-            <a:noAutofit/>
-          </a:bodyPr>
-          <a:lstStyle/>
-          <a:p>
-            <a:pPr marL="0" marR="0" lvl="0" indent="0" algn="l" defTabSz="914400" rtl="0" eaLnBrk="1" fontAlgn="auto" latinLnBrk="0" hangingPunct="1">
-              <a:lnSpc>
-                <a:spcPct val="100000"/>
-              </a:lnSpc>
-              <a:spcBef>
-                <a:spcPts val="0"/>
-              </a:spcBef>
-              <a:spcAft>
-                <a:spcPts val="0"/>
-              </a:spcAft>
-              <a:buClrTx/>
-              <a:buSzTx/>
-              <a:buFontTx/>
-              <a:buNone/>
-              <a:defRPr/>
-            </a:pPr>
-            <a:r>
-              <a:rPr kumimoji="0" lang="en-US" sz="2400" b="0" i="0" u="none" strike="noStrike" kern="1200" cap="none" spc="0" normalizeH="0" baseline="0" noProof="0" dirty="0">
-                <a:ln>
-                  <a:noFill/>
-                </a:ln>
-                <a:solidFill>
-                  <a:prstClr val="white"/>
-                </a:solidFill>
-                <a:effectLst/>
-                <a:uLnTx/>
-                <a:uFillTx/>
-                <a:cs typeface="+mn-ea"/>
-                <a:sym typeface="+mn-lt"/>
-              </a:rPr>
-              <a:t>YOUR TITLE HERE</a:t>
-            </a:r>
-            <a:endParaRPr kumimoji="0" sz="2400" b="0" i="0" u="none" strike="noStrike" kern="1200" cap="none" spc="0" normalizeH="0" baseline="0" noProof="0" dirty="0">
-              <a:ln>
-                <a:noFill/>
-              </a:ln>
-              <a:solidFill>
-                <a:prstClr val="white"/>
-              </a:solidFill>
-              <a:effectLst/>
-              <a:uLnTx/>
-              <a:uFillTx/>
-              <a:cs typeface="+mn-ea"/>
-              <a:sym typeface="+mn-lt"/>
-            </a:endParaRPr>
-          </a:p>
-        </p:txBody>
-      </p:sp>
-      <p:sp>
-        <p:nvSpPr>
-          <p:cNvPr id="43" name="文本框 42"/>
-          <p:cNvSpPr txBox="1"/>
-          <p:nvPr/>
-        </p:nvSpPr>
-        <p:spPr>
-          <a:xfrm>
-            <a:off x="1021743" y="2137171"/>
-            <a:ext cx="4149968" cy="700576"/>
-          </a:xfrm>
-          <a:prstGeom prst="rect">
-            <a:avLst/>
-          </a:prstGeom>
-          <a:noFill/>
-          <a:extLst>
-            <a:ext uri="{909E8E84-426E-40DD-AFC4-6F175D3DCCD1}">
-              <a14:hiddenFill xmlns:a14="http://schemas.microsoft.com/office/drawing/2010/main">
-                <a:solidFill>
-                  <a:srgbClr val="E84C53"/>
-                </a:solidFill>
-              </a14:hiddenFill>
-            </a:ext>
-          </a:extLst>
-        </p:spPr>
-        <p:txBody>
-          <a:bodyPr wrap="square" rtlCol="0">
-            <a:spAutoFit/>
-          </a:bodyPr>
-          <a:lstStyle/>
-          <a:p>
-            <a:pPr marL="0" marR="0" lvl="0" indent="0" algn="l" defTabSz="914400" rtl="0" eaLnBrk="1" fontAlgn="auto" latinLnBrk="0" hangingPunct="1">
-              <a:lnSpc>
-                <a:spcPct val="150000"/>
-              </a:lnSpc>
-              <a:spcBef>
-                <a:spcPts val="0"/>
-              </a:spcBef>
-              <a:spcAft>
-                <a:spcPts val="0"/>
-              </a:spcAft>
-              <a:buClrTx/>
-              <a:buSzTx/>
-              <a:buFontTx/>
-              <a:buNone/>
-              <a:defRPr/>
-            </a:pPr>
-            <a:r>
-              <a:rPr kumimoji="0" lang="en-US" sz="1400" b="0" i="0" u="none" strike="noStrike" kern="1200" cap="none" spc="0" normalizeH="0" baseline="0" noProof="0" dirty="0">
-                <a:ln>
-                  <a:noFill/>
-                </a:ln>
-                <a:solidFill>
-                  <a:prstClr val="white"/>
-                </a:solidFill>
-                <a:effectLst/>
-                <a:uLnTx/>
-                <a:uFillTx/>
-                <a:cs typeface="+mn-ea"/>
-                <a:sym typeface="+mn-lt"/>
-              </a:rPr>
-              <a:t>Please enter text </a:t>
-            </a:r>
-            <a:r>
-              <a:rPr kumimoji="0" lang="en-US" sz="1400" b="0" i="0" u="none" strike="noStrike" kern="1200" cap="none" spc="0" normalizeH="0" baseline="0" noProof="0" dirty="0" err="1">
-                <a:ln>
-                  <a:noFill/>
-                </a:ln>
-                <a:solidFill>
-                  <a:prstClr val="white"/>
-                </a:solidFill>
-                <a:effectLst/>
-                <a:uLnTx/>
-                <a:uFillTx/>
-                <a:cs typeface="+mn-ea"/>
-                <a:sym typeface="+mn-lt"/>
-              </a:rPr>
-              <a:t>here.Please</a:t>
-            </a:r>
-            <a:r>
-              <a:rPr kumimoji="0" lang="en-US" sz="1400" b="0" i="0" u="none" strike="noStrike" kern="1200" cap="none" spc="0" normalizeH="0" baseline="0" noProof="0" dirty="0">
-                <a:ln>
-                  <a:noFill/>
-                </a:ln>
-                <a:solidFill>
-                  <a:prstClr val="white"/>
-                </a:solidFill>
-                <a:effectLst/>
-                <a:uLnTx/>
-                <a:uFillTx/>
-                <a:cs typeface="+mn-ea"/>
-                <a:sym typeface="+mn-lt"/>
-              </a:rPr>
-              <a:t> enter text </a:t>
-            </a:r>
-            <a:r>
-              <a:rPr kumimoji="0" lang="en-US" sz="1400" b="0" i="0" u="none" strike="noStrike" kern="1200" cap="none" spc="0" normalizeH="0" baseline="0" noProof="0" dirty="0" err="1">
-                <a:ln>
-                  <a:noFill/>
-                </a:ln>
-                <a:solidFill>
-                  <a:prstClr val="white"/>
-                </a:solidFill>
-                <a:effectLst/>
-                <a:uLnTx/>
-                <a:uFillTx/>
-                <a:cs typeface="+mn-ea"/>
-                <a:sym typeface="+mn-lt"/>
-              </a:rPr>
-              <a:t>here.Please</a:t>
-            </a:r>
-            <a:r>
-              <a:rPr kumimoji="0" lang="en-US" sz="1400" b="0" i="0" u="none" strike="noStrike" kern="1200" cap="none" spc="0" normalizeH="0" baseline="0" noProof="0" dirty="0">
-                <a:ln>
-                  <a:noFill/>
-                </a:ln>
-                <a:solidFill>
-                  <a:prstClr val="white"/>
-                </a:solidFill>
-                <a:effectLst/>
-                <a:uLnTx/>
-                <a:uFillTx/>
-                <a:cs typeface="+mn-ea"/>
-                <a:sym typeface="+mn-lt"/>
-              </a:rPr>
-              <a:t> enter text </a:t>
-            </a:r>
-            <a:r>
-              <a:rPr kumimoji="0" lang="en-US" altLang="zh-CN" sz="1400" b="0" i="0" u="none" strike="noStrike" kern="1200" cap="none" spc="0" normalizeH="0" baseline="0" noProof="0" dirty="0">
-                <a:ln>
-                  <a:noFill/>
-                </a:ln>
-                <a:solidFill>
-                  <a:prstClr val="white"/>
-                </a:solidFill>
-                <a:effectLst/>
-                <a:uLnTx/>
-                <a:uFillTx/>
-                <a:cs typeface="+mn-ea"/>
-                <a:sym typeface="+mn-lt"/>
-              </a:rPr>
-              <a:t>Please enter text here.</a:t>
-            </a:r>
-            <a:endParaRPr kumimoji="0" lang="en-US" altLang="zh-CN" sz="1400" b="0" i="0" u="none" strike="noStrike" kern="1200" cap="none" spc="0" normalizeH="0" baseline="0" noProof="0" dirty="0">
-              <a:ln>
-                <a:noFill/>
-              </a:ln>
-              <a:solidFill>
-                <a:prstClr val="white"/>
-              </a:solidFill>
-              <a:effectLst/>
-              <a:uLnTx/>
-              <a:uFillTx/>
-              <a:cs typeface="+mn-ea"/>
-              <a:sym typeface="+mn-lt"/>
-            </a:endParaRPr>
-          </a:p>
-        </p:txBody>
-      </p:sp>
-      <p:sp>
-        <p:nvSpPr>
-          <p:cNvPr id="44" name="Google Shape;86;p19"/>
-          <p:cNvSpPr txBox="1"/>
-          <p:nvPr/>
-        </p:nvSpPr>
-        <p:spPr>
-          <a:xfrm>
-            <a:off x="2167500" y="3152619"/>
-            <a:ext cx="3004211" cy="434269"/>
-          </a:xfrm>
-          <a:prstGeom prst="rect">
-            <a:avLst/>
-          </a:prstGeom>
-          <a:noFill/>
-          <a:ln>
-            <a:noFill/>
-          </a:ln>
-        </p:spPr>
-        <p:txBody>
-          <a:bodyPr spcFirstLastPara="1" wrap="square" lIns="91425" tIns="45700" rIns="91425" bIns="45700" anchor="t" anchorCtr="0">
-            <a:noAutofit/>
-          </a:bodyPr>
-          <a:lstStyle/>
-          <a:p>
-            <a:pPr marL="0" marR="0" lvl="0" indent="0" algn="l" defTabSz="914400" rtl="0" eaLnBrk="1" fontAlgn="auto" latinLnBrk="0" hangingPunct="1">
-              <a:lnSpc>
-                <a:spcPct val="100000"/>
-              </a:lnSpc>
-              <a:spcBef>
-                <a:spcPts val="0"/>
-              </a:spcBef>
-              <a:spcAft>
-                <a:spcPts val="0"/>
-              </a:spcAft>
-              <a:buClrTx/>
-              <a:buSzTx/>
-              <a:buFontTx/>
-              <a:buNone/>
-              <a:defRPr/>
-            </a:pPr>
-            <a:r>
-              <a:rPr kumimoji="0" lang="en-US" sz="2400" b="0" i="0" u="none" strike="noStrike" kern="1200" cap="none" spc="0" normalizeH="0" baseline="0" noProof="0" dirty="0">
-                <a:ln>
-                  <a:noFill/>
-                </a:ln>
-                <a:solidFill>
-                  <a:prstClr val="white"/>
-                </a:solidFill>
-                <a:effectLst/>
-                <a:uLnTx/>
-                <a:uFillTx/>
-                <a:cs typeface="+mn-ea"/>
-                <a:sym typeface="+mn-lt"/>
-              </a:rPr>
-              <a:t>YOUR TITLE HERE</a:t>
-            </a:r>
-            <a:endParaRPr kumimoji="0" sz="2400" b="0" i="0" u="none" strike="noStrike" kern="1200" cap="none" spc="0" normalizeH="0" baseline="0" noProof="0" dirty="0">
-              <a:ln>
-                <a:noFill/>
-              </a:ln>
-              <a:solidFill>
-                <a:prstClr val="white"/>
-              </a:solidFill>
-              <a:effectLst/>
-              <a:uLnTx/>
-              <a:uFillTx/>
-              <a:cs typeface="+mn-ea"/>
-              <a:sym typeface="+mn-lt"/>
-            </a:endParaRPr>
-          </a:p>
-        </p:txBody>
-      </p:sp>
-      <p:sp>
-        <p:nvSpPr>
-          <p:cNvPr id="45" name="文本框 44"/>
-          <p:cNvSpPr txBox="1"/>
-          <p:nvPr/>
-        </p:nvSpPr>
-        <p:spPr>
-          <a:xfrm>
-            <a:off x="1021743" y="3463387"/>
-            <a:ext cx="4149968" cy="700576"/>
-          </a:xfrm>
-          <a:prstGeom prst="rect">
-            <a:avLst/>
-          </a:prstGeom>
-          <a:noFill/>
-          <a:extLst>
-            <a:ext uri="{909E8E84-426E-40DD-AFC4-6F175D3DCCD1}">
-              <a14:hiddenFill xmlns:a14="http://schemas.microsoft.com/office/drawing/2010/main">
-                <a:solidFill>
-                  <a:srgbClr val="E84C53"/>
-                </a:solidFill>
-              </a14:hiddenFill>
-            </a:ext>
-          </a:extLst>
-        </p:spPr>
-        <p:txBody>
-          <a:bodyPr wrap="square" rtlCol="0">
-            <a:spAutoFit/>
-          </a:bodyPr>
-          <a:lstStyle/>
-          <a:p>
-            <a:pPr marL="0" marR="0" lvl="0" indent="0" algn="l" defTabSz="914400" rtl="0" eaLnBrk="1" fontAlgn="auto" latinLnBrk="0" hangingPunct="1">
-              <a:lnSpc>
-                <a:spcPct val="150000"/>
-              </a:lnSpc>
-              <a:spcBef>
-                <a:spcPts val="0"/>
-              </a:spcBef>
-              <a:spcAft>
-                <a:spcPts val="0"/>
-              </a:spcAft>
-              <a:buClrTx/>
-              <a:buSzTx/>
-              <a:buFontTx/>
-              <a:buNone/>
-              <a:defRPr/>
-            </a:pPr>
-            <a:r>
-              <a:rPr kumimoji="0" lang="en-US" sz="1400" b="0" i="0" u="none" strike="noStrike" kern="1200" cap="none" spc="0" normalizeH="0" baseline="0" noProof="0" dirty="0">
-                <a:ln>
-                  <a:noFill/>
-                </a:ln>
-                <a:solidFill>
-                  <a:prstClr val="white"/>
-                </a:solidFill>
-                <a:effectLst/>
-                <a:uLnTx/>
-                <a:uFillTx/>
-                <a:cs typeface="+mn-ea"/>
-                <a:sym typeface="+mn-lt"/>
-              </a:rPr>
-              <a:t>Please enter text </a:t>
-            </a:r>
-            <a:r>
-              <a:rPr kumimoji="0" lang="en-US" sz="1400" b="0" i="0" u="none" strike="noStrike" kern="1200" cap="none" spc="0" normalizeH="0" baseline="0" noProof="0" dirty="0" err="1">
-                <a:ln>
-                  <a:noFill/>
-                </a:ln>
-                <a:solidFill>
-                  <a:prstClr val="white"/>
-                </a:solidFill>
-                <a:effectLst/>
-                <a:uLnTx/>
-                <a:uFillTx/>
-                <a:cs typeface="+mn-ea"/>
-                <a:sym typeface="+mn-lt"/>
-              </a:rPr>
-              <a:t>here.Please</a:t>
-            </a:r>
-            <a:r>
-              <a:rPr kumimoji="0" lang="en-US" sz="1400" b="0" i="0" u="none" strike="noStrike" kern="1200" cap="none" spc="0" normalizeH="0" baseline="0" noProof="0" dirty="0">
-                <a:ln>
-                  <a:noFill/>
-                </a:ln>
-                <a:solidFill>
-                  <a:prstClr val="white"/>
-                </a:solidFill>
-                <a:effectLst/>
-                <a:uLnTx/>
-                <a:uFillTx/>
-                <a:cs typeface="+mn-ea"/>
-                <a:sym typeface="+mn-lt"/>
-              </a:rPr>
-              <a:t> enter text </a:t>
-            </a:r>
-            <a:r>
-              <a:rPr kumimoji="0" lang="en-US" sz="1400" b="0" i="0" u="none" strike="noStrike" kern="1200" cap="none" spc="0" normalizeH="0" baseline="0" noProof="0" dirty="0" err="1">
-                <a:ln>
-                  <a:noFill/>
-                </a:ln>
-                <a:solidFill>
-                  <a:prstClr val="white"/>
-                </a:solidFill>
-                <a:effectLst/>
-                <a:uLnTx/>
-                <a:uFillTx/>
-                <a:cs typeface="+mn-ea"/>
-                <a:sym typeface="+mn-lt"/>
-              </a:rPr>
-              <a:t>here.Please</a:t>
-            </a:r>
-            <a:r>
-              <a:rPr kumimoji="0" lang="en-US" sz="1400" b="0" i="0" u="none" strike="noStrike" kern="1200" cap="none" spc="0" normalizeH="0" baseline="0" noProof="0" dirty="0">
-                <a:ln>
-                  <a:noFill/>
-                </a:ln>
-                <a:solidFill>
-                  <a:prstClr val="white"/>
-                </a:solidFill>
-                <a:effectLst/>
-                <a:uLnTx/>
-                <a:uFillTx/>
-                <a:cs typeface="+mn-ea"/>
-                <a:sym typeface="+mn-lt"/>
-              </a:rPr>
-              <a:t> enter text </a:t>
-            </a:r>
-            <a:r>
-              <a:rPr kumimoji="0" lang="en-US" altLang="zh-CN" sz="1400" b="0" i="0" u="none" strike="noStrike" kern="1200" cap="none" spc="0" normalizeH="0" baseline="0" noProof="0" dirty="0">
-                <a:ln>
-                  <a:noFill/>
-                </a:ln>
-                <a:solidFill>
-                  <a:prstClr val="white"/>
-                </a:solidFill>
-                <a:effectLst/>
-                <a:uLnTx/>
-                <a:uFillTx/>
-                <a:cs typeface="+mn-ea"/>
-                <a:sym typeface="+mn-lt"/>
-              </a:rPr>
-              <a:t>Please enter text here.</a:t>
-            </a:r>
-            <a:endParaRPr kumimoji="0" lang="en-US" altLang="zh-CN" sz="1400" b="0" i="0" u="none" strike="noStrike" kern="1200" cap="none" spc="0" normalizeH="0" baseline="0" noProof="0" dirty="0">
-              <a:ln>
-                <a:noFill/>
-              </a:ln>
-              <a:solidFill>
-                <a:prstClr val="white"/>
-              </a:solidFill>
-              <a:effectLst/>
-              <a:uLnTx/>
-              <a:uFillTx/>
-              <a:cs typeface="+mn-ea"/>
-              <a:sym typeface="+mn-lt"/>
-            </a:endParaRPr>
-          </a:p>
-        </p:txBody>
-      </p:sp>
-      <p:sp>
-        <p:nvSpPr>
-          <p:cNvPr id="46" name="Google Shape;86;p19"/>
-          <p:cNvSpPr txBox="1"/>
-          <p:nvPr/>
-        </p:nvSpPr>
-        <p:spPr>
-          <a:xfrm>
-            <a:off x="2167500" y="4478835"/>
-            <a:ext cx="3004211" cy="434269"/>
-          </a:xfrm>
-          <a:prstGeom prst="rect">
-            <a:avLst/>
-          </a:prstGeom>
-          <a:noFill/>
-          <a:ln>
-            <a:noFill/>
-          </a:ln>
-        </p:spPr>
-        <p:txBody>
-          <a:bodyPr spcFirstLastPara="1" wrap="square" lIns="91425" tIns="45700" rIns="91425" bIns="45700" anchor="t" anchorCtr="0">
-            <a:noAutofit/>
-          </a:bodyPr>
-          <a:lstStyle/>
-          <a:p>
-            <a:pPr marL="0" marR="0" lvl="0" indent="0" algn="l" defTabSz="914400" rtl="0" eaLnBrk="1" fontAlgn="auto" latinLnBrk="0" hangingPunct="1">
-              <a:lnSpc>
-                <a:spcPct val="100000"/>
-              </a:lnSpc>
-              <a:spcBef>
-                <a:spcPts val="0"/>
-              </a:spcBef>
-              <a:spcAft>
-                <a:spcPts val="0"/>
-              </a:spcAft>
-              <a:buClrTx/>
-              <a:buSzTx/>
-              <a:buFontTx/>
-              <a:buNone/>
-              <a:defRPr/>
-            </a:pPr>
-            <a:r>
-              <a:rPr kumimoji="0" lang="en-US" sz="2400" b="0" i="0" u="none" strike="noStrike" kern="1200" cap="none" spc="0" normalizeH="0" baseline="0" noProof="0" dirty="0">
-                <a:ln>
-                  <a:noFill/>
-                </a:ln>
-                <a:solidFill>
-                  <a:prstClr val="white"/>
-                </a:solidFill>
-                <a:effectLst/>
-                <a:uLnTx/>
-                <a:uFillTx/>
-                <a:cs typeface="+mn-ea"/>
-                <a:sym typeface="+mn-lt"/>
-              </a:rPr>
-              <a:t>YOUR TITLE HERE</a:t>
-            </a:r>
-            <a:endParaRPr kumimoji="0" sz="2400" b="0" i="0" u="none" strike="noStrike" kern="1200" cap="none" spc="0" normalizeH="0" baseline="0" noProof="0" dirty="0">
-              <a:ln>
-                <a:noFill/>
-              </a:ln>
-              <a:solidFill>
-                <a:prstClr val="white"/>
-              </a:solidFill>
-              <a:effectLst/>
-              <a:uLnTx/>
-              <a:uFillTx/>
-              <a:cs typeface="+mn-ea"/>
-              <a:sym typeface="+mn-lt"/>
-            </a:endParaRPr>
-          </a:p>
-        </p:txBody>
-      </p:sp>
-      <p:sp>
-        <p:nvSpPr>
-          <p:cNvPr id="47" name="文本框 46"/>
-          <p:cNvSpPr txBox="1"/>
-          <p:nvPr/>
-        </p:nvSpPr>
-        <p:spPr>
-          <a:xfrm>
-            <a:off x="1021743" y="4789603"/>
-            <a:ext cx="4149968" cy="700576"/>
-          </a:xfrm>
-          <a:prstGeom prst="rect">
-            <a:avLst/>
-          </a:prstGeom>
-          <a:noFill/>
-          <a:extLst>
-            <a:ext uri="{909E8E84-426E-40DD-AFC4-6F175D3DCCD1}">
-              <a14:hiddenFill xmlns:a14="http://schemas.microsoft.com/office/drawing/2010/main">
-                <a:solidFill>
-                  <a:srgbClr val="E84C53"/>
-                </a:solidFill>
-              </a14:hiddenFill>
-            </a:ext>
-          </a:extLst>
-        </p:spPr>
-        <p:txBody>
-          <a:bodyPr wrap="square" rtlCol="0">
-            <a:spAutoFit/>
-          </a:bodyPr>
-          <a:lstStyle/>
-          <a:p>
-            <a:pPr marL="0" marR="0" lvl="0" indent="0" algn="l" defTabSz="914400" rtl="0" eaLnBrk="1" fontAlgn="auto" latinLnBrk="0" hangingPunct="1">
-              <a:lnSpc>
-                <a:spcPct val="150000"/>
-              </a:lnSpc>
-              <a:spcBef>
-                <a:spcPts val="0"/>
-              </a:spcBef>
-              <a:spcAft>
-                <a:spcPts val="0"/>
-              </a:spcAft>
-              <a:buClrTx/>
-              <a:buSzTx/>
-              <a:buFontTx/>
-              <a:buNone/>
-              <a:defRPr/>
-            </a:pPr>
-            <a:r>
-              <a:rPr kumimoji="0" lang="en-US" sz="1400" b="0" i="0" u="none" strike="noStrike" kern="1200" cap="none" spc="0" normalizeH="0" baseline="0" noProof="0" dirty="0">
-                <a:ln>
-                  <a:noFill/>
-                </a:ln>
-                <a:solidFill>
-                  <a:prstClr val="white"/>
-                </a:solidFill>
-                <a:effectLst/>
-                <a:uLnTx/>
-                <a:uFillTx/>
-                <a:cs typeface="+mn-ea"/>
-                <a:sym typeface="+mn-lt"/>
-              </a:rPr>
-              <a:t>Please enter text </a:t>
-            </a:r>
-            <a:r>
-              <a:rPr kumimoji="0" lang="en-US" sz="1400" b="0" i="0" u="none" strike="noStrike" kern="1200" cap="none" spc="0" normalizeH="0" baseline="0" noProof="0" dirty="0" err="1">
-                <a:ln>
-                  <a:noFill/>
-                </a:ln>
-                <a:solidFill>
-                  <a:prstClr val="white"/>
-                </a:solidFill>
-                <a:effectLst/>
-                <a:uLnTx/>
-                <a:uFillTx/>
-                <a:cs typeface="+mn-ea"/>
-                <a:sym typeface="+mn-lt"/>
-              </a:rPr>
-              <a:t>here.Please</a:t>
-            </a:r>
-            <a:r>
-              <a:rPr kumimoji="0" lang="en-US" sz="1400" b="0" i="0" u="none" strike="noStrike" kern="1200" cap="none" spc="0" normalizeH="0" baseline="0" noProof="0" dirty="0">
-                <a:ln>
-                  <a:noFill/>
-                </a:ln>
-                <a:solidFill>
-                  <a:prstClr val="white"/>
-                </a:solidFill>
-                <a:effectLst/>
-                <a:uLnTx/>
-                <a:uFillTx/>
-                <a:cs typeface="+mn-ea"/>
-                <a:sym typeface="+mn-lt"/>
-              </a:rPr>
-              <a:t> enter text </a:t>
-            </a:r>
-            <a:r>
-              <a:rPr kumimoji="0" lang="en-US" sz="1400" b="0" i="0" u="none" strike="noStrike" kern="1200" cap="none" spc="0" normalizeH="0" baseline="0" noProof="0" dirty="0" err="1">
-                <a:ln>
-                  <a:noFill/>
-                </a:ln>
-                <a:solidFill>
-                  <a:prstClr val="white"/>
-                </a:solidFill>
-                <a:effectLst/>
-                <a:uLnTx/>
-                <a:uFillTx/>
-                <a:cs typeface="+mn-ea"/>
-                <a:sym typeface="+mn-lt"/>
-              </a:rPr>
-              <a:t>here.Please</a:t>
-            </a:r>
-            <a:r>
-              <a:rPr kumimoji="0" lang="en-US" sz="1400" b="0" i="0" u="none" strike="noStrike" kern="1200" cap="none" spc="0" normalizeH="0" baseline="0" noProof="0" dirty="0">
-                <a:ln>
-                  <a:noFill/>
-                </a:ln>
-                <a:solidFill>
-                  <a:prstClr val="white"/>
-                </a:solidFill>
-                <a:effectLst/>
-                <a:uLnTx/>
-                <a:uFillTx/>
-                <a:cs typeface="+mn-ea"/>
-                <a:sym typeface="+mn-lt"/>
-              </a:rPr>
-              <a:t> enter text </a:t>
-            </a:r>
-            <a:r>
-              <a:rPr kumimoji="0" lang="en-US" altLang="zh-CN" sz="1400" b="0" i="0" u="none" strike="noStrike" kern="1200" cap="none" spc="0" normalizeH="0" baseline="0" noProof="0" dirty="0">
-                <a:ln>
-                  <a:noFill/>
-                </a:ln>
-                <a:solidFill>
-                  <a:prstClr val="white"/>
-                </a:solidFill>
-                <a:effectLst/>
-                <a:uLnTx/>
-                <a:uFillTx/>
-                <a:cs typeface="+mn-ea"/>
-                <a:sym typeface="+mn-lt"/>
-              </a:rPr>
-              <a:t>Please enter text here.</a:t>
-            </a:r>
-            <a:endParaRPr kumimoji="0" lang="en-US" altLang="zh-CN" sz="1400" b="0" i="0" u="none" strike="noStrike" kern="1200" cap="none" spc="0" normalizeH="0" baseline="0" noProof="0" dirty="0">
-              <a:ln>
-                <a:noFill/>
-              </a:ln>
-              <a:solidFill>
-                <a:prstClr val="white"/>
-              </a:solidFill>
-              <a:effectLst/>
-              <a:uLnTx/>
-              <a:uFillTx/>
-              <a:cs typeface="+mn-ea"/>
-              <a:sym typeface="+mn-lt"/>
-            </a:endParaRPr>
-          </a:p>
-        </p:txBody>
-      </p:sp>
-      <p:grpSp>
-        <p:nvGrpSpPr>
-          <p:cNvPr id="20" name="组合 19"/>
-          <p:cNvGrpSpPr/>
-          <p:nvPr/>
-        </p:nvGrpSpPr>
-        <p:grpSpPr>
-          <a:xfrm>
-            <a:off x="0" y="16619"/>
-            <a:ext cx="4813476" cy="895997"/>
-            <a:chOff x="0" y="16619"/>
-            <a:chExt cx="4813476" cy="895997"/>
-          </a:xfrm>
-        </p:grpSpPr>
-        <p:sp>
-          <p:nvSpPr>
-            <p:cNvPr id="21" name="2"/>
-            <p:cNvSpPr txBox="1"/>
-            <p:nvPr>
-              <p:custDataLst>
-                <p:tags r:id="rId1"/>
-              </p:custDataLst>
-            </p:nvPr>
-          </p:nvSpPr>
-          <p:spPr>
-            <a:xfrm>
-              <a:off x="1447024" y="237301"/>
-              <a:ext cx="3366452" cy="579286"/>
-            </a:xfrm>
-            <a:prstGeom prst="rect">
-              <a:avLst/>
-            </a:prstGeom>
-            <a:noFill/>
-          </p:spPr>
-          <p:txBody>
-            <a:bodyPr wrap="square" lIns="86005" tIns="43002" rIns="86005" bIns="43002">
-              <a:spAutoFit/>
-            </a:bodyPr>
-            <a:lstStyle>
-              <a:lvl1pPr>
-                <a:defRPr>
-                  <a:solidFill>
-                    <a:schemeClr val="tx1"/>
-                  </a:solidFill>
-                  <a:latin typeface="Calibri" panose="020F0502020204030204" pitchFamily="34" charset="0"/>
-                </a:defRPr>
-              </a:lvl1pPr>
-              <a:lvl2pPr marL="742950" indent="-285750">
-                <a:defRPr>
-                  <a:solidFill>
-                    <a:schemeClr val="tx1"/>
-                  </a:solidFill>
-                  <a:latin typeface="Calibri" panose="020F0502020204030204" pitchFamily="34" charset="0"/>
-                </a:defRPr>
-              </a:lvl2pPr>
-              <a:lvl3pPr marL="1143000" indent="-228600">
-                <a:defRPr>
-                  <a:solidFill>
-                    <a:schemeClr val="tx1"/>
-                  </a:solidFill>
-                  <a:latin typeface="Calibri" panose="020F0502020204030204" pitchFamily="34" charset="0"/>
-                </a:defRPr>
-              </a:lvl3pPr>
-              <a:lvl4pPr marL="1600200" indent="-228600">
-                <a:defRPr>
-                  <a:solidFill>
-                    <a:schemeClr val="tx1"/>
-                  </a:solidFill>
-                  <a:latin typeface="Calibri" panose="020F0502020204030204" pitchFamily="34" charset="0"/>
-                </a:defRPr>
-              </a:lvl4pPr>
-              <a:lvl5pPr marL="2057400" indent="-228600">
-                <a:defRPr>
-                  <a:solidFill>
-                    <a:schemeClr val="tx1"/>
-                  </a:solidFill>
-                  <a:latin typeface="Calibri" panose="020F0502020204030204" pitchFamily="34" charset="0"/>
-                </a:defRPr>
-              </a:lvl5pPr>
-              <a:lvl6pPr marL="2514600" indent="-228600" defTabSz="913130" fontAlgn="base">
-                <a:spcBef>
-                  <a:spcPct val="0"/>
-                </a:spcBef>
-                <a:spcAft>
-                  <a:spcPct val="0"/>
-                </a:spcAft>
-                <a:defRPr>
-                  <a:solidFill>
-                    <a:schemeClr val="tx1"/>
-                  </a:solidFill>
-                  <a:latin typeface="Calibri" panose="020F0502020204030204" pitchFamily="34" charset="0"/>
-                </a:defRPr>
-              </a:lvl6pPr>
-              <a:lvl7pPr marL="2971800" indent="-228600" defTabSz="913130" fontAlgn="base">
-                <a:spcBef>
-                  <a:spcPct val="0"/>
-                </a:spcBef>
-                <a:spcAft>
-                  <a:spcPct val="0"/>
-                </a:spcAft>
-                <a:defRPr>
-                  <a:solidFill>
-                    <a:schemeClr val="tx1"/>
-                  </a:solidFill>
-                  <a:latin typeface="Calibri" panose="020F0502020204030204" pitchFamily="34" charset="0"/>
-                </a:defRPr>
-              </a:lvl7pPr>
-              <a:lvl8pPr marL="3429000" indent="-228600" defTabSz="913130" fontAlgn="base">
-                <a:spcBef>
-                  <a:spcPct val="0"/>
-                </a:spcBef>
-                <a:spcAft>
-                  <a:spcPct val="0"/>
-                </a:spcAft>
-                <a:defRPr>
-                  <a:solidFill>
-                    <a:schemeClr val="tx1"/>
-                  </a:solidFill>
-                  <a:latin typeface="Calibri" panose="020F0502020204030204" pitchFamily="34" charset="0"/>
-                </a:defRPr>
-              </a:lvl8pPr>
-              <a:lvl9pPr marL="3886200" indent="-228600" defTabSz="913130" fontAlgn="base">
-                <a:spcBef>
-                  <a:spcPct val="0"/>
-                </a:spcBef>
-                <a:spcAft>
-                  <a:spcPct val="0"/>
-                </a:spcAft>
-                <a:defRPr>
-                  <a:solidFill>
-                    <a:schemeClr val="tx1"/>
-                  </a:solidFill>
-                  <a:latin typeface="Calibri" panose="020F0502020204030204" pitchFamily="34" charset="0"/>
-                </a:defRPr>
-              </a:lvl9pPr>
-            </a:lstStyle>
-            <a:p>
-              <a:pPr marL="0" marR="0" lvl="0" indent="0" algn="dist" defTabSz="914400" rtl="0" eaLnBrk="1" fontAlgn="auto" latinLnBrk="0" hangingPunct="1">
-                <a:lnSpc>
-                  <a:spcPct val="100000"/>
-                </a:lnSpc>
-                <a:spcBef>
-                  <a:spcPts val="0"/>
-                </a:spcBef>
-                <a:spcAft>
-                  <a:spcPts val="0"/>
-                </a:spcAft>
-                <a:buClrTx/>
-                <a:buSzTx/>
-                <a:buFontTx/>
-                <a:buNone/>
-                <a:defRPr/>
-              </a:pPr>
-              <a:r>
-                <a:rPr kumimoji="0" lang="zh-CN" altLang="en-US" sz="3200" b="0" i="0" u="none" strike="noStrike" kern="1200" cap="none" spc="0" normalizeH="0" baseline="0" noProof="0" dirty="0">
-                  <a:ln>
-                    <a:noFill/>
-                  </a:ln>
-                  <a:solidFill>
-                    <a:srgbClr val="F8F8F8"/>
-                  </a:solidFill>
-                  <a:effectLst/>
-                  <a:uLnTx/>
-                  <a:uFillTx/>
-                  <a:latin typeface="+mn-lt"/>
-                  <a:cs typeface="+mn-ea"/>
-                  <a:sym typeface="+mn-lt"/>
-                </a:rPr>
-                <a:t>此处添加标题</a:t>
-              </a:r>
-              <a:endParaRPr kumimoji="0" lang="zh-CN" altLang="en-US" sz="3200" b="0" i="0" u="none" strike="noStrike" kern="1200" cap="none" spc="0" normalizeH="0" baseline="0" noProof="0" dirty="0">
-                <a:ln>
-                  <a:noFill/>
-                </a:ln>
-                <a:solidFill>
-                  <a:srgbClr val="F8F8F8"/>
-                </a:solidFill>
-                <a:effectLst/>
-                <a:uLnTx/>
-                <a:uFillTx/>
-                <a:latin typeface="+mn-lt"/>
-                <a:cs typeface="+mn-ea"/>
-                <a:sym typeface="+mn-lt"/>
-              </a:endParaRPr>
-            </a:p>
-          </p:txBody>
-        </p:sp>
-        <p:pic>
-          <p:nvPicPr>
-            <p:cNvPr id="22" name="图片 21"/>
-            <p:cNvPicPr>
-              <a:picLocks noChangeAspect="1"/>
-            </p:cNvPicPr>
-            <p:nvPr/>
-          </p:nvPicPr>
-          <p:blipFill>
-            <a:blip r:embed="rId2">
-              <a:extLst>
-                <a:ext uri="{28A0092B-C50C-407E-A947-70E740481C1C}">
-                  <a14:useLocalDpi xmlns:a14="http://schemas.microsoft.com/office/drawing/2010/main" val="0"/>
-                </a:ext>
-              </a:extLst>
-            </a:blip>
-            <a:srcRect t="13943" b="13943"/>
-            <a:stretch>
-              <a:fillRect/>
-            </a:stretch>
-          </p:blipFill>
-          <p:spPr>
-            <a:xfrm>
-              <a:off x="0" y="16619"/>
-              <a:ext cx="1656647" cy="895997"/>
-            </a:xfrm>
-            <a:prstGeom prst="rect">
-              <a:avLst/>
-            </a:prstGeom>
-          </p:spPr>
-        </p:pic>
-      </p:grpSp>
       <p:sp>
         <p:nvSpPr>
           <p:cNvPr id="5" name="文本框 4"/>
@@ -30223,6 +27858,592 @@
           </a:p>
         </p:txBody>
       </p:sp>
+      <p:grpSp>
+        <p:nvGrpSpPr>
+          <p:cNvPr id="2" name="5"/>
+          <p:cNvGrpSpPr/>
+          <p:nvPr>
+            <p:custDataLst>
+              <p:tags r:id="rId4"/>
+            </p:custDataLst>
+          </p:nvPr>
+        </p:nvGrpSpPr>
+        <p:grpSpPr bwMode="auto">
+          <a:xfrm rot="5400000">
+            <a:off x="5169371" y="1052025"/>
+            <a:ext cx="2620089" cy="2278128"/>
+            <a:chOff x="5803301" y="1948401"/>
+            <a:chExt cx="2164994" cy="1905223"/>
+          </a:xfrm>
+        </p:grpSpPr>
+        <p:sp>
+          <p:nvSpPr>
+            <p:cNvPr id="3" name="7"/>
+            <p:cNvSpPr/>
+            <p:nvPr/>
+          </p:nvSpPr>
+          <p:spPr bwMode="auto">
+            <a:xfrm>
+              <a:off x="5803301" y="1948401"/>
+              <a:ext cx="2164994" cy="1905223"/>
+            </a:xfrm>
+            <a:custGeom>
+              <a:avLst/>
+              <a:gdLst>
+                <a:gd name="T0" fmla="*/ 365 w 1306"/>
+                <a:gd name="T1" fmla="*/ 1149 h 1149"/>
+                <a:gd name="T2" fmla="*/ 300 w 1306"/>
+                <a:gd name="T3" fmla="*/ 1111 h 1149"/>
+                <a:gd name="T4" fmla="*/ 12 w 1306"/>
+                <a:gd name="T5" fmla="*/ 613 h 1149"/>
+                <a:gd name="T6" fmla="*/ 12 w 1306"/>
+                <a:gd name="T7" fmla="*/ 537 h 1149"/>
+                <a:gd name="T8" fmla="*/ 300 w 1306"/>
+                <a:gd name="T9" fmla="*/ 38 h 1149"/>
+                <a:gd name="T10" fmla="*/ 365 w 1306"/>
+                <a:gd name="T11" fmla="*/ 0 h 1149"/>
+                <a:gd name="T12" fmla="*/ 941 w 1306"/>
+                <a:gd name="T13" fmla="*/ 0 h 1149"/>
+                <a:gd name="T14" fmla="*/ 1006 w 1306"/>
+                <a:gd name="T15" fmla="*/ 38 h 1149"/>
+                <a:gd name="T16" fmla="*/ 1294 w 1306"/>
+                <a:gd name="T17" fmla="*/ 537 h 1149"/>
+                <a:gd name="T18" fmla="*/ 1294 w 1306"/>
+                <a:gd name="T19" fmla="*/ 613 h 1149"/>
+                <a:gd name="T20" fmla="*/ 1006 w 1306"/>
+                <a:gd name="T21" fmla="*/ 1111 h 1149"/>
+                <a:gd name="T22" fmla="*/ 941 w 1306"/>
+                <a:gd name="T23" fmla="*/ 1149 h 1149"/>
+                <a:gd name="T24" fmla="*/ 365 w 1306"/>
+                <a:gd name="T25" fmla="*/ 1149 h 1149"/>
+              </a:gdLst>
+              <a:ahLst/>
+              <a:cxnLst>
+                <a:cxn ang="0">
+                  <a:pos x="T0" y="T1"/>
+                </a:cxn>
+                <a:cxn ang="0">
+                  <a:pos x="T2" y="T3"/>
+                </a:cxn>
+                <a:cxn ang="0">
+                  <a:pos x="T4" y="T5"/>
+                </a:cxn>
+                <a:cxn ang="0">
+                  <a:pos x="T6" y="T7"/>
+                </a:cxn>
+                <a:cxn ang="0">
+                  <a:pos x="T8" y="T9"/>
+                </a:cxn>
+                <a:cxn ang="0">
+                  <a:pos x="T10" y="T11"/>
+                </a:cxn>
+                <a:cxn ang="0">
+                  <a:pos x="T12" y="T13"/>
+                </a:cxn>
+                <a:cxn ang="0">
+                  <a:pos x="T14" y="T15"/>
+                </a:cxn>
+                <a:cxn ang="0">
+                  <a:pos x="T16" y="T17"/>
+                </a:cxn>
+                <a:cxn ang="0">
+                  <a:pos x="T18" y="T19"/>
+                </a:cxn>
+                <a:cxn ang="0">
+                  <a:pos x="T20" y="T21"/>
+                </a:cxn>
+                <a:cxn ang="0">
+                  <a:pos x="T22" y="T23"/>
+                </a:cxn>
+                <a:cxn ang="0">
+                  <a:pos x="T24" y="T25"/>
+                </a:cxn>
+              </a:cxnLst>
+              <a:rect l="0" t="0" r="r" b="b"/>
+              <a:pathLst>
+                <a:path w="1306" h="1149">
+                  <a:moveTo>
+                    <a:pt x="365" y="1149"/>
+                  </a:moveTo>
+                  <a:cubicBezTo>
+                    <a:pt x="341" y="1149"/>
+                    <a:pt x="312" y="1132"/>
+                    <a:pt x="300" y="1111"/>
+                  </a:cubicBezTo>
+                  <a:cubicBezTo>
+                    <a:pt x="12" y="613"/>
+                    <a:pt x="12" y="613"/>
+                    <a:pt x="12" y="613"/>
+                  </a:cubicBezTo>
+                  <a:cubicBezTo>
+                    <a:pt x="0" y="592"/>
+                    <a:pt x="0" y="558"/>
+                    <a:pt x="12" y="537"/>
+                  </a:cubicBezTo>
+                  <a:cubicBezTo>
+                    <a:pt x="300" y="38"/>
+                    <a:pt x="300" y="38"/>
+                    <a:pt x="300" y="38"/>
+                  </a:cubicBezTo>
+                  <a:cubicBezTo>
+                    <a:pt x="312" y="17"/>
+                    <a:pt x="341" y="0"/>
+                    <a:pt x="365" y="0"/>
+                  </a:cubicBezTo>
+                  <a:cubicBezTo>
+                    <a:pt x="941" y="0"/>
+                    <a:pt x="941" y="0"/>
+                    <a:pt x="941" y="0"/>
+                  </a:cubicBezTo>
+                  <a:cubicBezTo>
+                    <a:pt x="965" y="0"/>
+                    <a:pt x="994" y="17"/>
+                    <a:pt x="1006" y="38"/>
+                  </a:cubicBezTo>
+                  <a:cubicBezTo>
+                    <a:pt x="1294" y="537"/>
+                    <a:pt x="1294" y="537"/>
+                    <a:pt x="1294" y="537"/>
+                  </a:cubicBezTo>
+                  <a:cubicBezTo>
+                    <a:pt x="1306" y="558"/>
+                    <a:pt x="1306" y="592"/>
+                    <a:pt x="1294" y="613"/>
+                  </a:cubicBezTo>
+                  <a:cubicBezTo>
+                    <a:pt x="1006" y="1111"/>
+                    <a:pt x="1006" y="1111"/>
+                    <a:pt x="1006" y="1111"/>
+                  </a:cubicBezTo>
+                  <a:cubicBezTo>
+                    <a:pt x="994" y="1132"/>
+                    <a:pt x="965" y="1149"/>
+                    <a:pt x="941" y="1149"/>
+                  </a:cubicBezTo>
+                  <a:lnTo>
+                    <a:pt x="365" y="1149"/>
+                  </a:lnTo>
+                  <a:close/>
+                </a:path>
+              </a:pathLst>
+            </a:custGeom>
+            <a:solidFill>
+              <a:schemeClr val="bg1"/>
+            </a:solidFill>
+            <a:ln>
+              <a:noFill/>
+            </a:ln>
+            <a:effectLst>
+              <a:outerShdw blurRad="63500" algn="ctr" rotWithShape="0">
+                <a:prstClr val="black">
+                  <a:alpha val="40000"/>
+                </a:prstClr>
+              </a:outerShdw>
+            </a:effectLst>
+          </p:spPr>
+          <p:style>
+            <a:lnRef idx="2">
+              <a:schemeClr val="accent1">
+                <a:shade val="50000"/>
+              </a:schemeClr>
+            </a:lnRef>
+            <a:fillRef idx="1">
+              <a:schemeClr val="accent1"/>
+            </a:fillRef>
+            <a:effectRef idx="0">
+              <a:schemeClr val="accent1"/>
+            </a:effectRef>
+            <a:fontRef idx="minor">
+              <a:schemeClr val="lt1"/>
+            </a:fontRef>
+          </p:style>
+          <p:txBody>
+            <a:bodyPr rot="0" spcFirstLastPara="0" vertOverflow="overflow" horzOverflow="overflow" vert="horz" wrap="square" lIns="91440" tIns="45720" rIns="91440" bIns="45720" numCol="1" spcCol="0" rtlCol="0" fromWordArt="0" anchor="ctr" anchorCtr="0" forceAA="0" compatLnSpc="1">
+              <a:noAutofit/>
+            </a:bodyPr>
+            <a:p>
+              <a:pPr marL="0" marR="0" lvl="0" indent="0" algn="ctr" defTabSz="914400" rtl="0" eaLnBrk="1" fontAlgn="auto" latinLnBrk="0" hangingPunct="1">
+                <a:lnSpc>
+                  <a:spcPct val="100000"/>
+                </a:lnSpc>
+                <a:spcBef>
+                  <a:spcPts val="0"/>
+                </a:spcBef>
+                <a:spcAft>
+                  <a:spcPts val="0"/>
+                </a:spcAft>
+                <a:buClrTx/>
+                <a:buSzTx/>
+                <a:buFontTx/>
+                <a:buNone/>
+                <a:defRPr/>
+              </a:pPr>
+              <a:endParaRPr kumimoji="0" lang="zh-CN" altLang="en-US" sz="3200" b="1" i="0" u="none" strike="noStrike" kern="1200" cap="none" spc="0" normalizeH="0" baseline="0" noProof="0">
+                <a:ln>
+                  <a:noFill/>
+                </a:ln>
+                <a:solidFill>
+                  <a:prstClr val="white"/>
+                </a:solidFill>
+                <a:effectLst/>
+                <a:uLnTx/>
+                <a:uFillTx/>
+                <a:cs typeface="+mn-ea"/>
+                <a:sym typeface="+mn-lt"/>
+              </a:endParaRPr>
+            </a:p>
+          </p:txBody>
+        </p:sp>
+        <p:sp>
+          <p:nvSpPr>
+            <p:cNvPr id="4" name="6"/>
+            <p:cNvSpPr/>
+            <p:nvPr/>
+          </p:nvSpPr>
+          <p:spPr bwMode="auto">
+            <a:xfrm>
+              <a:off x="5948780" y="2078346"/>
+              <a:ext cx="1846429" cy="1624882"/>
+            </a:xfrm>
+            <a:custGeom>
+              <a:avLst/>
+              <a:gdLst>
+                <a:gd name="T0" fmla="*/ 365 w 1306"/>
+                <a:gd name="T1" fmla="*/ 1149 h 1149"/>
+                <a:gd name="T2" fmla="*/ 300 w 1306"/>
+                <a:gd name="T3" fmla="*/ 1111 h 1149"/>
+                <a:gd name="T4" fmla="*/ 12 w 1306"/>
+                <a:gd name="T5" fmla="*/ 613 h 1149"/>
+                <a:gd name="T6" fmla="*/ 12 w 1306"/>
+                <a:gd name="T7" fmla="*/ 537 h 1149"/>
+                <a:gd name="T8" fmla="*/ 300 w 1306"/>
+                <a:gd name="T9" fmla="*/ 38 h 1149"/>
+                <a:gd name="T10" fmla="*/ 365 w 1306"/>
+                <a:gd name="T11" fmla="*/ 0 h 1149"/>
+                <a:gd name="T12" fmla="*/ 941 w 1306"/>
+                <a:gd name="T13" fmla="*/ 0 h 1149"/>
+                <a:gd name="T14" fmla="*/ 1006 w 1306"/>
+                <a:gd name="T15" fmla="*/ 38 h 1149"/>
+                <a:gd name="T16" fmla="*/ 1294 w 1306"/>
+                <a:gd name="T17" fmla="*/ 537 h 1149"/>
+                <a:gd name="T18" fmla="*/ 1294 w 1306"/>
+                <a:gd name="T19" fmla="*/ 613 h 1149"/>
+                <a:gd name="T20" fmla="*/ 1006 w 1306"/>
+                <a:gd name="T21" fmla="*/ 1111 h 1149"/>
+                <a:gd name="T22" fmla="*/ 941 w 1306"/>
+                <a:gd name="T23" fmla="*/ 1149 h 1149"/>
+                <a:gd name="T24" fmla="*/ 365 w 1306"/>
+                <a:gd name="T25" fmla="*/ 1149 h 1149"/>
+              </a:gdLst>
+              <a:ahLst/>
+              <a:cxnLst>
+                <a:cxn ang="0">
+                  <a:pos x="T0" y="T1"/>
+                </a:cxn>
+                <a:cxn ang="0">
+                  <a:pos x="T2" y="T3"/>
+                </a:cxn>
+                <a:cxn ang="0">
+                  <a:pos x="T4" y="T5"/>
+                </a:cxn>
+                <a:cxn ang="0">
+                  <a:pos x="T6" y="T7"/>
+                </a:cxn>
+                <a:cxn ang="0">
+                  <a:pos x="T8" y="T9"/>
+                </a:cxn>
+                <a:cxn ang="0">
+                  <a:pos x="T10" y="T11"/>
+                </a:cxn>
+                <a:cxn ang="0">
+                  <a:pos x="T12" y="T13"/>
+                </a:cxn>
+                <a:cxn ang="0">
+                  <a:pos x="T14" y="T15"/>
+                </a:cxn>
+                <a:cxn ang="0">
+                  <a:pos x="T16" y="T17"/>
+                </a:cxn>
+                <a:cxn ang="0">
+                  <a:pos x="T18" y="T19"/>
+                </a:cxn>
+                <a:cxn ang="0">
+                  <a:pos x="T20" y="T21"/>
+                </a:cxn>
+                <a:cxn ang="0">
+                  <a:pos x="T22" y="T23"/>
+                </a:cxn>
+                <a:cxn ang="0">
+                  <a:pos x="T24" y="T25"/>
+                </a:cxn>
+              </a:cxnLst>
+              <a:rect l="0" t="0" r="r" b="b"/>
+              <a:pathLst>
+                <a:path w="1306" h="1149">
+                  <a:moveTo>
+                    <a:pt x="365" y="1149"/>
+                  </a:moveTo>
+                  <a:cubicBezTo>
+                    <a:pt x="341" y="1149"/>
+                    <a:pt x="312" y="1132"/>
+                    <a:pt x="300" y="1111"/>
+                  </a:cubicBezTo>
+                  <a:cubicBezTo>
+                    <a:pt x="12" y="613"/>
+                    <a:pt x="12" y="613"/>
+                    <a:pt x="12" y="613"/>
+                  </a:cubicBezTo>
+                  <a:cubicBezTo>
+                    <a:pt x="0" y="592"/>
+                    <a:pt x="0" y="558"/>
+                    <a:pt x="12" y="537"/>
+                  </a:cubicBezTo>
+                  <a:cubicBezTo>
+                    <a:pt x="300" y="38"/>
+                    <a:pt x="300" y="38"/>
+                    <a:pt x="300" y="38"/>
+                  </a:cubicBezTo>
+                  <a:cubicBezTo>
+                    <a:pt x="312" y="17"/>
+                    <a:pt x="341" y="0"/>
+                    <a:pt x="365" y="0"/>
+                  </a:cubicBezTo>
+                  <a:cubicBezTo>
+                    <a:pt x="941" y="0"/>
+                    <a:pt x="941" y="0"/>
+                    <a:pt x="941" y="0"/>
+                  </a:cubicBezTo>
+                  <a:cubicBezTo>
+                    <a:pt x="965" y="0"/>
+                    <a:pt x="994" y="17"/>
+                    <a:pt x="1006" y="38"/>
+                  </a:cubicBezTo>
+                  <a:cubicBezTo>
+                    <a:pt x="1294" y="537"/>
+                    <a:pt x="1294" y="537"/>
+                    <a:pt x="1294" y="537"/>
+                  </a:cubicBezTo>
+                  <a:cubicBezTo>
+                    <a:pt x="1306" y="558"/>
+                    <a:pt x="1306" y="592"/>
+                    <a:pt x="1294" y="613"/>
+                  </a:cubicBezTo>
+                  <a:cubicBezTo>
+                    <a:pt x="1006" y="1111"/>
+                    <a:pt x="1006" y="1111"/>
+                    <a:pt x="1006" y="1111"/>
+                  </a:cubicBezTo>
+                  <a:cubicBezTo>
+                    <a:pt x="994" y="1132"/>
+                    <a:pt x="965" y="1149"/>
+                    <a:pt x="941" y="1149"/>
+                  </a:cubicBezTo>
+                  <a:lnTo>
+                    <a:pt x="365" y="1149"/>
+                  </a:lnTo>
+                  <a:close/>
+                </a:path>
+              </a:pathLst>
+            </a:custGeom>
+            <a:gradFill>
+              <a:gsLst>
+                <a:gs pos="0">
+                  <a:srgbClr val="100138"/>
+                </a:gs>
+                <a:gs pos="100000">
+                  <a:srgbClr val="230656"/>
+                </a:gs>
+              </a:gsLst>
+              <a:lin ang="5400000" scaled="1"/>
+            </a:gradFill>
+            <a:ln>
+              <a:noFill/>
+            </a:ln>
+            <a:effectLst>
+              <a:outerShdw blurRad="63500" algn="ctr" rotWithShape="0">
+                <a:prstClr val="black">
+                  <a:alpha val="40000"/>
+                </a:prstClr>
+              </a:outerShdw>
+            </a:effectLst>
+          </p:spPr>
+          <p:style>
+            <a:lnRef idx="2">
+              <a:schemeClr val="accent1">
+                <a:shade val="50000"/>
+              </a:schemeClr>
+            </a:lnRef>
+            <a:fillRef idx="1">
+              <a:schemeClr val="accent1"/>
+            </a:fillRef>
+            <a:effectRef idx="0">
+              <a:schemeClr val="accent1"/>
+            </a:effectRef>
+            <a:fontRef idx="minor">
+              <a:schemeClr val="lt1"/>
+            </a:fontRef>
+          </p:style>
+          <p:txBody>
+            <a:bodyPr rtlCol="0" anchor="ctr"/>
+            <a:p>
+              <a:pPr marL="0" marR="0" lvl="0" indent="0" algn="ctr" defTabSz="914400" rtl="0" eaLnBrk="1" fontAlgn="auto" latinLnBrk="0" hangingPunct="1">
+                <a:lnSpc>
+                  <a:spcPct val="100000"/>
+                </a:lnSpc>
+                <a:spcBef>
+                  <a:spcPts val="0"/>
+                </a:spcBef>
+                <a:spcAft>
+                  <a:spcPts val="0"/>
+                </a:spcAft>
+                <a:buClrTx/>
+                <a:buSzTx/>
+                <a:buFontTx/>
+                <a:buNone/>
+                <a:defRPr/>
+              </a:pPr>
+              <a:endParaRPr kumimoji="0" lang="zh-CN" altLang="en-US" sz="3600" b="0" i="0" u="none" strike="noStrike" kern="1200" cap="none" spc="0" normalizeH="0" baseline="0" noProof="0">
+                <a:ln>
+                  <a:noFill/>
+                </a:ln>
+                <a:solidFill>
+                  <a:srgbClr val="FFFFFF"/>
+                </a:solidFill>
+                <a:effectLst/>
+                <a:uLnTx/>
+                <a:uFillTx/>
+                <a:cs typeface="+mn-ea"/>
+                <a:sym typeface="+mn-lt"/>
+              </a:endParaRPr>
+            </a:p>
+          </p:txBody>
+        </p:sp>
+      </p:grpSp>
+      <p:sp>
+        <p:nvSpPr>
+          <p:cNvPr id="6" name="4"/>
+          <p:cNvSpPr txBox="1"/>
+          <p:nvPr>
+            <p:custDataLst>
+              <p:tags r:id="rId5"/>
+            </p:custDataLst>
+          </p:nvPr>
+        </p:nvSpPr>
+        <p:spPr>
+          <a:xfrm>
+            <a:off x="5138650" y="1386857"/>
+            <a:ext cx="2713761" cy="1629410"/>
+          </a:xfrm>
+          <a:prstGeom prst="rect">
+            <a:avLst/>
+          </a:prstGeom>
+          <a:noFill/>
+        </p:spPr>
+        <p:txBody>
+          <a:bodyPr wrap="square" lIns="86005" tIns="43002" rIns="86005" bIns="43002">
+            <a:spAutoFit/>
+          </a:bodyPr>
+          <a:p>
+            <a:pPr marL="0" marR="0" lvl="0" indent="0" algn="ctr" defTabSz="914400" rtl="0" eaLnBrk="1" fontAlgn="auto" latinLnBrk="0" hangingPunct="1">
+              <a:lnSpc>
+                <a:spcPct val="100000"/>
+              </a:lnSpc>
+              <a:spcBef>
+                <a:spcPts val="0"/>
+              </a:spcBef>
+              <a:spcAft>
+                <a:spcPts val="0"/>
+              </a:spcAft>
+              <a:buClrTx/>
+              <a:buSzTx/>
+              <a:buFontTx/>
+              <a:buNone/>
+              <a:defRPr/>
+            </a:pPr>
+            <a:r>
+              <a:rPr kumimoji="0" lang="en-US" altLang="zh-CN" sz="10035" b="0" i="0" u="none" strike="noStrike" kern="1200" cap="none" spc="0" normalizeH="0" baseline="0" noProof="0" dirty="0">
+                <a:ln>
+                  <a:noFill/>
+                </a:ln>
+                <a:gradFill>
+                  <a:gsLst>
+                    <a:gs pos="0">
+                      <a:srgbClr val="5B9BD5">
+                        <a:lumMod val="5000"/>
+                        <a:lumOff val="95000"/>
+                      </a:srgbClr>
+                    </a:gs>
+                    <a:gs pos="77000">
+                      <a:srgbClr val="5B9BD5">
+                        <a:lumMod val="45000"/>
+                        <a:lumOff val="55000"/>
+                      </a:srgbClr>
+                    </a:gs>
+                    <a:gs pos="83000">
+                      <a:srgbClr val="5B9BD5">
+                        <a:lumMod val="45000"/>
+                        <a:lumOff val="55000"/>
+                      </a:srgbClr>
+                    </a:gs>
+                    <a:gs pos="100000">
+                      <a:srgbClr val="5B9BD5">
+                        <a:lumMod val="30000"/>
+                        <a:lumOff val="70000"/>
+                      </a:srgbClr>
+                    </a:gs>
+                  </a:gsLst>
+                  <a:lin ang="5400000" scaled="1"/>
+                </a:gradFill>
+                <a:effectLst/>
+                <a:uLnTx/>
+                <a:uFillTx/>
+                <a:cs typeface="+mn-ea"/>
+                <a:sym typeface="+mn-lt"/>
+              </a:rPr>
+              <a:t>09</a:t>
+            </a:r>
+            <a:endParaRPr kumimoji="0" lang="en-US" altLang="zh-CN" sz="10035" b="0" i="0" u="none" strike="noStrike" kern="1200" cap="none" spc="0" normalizeH="0" baseline="0" noProof="0" dirty="0">
+              <a:ln>
+                <a:noFill/>
+              </a:ln>
+              <a:gradFill>
+                <a:gsLst>
+                  <a:gs pos="0">
+                    <a:srgbClr val="5B9BD5">
+                      <a:lumMod val="5000"/>
+                      <a:lumOff val="95000"/>
+                    </a:srgbClr>
+                  </a:gs>
+                  <a:gs pos="77000">
+                    <a:srgbClr val="5B9BD5">
+                      <a:lumMod val="45000"/>
+                      <a:lumOff val="55000"/>
+                    </a:srgbClr>
+                  </a:gs>
+                  <a:gs pos="83000">
+                    <a:srgbClr val="5B9BD5">
+                      <a:lumMod val="45000"/>
+                      <a:lumOff val="55000"/>
+                    </a:srgbClr>
+                  </a:gs>
+                  <a:gs pos="100000">
+                    <a:srgbClr val="5B9BD5">
+                      <a:lumMod val="30000"/>
+                      <a:lumOff val="70000"/>
+                    </a:srgbClr>
+                  </a:gs>
+                </a:gsLst>
+                <a:lin ang="5400000" scaled="1"/>
+              </a:gradFill>
+              <a:effectLst/>
+              <a:uLnTx/>
+              <a:uFillTx/>
+              <a:cs typeface="+mn-ea"/>
+              <a:sym typeface="+mn-lt"/>
+            </a:endParaRPr>
+          </a:p>
+        </p:txBody>
+      </p:sp>
     </p:spTree>
   </p:cSld>
   <p:clrMapOvr>
@@ -30252,6 +28473,9 @@
                     <p:cTn id="3" fill="hold">
                       <p:stCondLst>
                         <p:cond delay="indefinite"/>
+                        <p:cond evt="onBegin" delay="0">
+                          <p:tn val="2"/>
+                        </p:cond>
                       </p:stCondLst>
                       <p:childTnLst>
                         <p:par>
@@ -30261,10 +28485,13 @@
                             </p:stCondLst>
                             <p:childTnLst>
                               <p:par>
-                                <p:cTn id="5" presetID="42" presetClass="entr" presetSubtype="0" fill="hold" grpId="0" nodeType="clickEffect">
+                                <p:cTn id="5" presetID="52" presetClass="entr" presetSubtype="0" fill="hold" grpId="0" nodeType="afterEffect">
                                   <p:stCondLst>
                                     <p:cond delay="0"/>
                                   </p:stCondLst>
+                                  <p:iterate type="lt">
+                                    <p:tmPct val="10000"/>
+                                  </p:iterate>
                                   <p:childTnLst>
                                     <p:set>
                                       <p:cBhvr>
@@ -30274,7 +28501,97 @@
                                           </p:stCondLst>
                                         </p:cTn>
                                         <p:tgtEl>
-                                          <p:spTgt spid="25"/>
+                                          <p:spTgt spid="14">
+                                            <p:txEl>
+                                              <p:pRg st="0" end="0"/>
+                                            </p:txEl>
+                                          </p:spTgt>
+                                        </p:tgtEl>
+                                        <p:attrNameLst>
+                                          <p:attrName>style.visibility</p:attrName>
+                                        </p:attrNameLst>
+                                      </p:cBhvr>
+                                      <p:to>
+                                        <p:strVal val="visible"/>
+                                      </p:to>
+                                    </p:set>
+                                    <p:animScale>
+                                      <p:cBhvr>
+                                        <p:cTn id="7" dur="1000" decel="50000" fill="hold">
+                                          <p:stCondLst>
+                                            <p:cond delay="0"/>
+                                          </p:stCondLst>
+                                        </p:cTn>
+                                        <p:tgtEl>
+                                          <p:spTgt spid="14">
+                                            <p:txEl>
+                                              <p:pRg st="0" end="0"/>
+                                            </p:txEl>
+                                          </p:spTgt>
+                                        </p:tgtEl>
+                                      </p:cBhvr>
+                                      <p:from x="250000" y="250000"/>
+                                      <p:to x="100000" y="100000"/>
+                                    </p:animScale>
+                                    <p:animMotion origin="layout" path="M -0.46736 0.92887  C -0.37517 0.88508  -0.02552 0.75279  0.0908 0.66613  C  0.20747 0.57948  0.21649 0.50394  0.23177 0.40825  C 0.24705 0.31256  0.22118 0.15964   0.18264 0.09152  C 0.1441 0.02341  0.03802 0.0  0.0 0.0  " pathEditMode="relative" ptsTypes="">
+                                      <p:cBhvr>
+                                        <p:cTn id="8" dur="1000" decel="50000" fill="hold">
+                                          <p:stCondLst>
+                                            <p:cond delay="0"/>
+                                          </p:stCondLst>
+                                        </p:cTn>
+                                        <p:tgtEl>
+                                          <p:spTgt spid="14">
+                                            <p:txEl>
+                                              <p:pRg st="0" end="0"/>
+                                            </p:txEl>
+                                          </p:spTgt>
+                                        </p:tgtEl>
+                                        <p:attrNameLst>
+                                          <p:attrName>ppt_x</p:attrName>
+                                          <p:attrName>ppt_y</p:attrName>
+                                        </p:attrNameLst>
+                                      </p:cBhvr>
+                                    </p:animMotion>
+                                    <p:animEffect transition="in" filter="fade">
+                                      <p:cBhvr>
+                                        <p:cTn id="9" dur="1000"/>
+                                        <p:tgtEl>
+                                          <p:spTgt spid="14">
+                                            <p:txEl>
+                                              <p:pRg st="0" end="0"/>
+                                            </p:txEl>
+                                          </p:spTgt>
+                                        </p:tgtEl>
+                                      </p:cBhvr>
+                                    </p:animEffect>
+                                  </p:childTnLst>
+                                </p:cTn>
+                              </p:par>
+                            </p:childTnLst>
+                          </p:cTn>
+                        </p:par>
+                        <p:par>
+                          <p:cTn id="10" fill="hold">
+                            <p:stCondLst>
+                              <p:cond delay="2700"/>
+                            </p:stCondLst>
+                            <p:childTnLst>
+                              <p:par>
+                                <p:cTn id="11" presetID="47" presetClass="entr" presetSubtype="0" fill="hold" nodeType="afterEffect">
+                                  <p:stCondLst>
+                                    <p:cond delay="0"/>
+                                  </p:stCondLst>
+                                  <p:childTnLst>
+                                    <p:set>
+                                      <p:cBhvr>
+                                        <p:cTn id="12" dur="1" fill="hold">
+                                          <p:stCondLst>
+                                            <p:cond delay="0"/>
+                                          </p:stCondLst>
+                                        </p:cTn>
+                                        <p:tgtEl>
+                                          <p:spTgt spid="2"/>
                                         </p:tgtEl>
                                         <p:attrNameLst>
                                           <p:attrName>style.visibility</p:attrName>
@@ -30286,17 +28603,17 @@
                                     </p:set>
                                     <p:animEffect transition="in" filter="fade">
                                       <p:cBhvr>
-                                        <p:cTn id="7" dur="1000"/>
+                                        <p:cTn id="13" dur="250"/>
                                         <p:tgtEl>
-                                          <p:spTgt spid="25"/>
+                                          <p:spTgt spid="2"/>
                                         </p:tgtEl>
                                       </p:cBhvr>
                                     </p:animEffect>
                                     <p:anim calcmode="lin" valueType="num">
                                       <p:cBhvr>
-                                        <p:cTn id="8" dur="1000" fill="hold"/>
+                                        <p:cTn id="14" dur="250" fill="hold"/>
                                         <p:tgtEl>
-                                          <p:spTgt spid="25"/>
+                                          <p:spTgt spid="2"/>
                                         </p:tgtEl>
                                         <p:attrNameLst>
                                           <p:attrName>ppt_x</p:attrName>
@@ -30317,9 +28634,9 @@
                                     </p:anim>
                                     <p:anim calcmode="lin" valueType="num">
                                       <p:cBhvr>
-                                        <p:cTn id="9" dur="1000" fill="hold"/>
+                                        <p:cTn id="15" dur="250" fill="hold"/>
                                         <p:tgtEl>
-                                          <p:spTgt spid="25"/>
+                                          <p:spTgt spid="2"/>
                                         </p:tgtEl>
                                         <p:attrNameLst>
                                           <p:attrName>ppt_y</p:attrName>
@@ -30328,655 +28645,7 @@
                                       <p:tavLst>
                                         <p:tav tm="0">
                                           <p:val>
-                                            <p:strVal val="#ppt_y+.1"/>
-                                          </p:val>
-                                        </p:tav>
-                                        <p:tav tm="100000">
-                                          <p:val>
-                                            <p:strVal val="#ppt_y"/>
-                                          </p:val>
-                                        </p:tav>
-                                      </p:tavLst>
-                                    </p:anim>
-                                  </p:childTnLst>
-                                </p:cTn>
-                              </p:par>
-                              <p:par>
-                                <p:cTn id="10" presetID="42" presetClass="entr" presetSubtype="0" fill="hold" grpId="0" nodeType="withEffect">
-                                  <p:stCondLst>
-                                    <p:cond delay="0"/>
-                                  </p:stCondLst>
-                                  <p:childTnLst>
-                                    <p:set>
-                                      <p:cBhvr>
-                                        <p:cTn id="11" dur="1" fill="hold">
-                                          <p:stCondLst>
-                                            <p:cond delay="0"/>
-                                          </p:stCondLst>
-                                        </p:cTn>
-                                        <p:tgtEl>
-                                          <p:spTgt spid="26"/>
-                                        </p:tgtEl>
-                                        <p:attrNameLst>
-                                          <p:attrName>style.visibility</p:attrName>
-                                        </p:attrNameLst>
-                                      </p:cBhvr>
-                                      <p:to>
-                                        <p:strVal val="visible"/>
-                                      </p:to>
-                                    </p:set>
-                                    <p:animEffect transition="in" filter="fade">
-                                      <p:cBhvr>
-                                        <p:cTn id="12" dur="1000"/>
-                                        <p:tgtEl>
-                                          <p:spTgt spid="26"/>
-                                        </p:tgtEl>
-                                      </p:cBhvr>
-                                    </p:animEffect>
-                                    <p:anim calcmode="lin" valueType="num">
-                                      <p:cBhvr>
-                                        <p:cTn id="13" dur="1000" fill="hold"/>
-                                        <p:tgtEl>
-                                          <p:spTgt spid="26"/>
-                                        </p:tgtEl>
-                                        <p:attrNameLst>
-                                          <p:attrName>ppt_x</p:attrName>
-                                        </p:attrNameLst>
-                                      </p:cBhvr>
-                                      <p:tavLst>
-                                        <p:tav tm="0">
-                                          <p:val>
-                                            <p:strVal val="#ppt_x"/>
-                                          </p:val>
-                                        </p:tav>
-                                        <p:tav tm="100000">
-                                          <p:val>
-                                            <p:strVal val="#ppt_x"/>
-                                          </p:val>
-                                        </p:tav>
-                                      </p:tavLst>
-                                    </p:anim>
-                                    <p:anim calcmode="lin" valueType="num">
-                                      <p:cBhvr>
-                                        <p:cTn id="14" dur="1000" fill="hold"/>
-                                        <p:tgtEl>
-                                          <p:spTgt spid="26"/>
-                                        </p:tgtEl>
-                                        <p:attrNameLst>
-                                          <p:attrName>ppt_y</p:attrName>
-                                        </p:attrNameLst>
-                                      </p:cBhvr>
-                                      <p:tavLst>
-                                        <p:tav tm="0">
-                                          <p:val>
-                                            <p:strVal val="#ppt_y+.1"/>
-                                          </p:val>
-                                        </p:tav>
-                                        <p:tav tm="100000">
-                                          <p:val>
-                                            <p:strVal val="#ppt_y"/>
-                                          </p:val>
-                                        </p:tav>
-                                      </p:tavLst>
-                                    </p:anim>
-                                  </p:childTnLst>
-                                </p:cTn>
-                              </p:par>
-                              <p:par>
-                                <p:cTn id="15" presetID="42" presetClass="entr" presetSubtype="0" fill="hold" grpId="0" nodeType="withEffect">
-                                  <p:stCondLst>
-                                    <p:cond delay="0"/>
-                                  </p:stCondLst>
-                                  <p:childTnLst>
-                                    <p:set>
-                                      <p:cBhvr>
-                                        <p:cTn id="16" dur="1" fill="hold">
-                                          <p:stCondLst>
-                                            <p:cond delay="0"/>
-                                          </p:stCondLst>
-                                        </p:cTn>
-                                        <p:tgtEl>
-                                          <p:spTgt spid="29"/>
-                                        </p:tgtEl>
-                                        <p:attrNameLst>
-                                          <p:attrName>style.visibility</p:attrName>
-                                        </p:attrNameLst>
-                                      </p:cBhvr>
-                                      <p:to>
-                                        <p:strVal val="visible"/>
-                                      </p:to>
-                                    </p:set>
-                                    <p:animEffect transition="in" filter="fade">
-                                      <p:cBhvr>
-                                        <p:cTn id="17" dur="1000"/>
-                                        <p:tgtEl>
-                                          <p:spTgt spid="29"/>
-                                        </p:tgtEl>
-                                      </p:cBhvr>
-                                    </p:animEffect>
-                                    <p:anim calcmode="lin" valueType="num">
-                                      <p:cBhvr>
-                                        <p:cTn id="18" dur="1000" fill="hold"/>
-                                        <p:tgtEl>
-                                          <p:spTgt spid="29"/>
-                                        </p:tgtEl>
-                                        <p:attrNameLst>
-                                          <p:attrName>ppt_x</p:attrName>
-                                        </p:attrNameLst>
-                                      </p:cBhvr>
-                                      <p:tavLst>
-                                        <p:tav tm="0">
-                                          <p:val>
-                                            <p:strVal val="#ppt_x"/>
-                                          </p:val>
-                                        </p:tav>
-                                        <p:tav tm="100000">
-                                          <p:val>
-                                            <p:strVal val="#ppt_x"/>
-                                          </p:val>
-                                        </p:tav>
-                                      </p:tavLst>
-                                    </p:anim>
-                                    <p:anim calcmode="lin" valueType="num">
-                                      <p:cBhvr>
-                                        <p:cTn id="19" dur="1000" fill="hold"/>
-                                        <p:tgtEl>
-                                          <p:spTgt spid="29"/>
-                                        </p:tgtEl>
-                                        <p:attrNameLst>
-                                          <p:attrName>ppt_y</p:attrName>
-                                        </p:attrNameLst>
-                                      </p:cBhvr>
-                                      <p:tavLst>
-                                        <p:tav tm="0">
-                                          <p:val>
-                                            <p:strVal val="#ppt_y+.1"/>
-                                          </p:val>
-                                        </p:tav>
-                                        <p:tav tm="100000">
-                                          <p:val>
-                                            <p:strVal val="#ppt_y"/>
-                                          </p:val>
-                                        </p:tav>
-                                      </p:tavLst>
-                                    </p:anim>
-                                  </p:childTnLst>
-                                </p:cTn>
-                              </p:par>
-                              <p:par>
-                                <p:cTn id="20" presetID="42" presetClass="entr" presetSubtype="0" fill="hold" nodeType="withEffect">
-                                  <p:stCondLst>
-                                    <p:cond delay="0"/>
-                                  </p:stCondLst>
-                                  <p:childTnLst>
-                                    <p:set>
-                                      <p:cBhvr>
-                                        <p:cTn id="21" dur="1" fill="hold">
-                                          <p:stCondLst>
-                                            <p:cond delay="0"/>
-                                          </p:stCondLst>
-                                        </p:cTn>
-                                        <p:tgtEl>
-                                          <p:spTgt spid="32"/>
-                                        </p:tgtEl>
-                                        <p:attrNameLst>
-                                          <p:attrName>style.visibility</p:attrName>
-                                        </p:attrNameLst>
-                                      </p:cBhvr>
-                                      <p:to>
-                                        <p:strVal val="visible"/>
-                                      </p:to>
-                                    </p:set>
-                                    <p:animEffect transition="in" filter="fade">
-                                      <p:cBhvr>
-                                        <p:cTn id="22" dur="1000"/>
-                                        <p:tgtEl>
-                                          <p:spTgt spid="32"/>
-                                        </p:tgtEl>
-                                      </p:cBhvr>
-                                    </p:animEffect>
-                                    <p:anim calcmode="lin" valueType="num">
-                                      <p:cBhvr>
-                                        <p:cTn id="23" dur="1000" fill="hold"/>
-                                        <p:tgtEl>
-                                          <p:spTgt spid="32"/>
-                                        </p:tgtEl>
-                                        <p:attrNameLst>
-                                          <p:attrName>ppt_x</p:attrName>
-                                        </p:attrNameLst>
-                                      </p:cBhvr>
-                                      <p:tavLst>
-                                        <p:tav tm="0">
-                                          <p:val>
-                                            <p:strVal val="#ppt_x"/>
-                                          </p:val>
-                                        </p:tav>
-                                        <p:tav tm="100000">
-                                          <p:val>
-                                            <p:strVal val="#ppt_x"/>
-                                          </p:val>
-                                        </p:tav>
-                                      </p:tavLst>
-                                    </p:anim>
-                                    <p:anim calcmode="lin" valueType="num">
-                                      <p:cBhvr>
-                                        <p:cTn id="24" dur="1000" fill="hold"/>
-                                        <p:tgtEl>
-                                          <p:spTgt spid="32"/>
-                                        </p:tgtEl>
-                                        <p:attrNameLst>
-                                          <p:attrName>ppt_y</p:attrName>
-                                        </p:attrNameLst>
-                                      </p:cBhvr>
-                                      <p:tavLst>
-                                        <p:tav tm="0">
-                                          <p:val>
-                                            <p:strVal val="#ppt_y+.1"/>
-                                          </p:val>
-                                        </p:tav>
-                                        <p:tav tm="100000">
-                                          <p:val>
-                                            <p:strVal val="#ppt_y"/>
-                                          </p:val>
-                                        </p:tav>
-                                      </p:tavLst>
-                                    </p:anim>
-                                  </p:childTnLst>
-                                </p:cTn>
-                              </p:par>
-                              <p:par>
-                                <p:cTn id="25" presetID="42" presetClass="entr" presetSubtype="0" fill="hold" nodeType="withEffect">
-                                  <p:stCondLst>
-                                    <p:cond delay="0"/>
-                                  </p:stCondLst>
-                                  <p:childTnLst>
-                                    <p:set>
-                                      <p:cBhvr>
-                                        <p:cTn id="26" dur="1" fill="hold">
-                                          <p:stCondLst>
-                                            <p:cond delay="0"/>
-                                          </p:stCondLst>
-                                        </p:cTn>
-                                        <p:tgtEl>
-                                          <p:spTgt spid="35"/>
-                                        </p:tgtEl>
-                                        <p:attrNameLst>
-                                          <p:attrName>style.visibility</p:attrName>
-                                        </p:attrNameLst>
-                                      </p:cBhvr>
-                                      <p:to>
-                                        <p:strVal val="visible"/>
-                                      </p:to>
-                                    </p:set>
-                                    <p:animEffect transition="in" filter="fade">
-                                      <p:cBhvr>
-                                        <p:cTn id="27" dur="1000"/>
-                                        <p:tgtEl>
-                                          <p:spTgt spid="35"/>
-                                        </p:tgtEl>
-                                      </p:cBhvr>
-                                    </p:animEffect>
-                                    <p:anim calcmode="lin" valueType="num">
-                                      <p:cBhvr>
-                                        <p:cTn id="28" dur="1000" fill="hold"/>
-                                        <p:tgtEl>
-                                          <p:spTgt spid="35"/>
-                                        </p:tgtEl>
-                                        <p:attrNameLst>
-                                          <p:attrName>ppt_x</p:attrName>
-                                        </p:attrNameLst>
-                                      </p:cBhvr>
-                                      <p:tavLst>
-                                        <p:tav tm="0">
-                                          <p:val>
-                                            <p:strVal val="#ppt_x"/>
-                                          </p:val>
-                                        </p:tav>
-                                        <p:tav tm="100000">
-                                          <p:val>
-                                            <p:strVal val="#ppt_x"/>
-                                          </p:val>
-                                        </p:tav>
-                                      </p:tavLst>
-                                    </p:anim>
-                                    <p:anim calcmode="lin" valueType="num">
-                                      <p:cBhvr>
-                                        <p:cTn id="29" dur="1000" fill="hold"/>
-                                        <p:tgtEl>
-                                          <p:spTgt spid="35"/>
-                                        </p:tgtEl>
-                                        <p:attrNameLst>
-                                          <p:attrName>ppt_y</p:attrName>
-                                        </p:attrNameLst>
-                                      </p:cBhvr>
-                                      <p:tavLst>
-                                        <p:tav tm="0">
-                                          <p:val>
-                                            <p:strVal val="#ppt_y+.1"/>
-                                          </p:val>
-                                        </p:tav>
-                                        <p:tav tm="100000">
-                                          <p:val>
-                                            <p:strVal val="#ppt_y"/>
-                                          </p:val>
-                                        </p:tav>
-                                      </p:tavLst>
-                                    </p:anim>
-                                  </p:childTnLst>
-                                </p:cTn>
-                              </p:par>
-                              <p:par>
-                                <p:cTn id="30" presetID="42" presetClass="entr" presetSubtype="0" fill="hold" nodeType="withEffect">
-                                  <p:stCondLst>
-                                    <p:cond delay="0"/>
-                                  </p:stCondLst>
-                                  <p:childTnLst>
-                                    <p:set>
-                                      <p:cBhvr>
-                                        <p:cTn id="31" dur="1" fill="hold">
-                                          <p:stCondLst>
-                                            <p:cond delay="0"/>
-                                          </p:stCondLst>
-                                        </p:cTn>
-                                        <p:tgtEl>
-                                          <p:spTgt spid="38"/>
-                                        </p:tgtEl>
-                                        <p:attrNameLst>
-                                          <p:attrName>style.visibility</p:attrName>
-                                        </p:attrNameLst>
-                                      </p:cBhvr>
-                                      <p:to>
-                                        <p:strVal val="visible"/>
-                                      </p:to>
-                                    </p:set>
-                                    <p:animEffect transition="in" filter="fade">
-                                      <p:cBhvr>
-                                        <p:cTn id="32" dur="1000"/>
-                                        <p:tgtEl>
-                                          <p:spTgt spid="38"/>
-                                        </p:tgtEl>
-                                      </p:cBhvr>
-                                    </p:animEffect>
-                                    <p:anim calcmode="lin" valueType="num">
-                                      <p:cBhvr>
-                                        <p:cTn id="33" dur="1000" fill="hold"/>
-                                        <p:tgtEl>
-                                          <p:spTgt spid="38"/>
-                                        </p:tgtEl>
-                                        <p:attrNameLst>
-                                          <p:attrName>ppt_x</p:attrName>
-                                        </p:attrNameLst>
-                                      </p:cBhvr>
-                                      <p:tavLst>
-                                        <p:tav tm="0">
-                                          <p:val>
-                                            <p:strVal val="#ppt_x"/>
-                                          </p:val>
-                                        </p:tav>
-                                        <p:tav tm="100000">
-                                          <p:val>
-                                            <p:strVal val="#ppt_x"/>
-                                          </p:val>
-                                        </p:tav>
-                                      </p:tavLst>
-                                    </p:anim>
-                                    <p:anim calcmode="lin" valueType="num">
-                                      <p:cBhvr>
-                                        <p:cTn id="34" dur="1000" fill="hold"/>
-                                        <p:tgtEl>
-                                          <p:spTgt spid="38"/>
-                                        </p:tgtEl>
-                                        <p:attrNameLst>
-                                          <p:attrName>ppt_y</p:attrName>
-                                        </p:attrNameLst>
-                                      </p:cBhvr>
-                                      <p:tavLst>
-                                        <p:tav tm="0">
-                                          <p:val>
-                                            <p:strVal val="#ppt_y+.1"/>
-                                          </p:val>
-                                        </p:tav>
-                                        <p:tav tm="100000">
-                                          <p:val>
-                                            <p:strVal val="#ppt_y"/>
-                                          </p:val>
-                                        </p:tav>
-                                      </p:tavLst>
-                                    </p:anim>
-                                  </p:childTnLst>
-                                </p:cTn>
-                              </p:par>
-                              <p:par>
-                                <p:cTn id="35" presetID="42" presetClass="entr" presetSubtype="0" fill="hold" grpId="0" nodeType="withEffect">
-                                  <p:stCondLst>
-                                    <p:cond delay="0"/>
-                                  </p:stCondLst>
-                                  <p:childTnLst>
-                                    <p:set>
-                                      <p:cBhvr>
-                                        <p:cTn id="36" dur="1" fill="hold">
-                                          <p:stCondLst>
-                                            <p:cond delay="0"/>
-                                          </p:stCondLst>
-                                        </p:cTn>
-                                        <p:tgtEl>
-                                          <p:spTgt spid="39"/>
-                                        </p:tgtEl>
-                                        <p:attrNameLst>
-                                          <p:attrName>style.visibility</p:attrName>
-                                        </p:attrNameLst>
-                                      </p:cBhvr>
-                                      <p:to>
-                                        <p:strVal val="visible"/>
-                                      </p:to>
-                                    </p:set>
-                                    <p:animEffect transition="in" filter="fade">
-                                      <p:cBhvr>
-                                        <p:cTn id="37" dur="1000"/>
-                                        <p:tgtEl>
-                                          <p:spTgt spid="39"/>
-                                        </p:tgtEl>
-                                      </p:cBhvr>
-                                    </p:animEffect>
-                                    <p:anim calcmode="lin" valueType="num">
-                                      <p:cBhvr>
-                                        <p:cTn id="38" dur="1000" fill="hold"/>
-                                        <p:tgtEl>
-                                          <p:spTgt spid="39"/>
-                                        </p:tgtEl>
-                                        <p:attrNameLst>
-                                          <p:attrName>ppt_x</p:attrName>
-                                        </p:attrNameLst>
-                                      </p:cBhvr>
-                                      <p:tavLst>
-                                        <p:tav tm="0">
-                                          <p:val>
-                                            <p:strVal val="#ppt_x"/>
-                                          </p:val>
-                                        </p:tav>
-                                        <p:tav tm="100000">
-                                          <p:val>
-                                            <p:strVal val="#ppt_x"/>
-                                          </p:val>
-                                        </p:tav>
-                                      </p:tavLst>
-                                    </p:anim>
-                                    <p:anim calcmode="lin" valueType="num">
-                                      <p:cBhvr>
-                                        <p:cTn id="39" dur="1000" fill="hold"/>
-                                        <p:tgtEl>
-                                          <p:spTgt spid="39"/>
-                                        </p:tgtEl>
-                                        <p:attrNameLst>
-                                          <p:attrName>ppt_y</p:attrName>
-                                        </p:attrNameLst>
-                                      </p:cBhvr>
-                                      <p:tavLst>
-                                        <p:tav tm="0">
-                                          <p:val>
-                                            <p:strVal val="#ppt_y+.1"/>
-                                          </p:val>
-                                        </p:tav>
-                                        <p:tav tm="100000">
-                                          <p:val>
-                                            <p:strVal val="#ppt_y"/>
-                                          </p:val>
-                                        </p:tav>
-                                      </p:tavLst>
-                                    </p:anim>
-                                  </p:childTnLst>
-                                </p:cTn>
-                              </p:par>
-                              <p:par>
-                                <p:cTn id="40" presetID="42" presetClass="entr" presetSubtype="0" fill="hold" grpId="0" nodeType="withEffect">
-                                  <p:stCondLst>
-                                    <p:cond delay="0"/>
-                                  </p:stCondLst>
-                                  <p:childTnLst>
-                                    <p:set>
-                                      <p:cBhvr>
-                                        <p:cTn id="41" dur="1" fill="hold">
-                                          <p:stCondLst>
-                                            <p:cond delay="0"/>
-                                          </p:stCondLst>
-                                        </p:cTn>
-                                        <p:tgtEl>
-                                          <p:spTgt spid="40"/>
-                                        </p:tgtEl>
-                                        <p:attrNameLst>
-                                          <p:attrName>style.visibility</p:attrName>
-                                        </p:attrNameLst>
-                                      </p:cBhvr>
-                                      <p:to>
-                                        <p:strVal val="visible"/>
-                                      </p:to>
-                                    </p:set>
-                                    <p:animEffect transition="in" filter="fade">
-                                      <p:cBhvr>
-                                        <p:cTn id="42" dur="1000"/>
-                                        <p:tgtEl>
-                                          <p:spTgt spid="40"/>
-                                        </p:tgtEl>
-                                      </p:cBhvr>
-                                    </p:animEffect>
-                                    <p:anim calcmode="lin" valueType="num">
-                                      <p:cBhvr>
-                                        <p:cTn id="43" dur="1000" fill="hold"/>
-                                        <p:tgtEl>
-                                          <p:spTgt spid="40"/>
-                                        </p:tgtEl>
-                                        <p:attrNameLst>
-                                          <p:attrName>ppt_x</p:attrName>
-                                        </p:attrNameLst>
-                                      </p:cBhvr>
-                                      <p:tavLst>
-                                        <p:tav tm="0">
-                                          <p:val>
-                                            <p:strVal val="#ppt_x"/>
-                                          </p:val>
-                                        </p:tav>
-                                        <p:tav tm="100000">
-                                          <p:val>
-                                            <p:strVal val="#ppt_x"/>
-                                          </p:val>
-                                        </p:tav>
-                                      </p:tavLst>
-                                    </p:anim>
-                                    <p:anim calcmode="lin" valueType="num">
-                                      <p:cBhvr>
-                                        <p:cTn id="44" dur="1000" fill="hold"/>
-                                        <p:tgtEl>
-                                          <p:spTgt spid="40"/>
-                                        </p:tgtEl>
-                                        <p:attrNameLst>
-                                          <p:attrName>ppt_y</p:attrName>
-                                        </p:attrNameLst>
-                                      </p:cBhvr>
-                                      <p:tavLst>
-                                        <p:tav tm="0">
-                                          <p:val>
-                                            <p:strVal val="#ppt_y+.1"/>
-                                          </p:val>
-                                        </p:tav>
-                                        <p:tav tm="100000">
-                                          <p:val>
-                                            <p:strVal val="#ppt_y"/>
-                                          </p:val>
-                                        </p:tav>
-                                      </p:tavLst>
-                                    </p:anim>
-                                  </p:childTnLst>
-                                </p:cTn>
-                              </p:par>
-                              <p:par>
-                                <p:cTn id="45" presetID="42" presetClass="entr" presetSubtype="0" fill="hold" grpId="0" nodeType="withEffect">
-                                  <p:stCondLst>
-                                    <p:cond delay="0"/>
-                                  </p:stCondLst>
-                                  <p:childTnLst>
-                                    <p:set>
-                                      <p:cBhvr>
-                                        <p:cTn id="46" dur="1" fill="hold">
-                                          <p:stCondLst>
-                                            <p:cond delay="0"/>
-                                          </p:stCondLst>
-                                        </p:cTn>
-                                        <p:tgtEl>
-                                          <p:spTgt spid="41"/>
-                                        </p:tgtEl>
-                                        <p:attrNameLst>
-                                          <p:attrName>style.visibility</p:attrName>
-                                        </p:attrNameLst>
-                                      </p:cBhvr>
-                                      <p:to>
-                                        <p:strVal val="visible"/>
-                                      </p:to>
-                                    </p:set>
-                                    <p:animEffect transition="in" filter="fade">
-                                      <p:cBhvr>
-                                        <p:cTn id="47" dur="1000"/>
-                                        <p:tgtEl>
-                                          <p:spTgt spid="41"/>
-                                        </p:tgtEl>
-                                      </p:cBhvr>
-                                    </p:animEffect>
-                                    <p:anim calcmode="lin" valueType="num">
-                                      <p:cBhvr>
-                                        <p:cTn id="48" dur="1000" fill="hold"/>
-                                        <p:tgtEl>
-                                          <p:spTgt spid="41"/>
-                                        </p:tgtEl>
-                                        <p:attrNameLst>
-                                          <p:attrName>ppt_x</p:attrName>
-                                        </p:attrNameLst>
-                                      </p:cBhvr>
-                                      <p:tavLst>
-                                        <p:tav tm="0">
-                                          <p:val>
-                                            <p:strVal val="#ppt_x"/>
-                                          </p:val>
-                                        </p:tav>
-                                        <p:tav tm="100000">
-                                          <p:val>
-                                            <p:strVal val="#ppt_x"/>
-                                          </p:val>
-                                        </p:tav>
-                                      </p:tavLst>
-                                    </p:anim>
-                                    <p:anim calcmode="lin" valueType="num">
-                                      <p:cBhvr>
-                                        <p:cTn id="49" dur="1000" fill="hold"/>
-                                        <p:tgtEl>
-                                          <p:spTgt spid="41"/>
-                                        </p:tgtEl>
-                                        <p:attrNameLst>
-                                          <p:attrName>ppt_y</p:attrName>
-                                        </p:attrNameLst>
-                                      </p:cBhvr>
-                                      <p:tavLst>
-                                        <p:tav tm="0">
-                                          <p:val>
-                                            <p:strVal val="#ppt_y+.1"/>
+                                            <p:strVal val="#ppt_y-.1"/>
                                           </p:val>
                                         </p:tav>
                                         <p:tav tm="100000">
@@ -30992,36 +28661,27 @@
                             </p:childTnLst>
                           </p:cTn>
                         </p:par>
-                      </p:childTnLst>
-                    </p:cTn>
-                  </p:par>
-                  <p:par>
-                    <p:cTn id="50" fill="hold">
-                      <p:stCondLst>
-                        <p:cond delay="indefinite"/>
-                      </p:stCondLst>
-                      <p:childTnLst>
                         <p:par>
-                          <p:cTn id="51" fill="hold">
+                          <p:cTn id="16" fill="hold">
                             <p:stCondLst>
-                              <p:cond delay="0"/>
+                              <p:cond delay="3200"/>
                             </p:stCondLst>
                             <p:childTnLst>
                               <p:par>
-                                <p:cTn id="52" presetID="10" presetClass="entr" presetSubtype="0" fill="hold" grpId="0" nodeType="clickEffect">
+                                <p:cTn id="17" presetID="14" presetClass="entr" presetSubtype="10" fill="hold" grpId="0" nodeType="afterEffect">
                                   <p:stCondLst>
                                     <p:cond delay="0"/>
                                   </p:stCondLst>
                                   <p:childTnLst>
                                     <p:set>
                                       <p:cBhvr>
-                                        <p:cTn id="53" dur="1" fill="hold">
+                                        <p:cTn id="18" dur="1" fill="hold">
                                           <p:stCondLst>
                                             <p:cond delay="0"/>
                                           </p:stCondLst>
                                         </p:cTn>
                                         <p:tgtEl>
-                                          <p:spTgt spid="42"/>
+                                          <p:spTgt spid="6"/>
                                         </p:tgtEl>
                                         <p:attrNameLst>
                                           <p:attrName>style.visibility</p:attrName>
@@ -31031,318 +28691,11 @@
                                         <p:strVal val="visible"/>
                                       </p:to>
                                     </p:set>
-                                    <p:animEffect transition="in" filter="fade">
+                                    <p:animEffect transition="in" filter="randombar(horizontal)">
                                       <p:cBhvr>
-                                        <p:cTn id="54" dur="500"/>
+                                        <p:cTn id="19" dur="500"/>
                                         <p:tgtEl>
-                                          <p:spTgt spid="42"/>
-                                        </p:tgtEl>
-                                      </p:cBhvr>
-                                    </p:animEffect>
-                                  </p:childTnLst>
-                                </p:cTn>
-                              </p:par>
-                            </p:childTnLst>
-                          </p:cTn>
-                        </p:par>
-                        <p:par>
-                          <p:cTn id="55" fill="hold">
-                            <p:stCondLst>
-                              <p:cond delay="500"/>
-                            </p:stCondLst>
-                            <p:childTnLst>
-                              <p:par>
-                                <p:cTn id="56" presetID="12" presetClass="entr" presetSubtype="4" fill="hold" grpId="0" nodeType="afterEffect">
-                                  <p:stCondLst>
-                                    <p:cond delay="0"/>
-                                  </p:stCondLst>
-                                  <p:childTnLst>
-                                    <p:set>
-                                      <p:cBhvr>
-                                        <p:cTn id="57" dur="1" fill="hold">
-                                          <p:stCondLst>
-                                            <p:cond delay="0"/>
-                                          </p:stCondLst>
-                                        </p:cTn>
-                                        <p:tgtEl>
-                                          <p:spTgt spid="43"/>
-                                        </p:tgtEl>
-                                        <p:attrNameLst>
-                                          <p:attrName>style.visibility</p:attrName>
-                                        </p:attrNameLst>
-                                      </p:cBhvr>
-                                      <p:to>
-                                        <p:strVal val="visible"/>
-                                      </p:to>
-                                    </p:set>
-                                    <p:anim calcmode="lin" valueType="num">
-                                      <p:cBhvr additive="base">
-                                        <p:cTn id="58" dur="500"/>
-                                        <p:tgtEl>
-                                          <p:spTgt spid="43"/>
-                                        </p:tgtEl>
-                                        <p:attrNameLst>
-                                          <p:attrName>ppt_y</p:attrName>
-                                        </p:attrNameLst>
-                                      </p:cBhvr>
-                                      <p:tavLst>
-                                        <p:tav tm="0">
-                                          <p:val>
-                                            <p:strVal val="#ppt_y+#ppt_h*1.125000"/>
-                                          </p:val>
-                                        </p:tav>
-                                        <p:tav tm="100000">
-                                          <p:val>
-                                            <p:strVal val="#ppt_y"/>
-                                          </p:val>
-                                        </p:tav>
-                                      </p:tavLst>
-                                    </p:anim>
-                                    <p:animEffect transition="in" filter="wipe(up)">
-                                      <p:cBhvr>
-                                        <p:cTn id="59" dur="500"/>
-                                        <p:tgtEl>
-                                          <p:spTgt spid="43"/>
-                                        </p:tgtEl>
-                                      </p:cBhvr>
-                                    </p:animEffect>
-                                  </p:childTnLst>
-                                </p:cTn>
-                              </p:par>
-                            </p:childTnLst>
-                          </p:cTn>
-                        </p:par>
-                      </p:childTnLst>
-                    </p:cTn>
-                  </p:par>
-                  <p:par>
-                    <p:cTn id="60" fill="hold">
-                      <p:stCondLst>
-                        <p:cond delay="indefinite"/>
-                      </p:stCondLst>
-                      <p:childTnLst>
-                        <p:par>
-                          <p:cTn id="61" fill="hold">
-                            <p:stCondLst>
-                              <p:cond delay="0"/>
-                            </p:stCondLst>
-                            <p:childTnLst>
-                              <p:par>
-                                <p:cTn id="62" presetID="10" presetClass="entr" presetSubtype="0" fill="hold" grpId="0" nodeType="clickEffect">
-                                  <p:stCondLst>
-                                    <p:cond delay="0"/>
-                                  </p:stCondLst>
-                                  <p:childTnLst>
-                                    <p:set>
-                                      <p:cBhvr>
-                                        <p:cTn id="63" dur="1" fill="hold">
-                                          <p:stCondLst>
-                                            <p:cond delay="0"/>
-                                          </p:stCondLst>
-                                        </p:cTn>
-                                        <p:tgtEl>
-                                          <p:spTgt spid="44"/>
-                                        </p:tgtEl>
-                                        <p:attrNameLst>
-                                          <p:attrName>style.visibility</p:attrName>
-                                        </p:attrNameLst>
-                                      </p:cBhvr>
-                                      <p:to>
-                                        <p:strVal val="visible"/>
-                                      </p:to>
-                                    </p:set>
-                                    <p:animEffect transition="in" filter="fade">
-                                      <p:cBhvr>
-                                        <p:cTn id="64" dur="500"/>
-                                        <p:tgtEl>
-                                          <p:spTgt spid="44"/>
-                                        </p:tgtEl>
-                                      </p:cBhvr>
-                                    </p:animEffect>
-                                  </p:childTnLst>
-                                </p:cTn>
-                              </p:par>
-                            </p:childTnLst>
-                          </p:cTn>
-                        </p:par>
-                        <p:par>
-                          <p:cTn id="65" fill="hold">
-                            <p:stCondLst>
-                              <p:cond delay="500"/>
-                            </p:stCondLst>
-                            <p:childTnLst>
-                              <p:par>
-                                <p:cTn id="66" presetID="12" presetClass="entr" presetSubtype="4" fill="hold" grpId="0" nodeType="afterEffect">
-                                  <p:stCondLst>
-                                    <p:cond delay="0"/>
-                                  </p:stCondLst>
-                                  <p:childTnLst>
-                                    <p:set>
-                                      <p:cBhvr>
-                                        <p:cTn id="67" dur="1" fill="hold">
-                                          <p:stCondLst>
-                                            <p:cond delay="0"/>
-                                          </p:stCondLst>
-                                        </p:cTn>
-                                        <p:tgtEl>
-                                          <p:spTgt spid="45"/>
-                                        </p:tgtEl>
-                                        <p:attrNameLst>
-                                          <p:attrName>style.visibility</p:attrName>
-                                        </p:attrNameLst>
-                                      </p:cBhvr>
-                                      <p:to>
-                                        <p:strVal val="visible"/>
-                                      </p:to>
-                                    </p:set>
-                                    <p:anim calcmode="lin" valueType="num">
-                                      <p:cBhvr additive="base">
-                                        <p:cTn id="68" dur="500"/>
-                                        <p:tgtEl>
-                                          <p:spTgt spid="45"/>
-                                        </p:tgtEl>
-                                        <p:attrNameLst>
-                                          <p:attrName>ppt_y</p:attrName>
-                                        </p:attrNameLst>
-                                      </p:cBhvr>
-                                      <p:tavLst>
-                                        <p:tav tm="0">
-                                          <p:val>
-                                            <p:strVal val="#ppt_y+#ppt_h*1.125000"/>
-                                          </p:val>
-                                        </p:tav>
-                                        <p:tav tm="100000">
-                                          <p:val>
-                                            <p:strVal val="#ppt_y"/>
-                                          </p:val>
-                                        </p:tav>
-                                      </p:tavLst>
-                                    </p:anim>
-                                    <p:animEffect transition="in" filter="wipe(up)">
-                                      <p:cBhvr>
-                                        <p:cTn id="69" dur="500"/>
-                                        <p:tgtEl>
-                                          <p:spTgt spid="45"/>
-                                        </p:tgtEl>
-                                      </p:cBhvr>
-                                    </p:animEffect>
-                                  </p:childTnLst>
-                                </p:cTn>
-                              </p:par>
-                            </p:childTnLst>
-                          </p:cTn>
-                        </p:par>
-                      </p:childTnLst>
-                    </p:cTn>
-                  </p:par>
-                  <p:par>
-                    <p:cTn id="70" fill="hold">
-                      <p:stCondLst>
-                        <p:cond delay="indefinite"/>
-                      </p:stCondLst>
-                      <p:childTnLst>
-                        <p:par>
-                          <p:cTn id="71" fill="hold">
-                            <p:stCondLst>
-                              <p:cond delay="0"/>
-                            </p:stCondLst>
-                            <p:childTnLst>
-                              <p:par>
-                                <p:cTn id="72" presetID="10" presetClass="entr" presetSubtype="0" fill="hold" grpId="0" nodeType="clickEffect">
-                                  <p:stCondLst>
-                                    <p:cond delay="0"/>
-                                  </p:stCondLst>
-                                  <p:childTnLst>
-                                    <p:set>
-                                      <p:cBhvr>
-                                        <p:cTn id="73" dur="1" fill="hold">
-                                          <p:stCondLst>
-                                            <p:cond delay="0"/>
-                                          </p:stCondLst>
-                                        </p:cTn>
-                                        <p:tgtEl>
-                                          <p:spTgt spid="46"/>
-                                        </p:tgtEl>
-                                        <p:attrNameLst>
-                                          <p:attrName>style.visibility</p:attrName>
-                                        </p:attrNameLst>
-                                      </p:cBhvr>
-                                      <p:to>
-                                        <p:strVal val="visible"/>
-                                      </p:to>
-                                    </p:set>
-                                    <p:animEffect transition="in" filter="fade">
-                                      <p:cBhvr>
-                                        <p:cTn id="74" dur="500"/>
-                                        <p:tgtEl>
-                                          <p:spTgt spid="46"/>
-                                        </p:tgtEl>
-                                      </p:cBhvr>
-                                    </p:animEffect>
-                                  </p:childTnLst>
-                                </p:cTn>
-                              </p:par>
-                            </p:childTnLst>
-                          </p:cTn>
-                        </p:par>
-                        <p:par>
-                          <p:cTn id="75" fill="hold">
-                            <p:stCondLst>
-                              <p:cond delay="500"/>
-                            </p:stCondLst>
-                            <p:childTnLst>
-                              <p:par>
-                                <p:cTn id="76" presetID="12" presetClass="entr" presetSubtype="4" fill="hold" grpId="0" nodeType="afterEffect">
-                                  <p:stCondLst>
-                                    <p:cond delay="0"/>
-                                  </p:stCondLst>
-                                  <p:childTnLst>
-                                    <p:set>
-                                      <p:cBhvr>
-                                        <p:cTn id="77" dur="1" fill="hold">
-                                          <p:stCondLst>
-                                            <p:cond delay="0"/>
-                                          </p:stCondLst>
-                                        </p:cTn>
-                                        <p:tgtEl>
-                                          <p:spTgt spid="47"/>
-                                        </p:tgtEl>
-                                        <p:attrNameLst>
-                                          <p:attrName>style.visibility</p:attrName>
-                                        </p:attrNameLst>
-                                      </p:cBhvr>
-                                      <p:to>
-                                        <p:strVal val="visible"/>
-                                      </p:to>
-                                    </p:set>
-                                    <p:anim calcmode="lin" valueType="num">
-                                      <p:cBhvr additive="base">
-                                        <p:cTn id="78" dur="500"/>
-                                        <p:tgtEl>
-                                          <p:spTgt spid="47"/>
-                                        </p:tgtEl>
-                                        <p:attrNameLst>
-                                          <p:attrName>ppt_y</p:attrName>
-                                        </p:attrNameLst>
-                                      </p:cBhvr>
-                                      <p:tavLst>
-                                        <p:tav tm="0">
-                                          <p:val>
-                                            <p:strVal val="#ppt_y+#ppt_h*1.125000"/>
-                                          </p:val>
-                                        </p:tav>
-                                        <p:tav tm="100000">
-                                          <p:val>
-                                            <p:strVal val="#ppt_y"/>
-                                          </p:val>
-                                        </p:tav>
-                                      </p:tavLst>
-                                    </p:anim>
-                                    <p:animEffect transition="in" filter="wipe(up)">
-                                      <p:cBhvr>
-                                        <p:cTn id="79" dur="500"/>
-                                        <p:tgtEl>
-                                          <p:spTgt spid="47"/>
+                                          <p:spTgt spid="6"/>
                                         </p:tgtEl>
                                       </p:cBhvr>
                                     </p:animEffect>
@@ -31377,18 +28730,8 @@
       </p:par>
     </p:tnLst>
     <p:bldLst>
-      <p:bldP spid="25" grpId="0" bldLvl="0" animBg="1"/>
-      <p:bldP spid="26" grpId="0" bldLvl="0" animBg="1"/>
-      <p:bldP spid="29" grpId="0" bldLvl="0" animBg="1"/>
-      <p:bldP spid="39" grpId="0" bldLvl="0" animBg="1"/>
-      <p:bldP spid="40" grpId="0" bldLvl="0" animBg="1"/>
-      <p:bldP spid="41" grpId="0" bldLvl="0" animBg="1"/>
-      <p:bldP spid="42" grpId="0"/>
-      <p:bldP spid="43" grpId="0" bldLvl="0"/>
-      <p:bldP spid="44" grpId="0"/>
-      <p:bldP spid="45" grpId="0" bldLvl="0"/>
-      <p:bldP spid="46" grpId="0"/>
-      <p:bldP spid="47" grpId="0" bldLvl="0"/>
+      <p:bldP spid="14" grpId="0" build="p"/>
+      <p:bldP spid="6" grpId="0"/>
     </p:bldLst>
   </p:timing>
 </p:sld>
@@ -44728,6 +42071,18 @@
 </p:tagLst>
 </file>
 
+<file path=ppt/tags/tag36.xml><?xml version="1.0" encoding="utf-8"?>
+<p:tagLst xmlns:p="http://schemas.openxmlformats.org/presentationml/2006/main">
+  <p:tag name="PA" val="v3.0.1"/>
+</p:tagLst>
+</file>
+
+<file path=ppt/tags/tag37.xml><?xml version="1.0" encoding="utf-8"?>
+<p:tagLst xmlns:p="http://schemas.openxmlformats.org/presentationml/2006/main">
+  <p:tag name="PA" val="v3.0.1"/>
+</p:tagLst>
+</file>
+
 <file path=ppt/tags/tag4.xml><?xml version="1.0" encoding="utf-8"?>
 <p:tagLst xmlns:p="http://schemas.openxmlformats.org/presentationml/2006/main">
   <p:tag name="PA" val="v3.0.1"/>

--- a/分享PPT/k8s分享课题.pptx
+++ b/分享PPT/k8s分享课题.pptx
@@ -29945,7 +29945,7 @@
         <p:spPr>
           <a:xfrm>
             <a:off x="5182870" y="5333365"/>
-            <a:ext cx="5023485" cy="521970"/>
+            <a:ext cx="5722620" cy="521970"/>
           </a:xfrm>
           <a:prstGeom prst="rect">
             <a:avLst/>
@@ -30050,7 +30050,39 @@
                 <a:cs typeface="+mn-ea"/>
                 <a:sym typeface="+mn-lt"/>
               </a:rPr>
-              <a:t>pv&amp;pvc)</a:t>
+              <a:t>pv&amp;pvc</a:t>
+            </a:r>
+            <a:r>
+              <a:rPr kumimoji="0" lang="zh-CN" altLang="en-US" sz="2800" b="0" i="0" u="none" strike="noStrike" kern="1200" cap="none" spc="0" normalizeH="0" baseline="0" noProof="0" dirty="0">
+                <a:ln>
+                  <a:noFill/>
+                </a:ln>
+                <a:solidFill>
+                  <a:srgbClr val="F8F8F8"/>
+                </a:solidFill>
+                <a:effectLst/>
+                <a:uLnTx/>
+                <a:uFillTx/>
+                <a:cs typeface="+mn-ea"/>
+                <a:sym typeface="+mn-lt"/>
+              </a:rPr>
+              <a:t>后续</a:t>
+            </a:r>
+            <a:r>
+              <a:rPr kumimoji="0" lang="en-US" altLang="zh-CN" sz="2800" b="0" i="0" u="none" strike="noStrike" kern="1200" cap="none" spc="0" normalizeH="0" baseline="0" noProof="0" dirty="0">
+                <a:ln>
+                  <a:noFill/>
+                </a:ln>
+                <a:solidFill>
+                  <a:srgbClr val="F8F8F8"/>
+                </a:solidFill>
+                <a:effectLst/>
+                <a:uLnTx/>
+                <a:uFillTx/>
+                <a:cs typeface="+mn-ea"/>
+                <a:sym typeface="+mn-lt"/>
+              </a:rPr>
+              <a:t>)</a:t>
             </a:r>
             <a:endParaRPr kumimoji="0" lang="en-US" altLang="zh-CN" sz="2800" b="0" i="0" u="none" strike="noStrike" kern="1200" cap="none" spc="0" normalizeH="0" baseline="0" noProof="0" dirty="0">
               <a:ln>
@@ -30480,7 +30512,7 @@
         <p:spPr>
           <a:xfrm>
             <a:off x="5225415" y="5931535"/>
-            <a:ext cx="3660775" cy="521970"/>
+            <a:ext cx="4493260" cy="521970"/>
           </a:xfrm>
           <a:prstGeom prst="rect">
             <a:avLst/>
@@ -30553,7 +30585,39 @@
                 <a:cs typeface="+mn-ea"/>
                 <a:sym typeface="+mn-lt"/>
               </a:rPr>
-              <a:t>k8s(Servicemesh)</a:t>
+              <a:t>k8s(Servicemesh</a:t>
+            </a:r>
+            <a:r>
+              <a:rPr kumimoji="0" lang="zh-CN" altLang="en-US" sz="2800" b="0" i="0" u="none" strike="noStrike" kern="1200" cap="none" spc="0" normalizeH="0" baseline="0" noProof="0" dirty="0">
+                <a:ln>
+                  <a:noFill/>
+                </a:ln>
+                <a:solidFill>
+                  <a:srgbClr val="F8F8F8"/>
+                </a:solidFill>
+                <a:effectLst/>
+                <a:uLnTx/>
+                <a:uFillTx/>
+                <a:cs typeface="+mn-ea"/>
+                <a:sym typeface="+mn-lt"/>
+              </a:rPr>
+              <a:t>后续</a:t>
+            </a:r>
+            <a:r>
+              <a:rPr kumimoji="0" lang="en-US" altLang="zh-CN" sz="2800" b="0" i="0" u="none" strike="noStrike" kern="1200" cap="none" spc="0" normalizeH="0" baseline="0" noProof="0" dirty="0">
+                <a:ln>
+                  <a:noFill/>
+                </a:ln>
+                <a:solidFill>
+                  <a:srgbClr val="F8F8F8"/>
+                </a:solidFill>
+                <a:effectLst/>
+                <a:uLnTx/>
+                <a:uFillTx/>
+                <a:cs typeface="+mn-ea"/>
+                <a:sym typeface="+mn-lt"/>
+              </a:rPr>
+              <a:t>)</a:t>
             </a:r>
             <a:endParaRPr kumimoji="0" lang="en-US" altLang="zh-CN" sz="2800" b="0" i="0" u="none" strike="noStrike" kern="1200" cap="none" spc="0" normalizeH="0" baseline="0" noProof="0" dirty="0">
               <a:ln>
